--- a/7_Reports/3_Final_PPT/2022mt93331.pptx
+++ b/7_Reports/3_Final_PPT/2022mt93331.pptx
@@ -11,17 +11,12 @@
     <p:sldId id="259" r:id="rId5"/>
     <p:sldId id="261" r:id="rId6"/>
     <p:sldId id="260" r:id="rId7"/>
-    <p:sldId id="262" r:id="rId8"/>
-    <p:sldId id="265" r:id="rId9"/>
-    <p:sldId id="264" r:id="rId10"/>
-    <p:sldId id="263" r:id="rId11"/>
-    <p:sldId id="266" r:id="rId12"/>
-    <p:sldId id="267" r:id="rId13"/>
-    <p:sldId id="268" r:id="rId14"/>
-    <p:sldId id="269" r:id="rId15"/>
-    <p:sldId id="271" r:id="rId16"/>
-    <p:sldId id="272" r:id="rId17"/>
-    <p:sldId id="273" r:id="rId18"/>
+    <p:sldId id="265" r:id="rId8"/>
+    <p:sldId id="274" r:id="rId9"/>
+    <p:sldId id="275" r:id="rId10"/>
+    <p:sldId id="276" r:id="rId11"/>
+    <p:sldId id="277" r:id="rId12"/>
+    <p:sldId id="273" r:id="rId13"/>
   </p:sldIdLst>
   <p:sldSz cx="12192000" cy="6858000"/>
   <p:notesSz cx="6858000" cy="9144000"/>
@@ -128,6 +123,305 @@
 </p:presentation>
 </file>
 
+<file path=ppt/revisionInfo.xml><?xml version="1.0" encoding="utf-8"?>
+<p1510:revInfo xmlns:a="http://schemas.openxmlformats.org/drawingml/2006/main" xmlns:r="http://schemas.openxmlformats.org/officeDocument/2006/relationships" xmlns:p1510="http://schemas.microsoft.com/office/powerpoint/2015/10/main">
+  <p1510:revLst>
+    <p1510:client id="{32BB01D8-60B0-44F8-A0A0-CB957A1508C5}" v="4" dt="2024-04-29T17:37:51.520"/>
+  </p1510:revLst>
+</p1510:revInfo>
+</file>
+
+<file path=ppt/changesInfos/changesInfo1.xml><?xml version="1.0" encoding="utf-8"?>
+<pc:chgInfo xmlns:a="http://schemas.openxmlformats.org/drawingml/2006/main" xmlns:r="http://schemas.openxmlformats.org/officeDocument/2006/relationships" xmlns:ac="http://schemas.microsoft.com/office/drawing/2013/main/command" xmlns:pc="http://schemas.microsoft.com/office/powerpoint/2013/main/command">
+  <pc:docChgLst>
+    <pc:chgData name="akhomepc123@outlook.com" userId="ce93629bd4034a19" providerId="LiveId" clId="{32BB01D8-60B0-44F8-A0A0-CB957A1508C5}"/>
+    <pc:docChg chg="undo custSel addSld delSld modSld">
+      <pc:chgData name="akhomepc123@outlook.com" userId="ce93629bd4034a19" providerId="LiveId" clId="{32BB01D8-60B0-44F8-A0A0-CB957A1508C5}" dt="2024-04-29T17:38:21.978" v="282" actId="47"/>
+      <pc:docMkLst>
+        <pc:docMk/>
+      </pc:docMkLst>
+      <pc:sldChg chg="modSp mod">
+        <pc:chgData name="akhomepc123@outlook.com" userId="ce93629bd4034a19" providerId="LiveId" clId="{32BB01D8-60B0-44F8-A0A0-CB957A1508C5}" dt="2024-04-29T17:00:40.902" v="45" actId="123"/>
+        <pc:sldMkLst>
+          <pc:docMk/>
+          <pc:sldMk cId="4056070997" sldId="256"/>
+        </pc:sldMkLst>
+        <pc:spChg chg="mod">
+          <ac:chgData name="akhomepc123@outlook.com" userId="ce93629bd4034a19" providerId="LiveId" clId="{32BB01D8-60B0-44F8-A0A0-CB957A1508C5}" dt="2024-04-29T17:00:40.902" v="45" actId="123"/>
+          <ac:spMkLst>
+            <pc:docMk/>
+            <pc:sldMk cId="4056070997" sldId="256"/>
+            <ac:spMk id="2" creationId="{7C7182A5-8487-8E9D-8409-6D25930DB49D}"/>
+          </ac:spMkLst>
+        </pc:spChg>
+        <pc:spChg chg="mod">
+          <ac:chgData name="akhomepc123@outlook.com" userId="ce93629bd4034a19" providerId="LiveId" clId="{32BB01D8-60B0-44F8-A0A0-CB957A1508C5}" dt="2024-04-29T16:59:57.814" v="39" actId="20577"/>
+          <ac:spMkLst>
+            <pc:docMk/>
+            <pc:sldMk cId="4056070997" sldId="256"/>
+            <ac:spMk id="3" creationId="{CFD84081-B1E0-A612-0543-02B7FD492007}"/>
+          </ac:spMkLst>
+        </pc:spChg>
+        <pc:spChg chg="mod">
+          <ac:chgData name="akhomepc123@outlook.com" userId="ce93629bd4034a19" providerId="LiveId" clId="{32BB01D8-60B0-44F8-A0A0-CB957A1508C5}" dt="2024-04-29T16:59:15.263" v="3" actId="20577"/>
+          <ac:spMkLst>
+            <pc:docMk/>
+            <pc:sldMk cId="4056070997" sldId="256"/>
+            <ac:spMk id="9" creationId="{5B01C2BC-5DAE-3C44-A4F0-AF6DF7DF0B52}"/>
+          </ac:spMkLst>
+        </pc:spChg>
+        <pc:spChg chg="mod">
+          <ac:chgData name="akhomepc123@outlook.com" userId="ce93629bd4034a19" providerId="LiveId" clId="{32BB01D8-60B0-44F8-A0A0-CB957A1508C5}" dt="2024-04-29T16:59:39.971" v="8" actId="1076"/>
+          <ac:spMkLst>
+            <pc:docMk/>
+            <pc:sldMk cId="4056070997" sldId="256"/>
+            <ac:spMk id="11" creationId="{A3F8E9A1-6EA4-7A75-6D98-E86DCD501064}"/>
+          </ac:spMkLst>
+        </pc:spChg>
+      </pc:sldChg>
+      <pc:sldChg chg="modSp mod">
+        <pc:chgData name="akhomepc123@outlook.com" userId="ce93629bd4034a19" providerId="LiveId" clId="{32BB01D8-60B0-44F8-A0A0-CB957A1508C5}" dt="2024-04-29T17:31:15.184" v="181" actId="27636"/>
+        <pc:sldMkLst>
+          <pc:docMk/>
+          <pc:sldMk cId="1902124935" sldId="257"/>
+        </pc:sldMkLst>
+        <pc:spChg chg="mod">
+          <ac:chgData name="akhomepc123@outlook.com" userId="ce93629bd4034a19" providerId="LiveId" clId="{32BB01D8-60B0-44F8-A0A0-CB957A1508C5}" dt="2024-04-29T17:31:15.184" v="181" actId="27636"/>
+          <ac:spMkLst>
+            <pc:docMk/>
+            <pc:sldMk cId="1902124935" sldId="257"/>
+            <ac:spMk id="3" creationId="{62D59CD8-7EB3-404C-67FE-79EEC9075C9B}"/>
+          </ac:spMkLst>
+        </pc:spChg>
+      </pc:sldChg>
+      <pc:sldChg chg="modSp mod">
+        <pc:chgData name="akhomepc123@outlook.com" userId="ce93629bd4034a19" providerId="LiveId" clId="{32BB01D8-60B0-44F8-A0A0-CB957A1508C5}" dt="2024-04-29T17:31:40.588" v="197" actId="20577"/>
+        <pc:sldMkLst>
+          <pc:docMk/>
+          <pc:sldMk cId="3018499417" sldId="259"/>
+        </pc:sldMkLst>
+        <pc:spChg chg="mod">
+          <ac:chgData name="akhomepc123@outlook.com" userId="ce93629bd4034a19" providerId="LiveId" clId="{32BB01D8-60B0-44F8-A0A0-CB957A1508C5}" dt="2024-04-29T17:31:40.588" v="197" actId="20577"/>
+          <ac:spMkLst>
+            <pc:docMk/>
+            <pc:sldMk cId="3018499417" sldId="259"/>
+            <ac:spMk id="3" creationId="{70B6563F-C9BC-8EC0-B611-9FFC088AFF08}"/>
+          </ac:spMkLst>
+        </pc:spChg>
+      </pc:sldChg>
+      <pc:sldChg chg="addSp delSp modSp mod">
+        <pc:chgData name="akhomepc123@outlook.com" userId="ce93629bd4034a19" providerId="LiveId" clId="{32BB01D8-60B0-44F8-A0A0-CB957A1508C5}" dt="2024-04-29T17:36:20.714" v="241" actId="478"/>
+        <pc:sldMkLst>
+          <pc:docMk/>
+          <pc:sldMk cId="2627836616" sldId="260"/>
+        </pc:sldMkLst>
+        <pc:spChg chg="mod">
+          <ac:chgData name="akhomepc123@outlook.com" userId="ce93629bd4034a19" providerId="LiveId" clId="{32BB01D8-60B0-44F8-A0A0-CB957A1508C5}" dt="2024-04-29T17:36:12.651" v="240"/>
+          <ac:spMkLst>
+            <pc:docMk/>
+            <pc:sldMk cId="2627836616" sldId="260"/>
+            <ac:spMk id="2" creationId="{C867E095-0C52-871E-0F9B-66057EA69166}"/>
+          </ac:spMkLst>
+        </pc:spChg>
+        <pc:spChg chg="del">
+          <ac:chgData name="akhomepc123@outlook.com" userId="ce93629bd4034a19" providerId="LiveId" clId="{32BB01D8-60B0-44F8-A0A0-CB957A1508C5}" dt="2024-04-29T17:36:20.714" v="241" actId="478"/>
+          <ac:spMkLst>
+            <pc:docMk/>
+            <pc:sldMk cId="2627836616" sldId="260"/>
+            <ac:spMk id="3" creationId="{70B6563F-C9BC-8EC0-B611-9FFC088AFF08}"/>
+          </ac:spMkLst>
+        </pc:spChg>
+        <pc:spChg chg="add mod">
+          <ac:chgData name="akhomepc123@outlook.com" userId="ce93629bd4034a19" providerId="LiveId" clId="{32BB01D8-60B0-44F8-A0A0-CB957A1508C5}" dt="2024-04-29T17:36:20.714" v="241" actId="478"/>
+          <ac:spMkLst>
+            <pc:docMk/>
+            <pc:sldMk cId="2627836616" sldId="260"/>
+            <ac:spMk id="5" creationId="{05A72281-A374-5A61-2CD2-EBC9E725BD3B}"/>
+          </ac:spMkLst>
+        </pc:spChg>
+      </pc:sldChg>
+      <pc:sldChg chg="addSp delSp modSp mod">
+        <pc:chgData name="akhomepc123@outlook.com" userId="ce93629bd4034a19" providerId="LiveId" clId="{32BB01D8-60B0-44F8-A0A0-CB957A1508C5}" dt="2024-04-29T17:32:41.266" v="239" actId="1076"/>
+        <pc:sldMkLst>
+          <pc:docMk/>
+          <pc:sldMk cId="1852740465" sldId="261"/>
+        </pc:sldMkLst>
+        <pc:spChg chg="del">
+          <ac:chgData name="akhomepc123@outlook.com" userId="ce93629bd4034a19" providerId="LiveId" clId="{32BB01D8-60B0-44F8-A0A0-CB957A1508C5}" dt="2024-04-29T17:32:33.237" v="237" actId="478"/>
+          <ac:spMkLst>
+            <pc:docMk/>
+            <pc:sldMk cId="1852740465" sldId="261"/>
+            <ac:spMk id="3" creationId="{70B6563F-C9BC-8EC0-B611-9FFC088AFF08}"/>
+          </ac:spMkLst>
+        </pc:spChg>
+        <pc:spChg chg="add del mod">
+          <ac:chgData name="akhomepc123@outlook.com" userId="ce93629bd4034a19" providerId="LiveId" clId="{32BB01D8-60B0-44F8-A0A0-CB957A1508C5}" dt="2024-04-29T17:32:36.353" v="238" actId="478"/>
+          <ac:spMkLst>
+            <pc:docMk/>
+            <pc:sldMk cId="1852740465" sldId="261"/>
+            <ac:spMk id="5" creationId="{C8D1DAC1-8988-0145-7F26-ED67FDD08C63}"/>
+          </ac:spMkLst>
+        </pc:spChg>
+        <pc:spChg chg="mod">
+          <ac:chgData name="akhomepc123@outlook.com" userId="ce93629bd4034a19" providerId="LiveId" clId="{32BB01D8-60B0-44F8-A0A0-CB957A1508C5}" dt="2024-04-29T17:32:41.266" v="239" actId="1076"/>
+          <ac:spMkLst>
+            <pc:docMk/>
+            <pc:sldMk cId="1852740465" sldId="261"/>
+            <ac:spMk id="7" creationId="{74927968-1565-1632-AC36-C844878AFB50}"/>
+          </ac:spMkLst>
+        </pc:spChg>
+      </pc:sldChg>
+      <pc:sldChg chg="del">
+        <pc:chgData name="akhomepc123@outlook.com" userId="ce93629bd4034a19" providerId="LiveId" clId="{32BB01D8-60B0-44F8-A0A0-CB957A1508C5}" dt="2024-04-29T17:36:22.790" v="242" actId="47"/>
+        <pc:sldMkLst>
+          <pc:docMk/>
+          <pc:sldMk cId="1568784231" sldId="262"/>
+        </pc:sldMkLst>
+      </pc:sldChg>
+      <pc:sldChg chg="del">
+        <pc:chgData name="akhomepc123@outlook.com" userId="ce93629bd4034a19" providerId="LiveId" clId="{32BB01D8-60B0-44F8-A0A0-CB957A1508C5}" dt="2024-04-29T17:38:11.137" v="276" actId="47"/>
+        <pc:sldMkLst>
+          <pc:docMk/>
+          <pc:sldMk cId="3072426573" sldId="263"/>
+        </pc:sldMkLst>
+      </pc:sldChg>
+      <pc:sldChg chg="del">
+        <pc:chgData name="akhomepc123@outlook.com" userId="ce93629bd4034a19" providerId="LiveId" clId="{32BB01D8-60B0-44F8-A0A0-CB957A1508C5}" dt="2024-04-29T17:38:07.869" v="275" actId="47"/>
+        <pc:sldMkLst>
+          <pc:docMk/>
+          <pc:sldMk cId="763868137" sldId="264"/>
+        </pc:sldMkLst>
+      </pc:sldChg>
+      <pc:sldChg chg="modSp mod">
+        <pc:chgData name="akhomepc123@outlook.com" userId="ce93629bd4034a19" providerId="LiveId" clId="{32BB01D8-60B0-44F8-A0A0-CB957A1508C5}" dt="2024-04-29T17:37:02.512" v="264" actId="20577"/>
+        <pc:sldMkLst>
+          <pc:docMk/>
+          <pc:sldMk cId="1700276650" sldId="265"/>
+        </pc:sldMkLst>
+        <pc:spChg chg="mod">
+          <ac:chgData name="akhomepc123@outlook.com" userId="ce93629bd4034a19" providerId="LiveId" clId="{32BB01D8-60B0-44F8-A0A0-CB957A1508C5}" dt="2024-04-29T17:36:40.568" v="261" actId="20577"/>
+          <ac:spMkLst>
+            <pc:docMk/>
+            <pc:sldMk cId="1700276650" sldId="265"/>
+            <ac:spMk id="2" creationId="{C867E095-0C52-871E-0F9B-66057EA69166}"/>
+          </ac:spMkLst>
+        </pc:spChg>
+        <pc:spChg chg="mod">
+          <ac:chgData name="akhomepc123@outlook.com" userId="ce93629bd4034a19" providerId="LiveId" clId="{32BB01D8-60B0-44F8-A0A0-CB957A1508C5}" dt="2024-04-29T17:37:02.512" v="264" actId="20577"/>
+          <ac:spMkLst>
+            <pc:docMk/>
+            <pc:sldMk cId="1700276650" sldId="265"/>
+            <ac:spMk id="3" creationId="{70B6563F-C9BC-8EC0-B611-9FFC088AFF08}"/>
+          </ac:spMkLst>
+        </pc:spChg>
+      </pc:sldChg>
+      <pc:sldChg chg="del">
+        <pc:chgData name="akhomepc123@outlook.com" userId="ce93629bd4034a19" providerId="LiveId" clId="{32BB01D8-60B0-44F8-A0A0-CB957A1508C5}" dt="2024-04-29T17:38:13.731" v="277" actId="47"/>
+        <pc:sldMkLst>
+          <pc:docMk/>
+          <pc:sldMk cId="3430934832" sldId="266"/>
+        </pc:sldMkLst>
+      </pc:sldChg>
+      <pc:sldChg chg="del">
+        <pc:chgData name="akhomepc123@outlook.com" userId="ce93629bd4034a19" providerId="LiveId" clId="{32BB01D8-60B0-44F8-A0A0-CB957A1508C5}" dt="2024-04-29T17:38:16.387" v="278" actId="47"/>
+        <pc:sldMkLst>
+          <pc:docMk/>
+          <pc:sldMk cId="2985115874" sldId="267"/>
+        </pc:sldMkLst>
+      </pc:sldChg>
+      <pc:sldChg chg="del">
+        <pc:chgData name="akhomepc123@outlook.com" userId="ce93629bd4034a19" providerId="LiveId" clId="{32BB01D8-60B0-44F8-A0A0-CB957A1508C5}" dt="2024-04-29T17:38:18.235" v="279" actId="47"/>
+        <pc:sldMkLst>
+          <pc:docMk/>
+          <pc:sldMk cId="543734971" sldId="268"/>
+        </pc:sldMkLst>
+      </pc:sldChg>
+      <pc:sldChg chg="del">
+        <pc:chgData name="akhomepc123@outlook.com" userId="ce93629bd4034a19" providerId="LiveId" clId="{32BB01D8-60B0-44F8-A0A0-CB957A1508C5}" dt="2024-04-29T17:38:19.586" v="280" actId="47"/>
+        <pc:sldMkLst>
+          <pc:docMk/>
+          <pc:sldMk cId="1246770148" sldId="269"/>
+        </pc:sldMkLst>
+      </pc:sldChg>
+      <pc:sldChg chg="del">
+        <pc:chgData name="akhomepc123@outlook.com" userId="ce93629bd4034a19" providerId="LiveId" clId="{32BB01D8-60B0-44F8-A0A0-CB957A1508C5}" dt="2024-04-29T17:38:20.899" v="281" actId="47"/>
+        <pc:sldMkLst>
+          <pc:docMk/>
+          <pc:sldMk cId="206023608" sldId="271"/>
+        </pc:sldMkLst>
+      </pc:sldChg>
+      <pc:sldChg chg="del">
+        <pc:chgData name="akhomepc123@outlook.com" userId="ce93629bd4034a19" providerId="LiveId" clId="{32BB01D8-60B0-44F8-A0A0-CB957A1508C5}" dt="2024-04-29T17:38:21.978" v="282" actId="47"/>
+        <pc:sldMkLst>
+          <pc:docMk/>
+          <pc:sldMk cId="170245545" sldId="272"/>
+        </pc:sldMkLst>
+      </pc:sldChg>
+      <pc:sldChg chg="modSp add mod">
+        <pc:chgData name="akhomepc123@outlook.com" userId="ce93629bd4034a19" providerId="LiveId" clId="{32BB01D8-60B0-44F8-A0A0-CB957A1508C5}" dt="2024-04-29T17:37:25.447" v="270" actId="20577"/>
+        <pc:sldMkLst>
+          <pc:docMk/>
+          <pc:sldMk cId="3624665028" sldId="274"/>
+        </pc:sldMkLst>
+        <pc:spChg chg="mod">
+          <ac:chgData name="akhomepc123@outlook.com" userId="ce93629bd4034a19" providerId="LiveId" clId="{32BB01D8-60B0-44F8-A0A0-CB957A1508C5}" dt="2024-04-29T17:37:25.447" v="270" actId="20577"/>
+          <ac:spMkLst>
+            <pc:docMk/>
+            <pc:sldMk cId="3624665028" sldId="274"/>
+            <ac:spMk id="3" creationId="{70B6563F-C9BC-8EC0-B611-9FFC088AFF08}"/>
+          </ac:spMkLst>
+        </pc:spChg>
+      </pc:sldChg>
+      <pc:sldChg chg="modSp add mod">
+        <pc:chgData name="akhomepc123@outlook.com" userId="ce93629bd4034a19" providerId="LiveId" clId="{32BB01D8-60B0-44F8-A0A0-CB957A1508C5}" dt="2024-04-29T17:37:37.185" v="271"/>
+        <pc:sldMkLst>
+          <pc:docMk/>
+          <pc:sldMk cId="2787504626" sldId="275"/>
+        </pc:sldMkLst>
+        <pc:spChg chg="mod">
+          <ac:chgData name="akhomepc123@outlook.com" userId="ce93629bd4034a19" providerId="LiveId" clId="{32BB01D8-60B0-44F8-A0A0-CB957A1508C5}" dt="2024-04-29T17:37:37.185" v="271"/>
+          <ac:spMkLst>
+            <pc:docMk/>
+            <pc:sldMk cId="2787504626" sldId="275"/>
+            <ac:spMk id="3" creationId="{70B6563F-C9BC-8EC0-B611-9FFC088AFF08}"/>
+          </ac:spMkLst>
+        </pc:spChg>
+      </pc:sldChg>
+      <pc:sldChg chg="modSp add mod">
+        <pc:chgData name="akhomepc123@outlook.com" userId="ce93629bd4034a19" providerId="LiveId" clId="{32BB01D8-60B0-44F8-A0A0-CB957A1508C5}" dt="2024-04-29T17:37:48.665" v="272"/>
+        <pc:sldMkLst>
+          <pc:docMk/>
+          <pc:sldMk cId="4000738222" sldId="276"/>
+        </pc:sldMkLst>
+        <pc:spChg chg="mod">
+          <ac:chgData name="akhomepc123@outlook.com" userId="ce93629bd4034a19" providerId="LiveId" clId="{32BB01D8-60B0-44F8-A0A0-CB957A1508C5}" dt="2024-04-29T17:37:48.665" v="272"/>
+          <ac:spMkLst>
+            <pc:docMk/>
+            <pc:sldMk cId="4000738222" sldId="276"/>
+            <ac:spMk id="3" creationId="{70B6563F-C9BC-8EC0-B611-9FFC088AFF08}"/>
+          </ac:spMkLst>
+        </pc:spChg>
+      </pc:sldChg>
+      <pc:sldChg chg="modSp add mod">
+        <pc:chgData name="akhomepc123@outlook.com" userId="ce93629bd4034a19" providerId="LiveId" clId="{32BB01D8-60B0-44F8-A0A0-CB957A1508C5}" dt="2024-04-29T17:38:04.137" v="274"/>
+        <pc:sldMkLst>
+          <pc:docMk/>
+          <pc:sldMk cId="2160299587" sldId="277"/>
+        </pc:sldMkLst>
+        <pc:spChg chg="mod">
+          <ac:chgData name="akhomepc123@outlook.com" userId="ce93629bd4034a19" providerId="LiveId" clId="{32BB01D8-60B0-44F8-A0A0-CB957A1508C5}" dt="2024-04-29T17:38:04.137" v="274"/>
+          <ac:spMkLst>
+            <pc:docMk/>
+            <pc:sldMk cId="2160299587" sldId="277"/>
+            <ac:spMk id="3" creationId="{70B6563F-C9BC-8EC0-B611-9FFC088AFF08}"/>
+          </ac:spMkLst>
+        </pc:spChg>
+      </pc:sldChg>
+    </pc:docChg>
+  </pc:docChgLst>
+</pc:chgInfo>
+</file>
+
 <file path=ppt/slideLayouts/slideLayout1.xml><?xml version="1.0" encoding="utf-8"?>
 <p:sldLayout xmlns:a="http://schemas.openxmlformats.org/drawingml/2006/main" xmlns:r="http://schemas.openxmlformats.org/officeDocument/2006/relationships" xmlns:p="http://schemas.openxmlformats.org/presentationml/2006/main" type="title" preserve="1">
   <p:cSld name="Title Slide">
@@ -402,7 +696,7 @@
           <a:p>
             <a:fld id="{78ABE3C1-DBE1-495D-B57B-2849774B866A}" type="datetimeFigureOut">
               <a:rPr lang="en-US" dirty="0"/>
-              <a:t>4/18/2023</a:t>
+              <a:t>4/29/2024</a:t>
             </a:fld>
             <a:endParaRPr lang="en-US" dirty="0"/>
           </a:p>
@@ -811,7 +1105,7 @@
           <a:p>
             <a:fld id="{446C117F-5CCF-4837-BE5F-2B92066CAFAF}" type="datetimeFigureOut">
               <a:rPr lang="en-US" dirty="0"/>
-              <a:t>4/18/2023</a:t>
+              <a:t>4/29/2024</a:t>
             </a:fld>
             <a:endParaRPr lang="en-US" dirty="0"/>
           </a:p>
@@ -1142,7 +1436,7 @@
           <a:p>
             <a:fld id="{84EB90BD-B6CE-46B7-997F-7313B992CCDC}" type="datetimeFigureOut">
               <a:rPr lang="en-US" dirty="0"/>
-              <a:t>4/18/2023</a:t>
+              <a:t>4/29/2024</a:t>
             </a:fld>
             <a:endParaRPr lang="en-US" dirty="0"/>
           </a:p>
@@ -1542,7 +1836,7 @@
           <a:p>
             <a:fld id="{CDB9D11F-B188-461D-B23F-39381795C052}" type="datetimeFigureOut">
               <a:rPr lang="en-US" dirty="0"/>
-              <a:t>4/18/2023</a:t>
+              <a:t>4/29/2024</a:t>
             </a:fld>
             <a:endParaRPr lang="en-US" dirty="0"/>
           </a:p>
@@ -2105,7 +2399,7 @@
           <a:p>
             <a:fld id="{52E6D8D9-55A2-4063-B0F3-121F44549695}" type="datetimeFigureOut">
               <a:rPr lang="en-US" dirty="0"/>
-              <a:t>4/18/2023</a:t>
+              <a:t>4/29/2024</a:t>
             </a:fld>
             <a:endParaRPr lang="en-US" dirty="0"/>
           </a:p>
@@ -2781,7 +3075,7 @@
           <a:p>
             <a:fld id="{D4B24536-994D-4021-A283-9F449C0DB509}" type="datetimeFigureOut">
               <a:rPr lang="en-US" dirty="0"/>
-              <a:t>4/18/2023</a:t>
+              <a:t>4/29/2024</a:t>
             </a:fld>
             <a:endParaRPr lang="en-US" dirty="0"/>
           </a:p>
@@ -3689,7 +3983,7 @@
           <a:p>
             <a:fld id="{3CBBBB78-C96F-47B7-AB17-D852CA960AC9}" type="datetimeFigureOut">
               <a:rPr lang="en-US" dirty="0"/>
-              <a:t>4/18/2023</a:t>
+              <a:t>4/29/2024</a:t>
             </a:fld>
             <a:endParaRPr lang="en-US" dirty="0"/>
           </a:p>
@@ -3997,7 +4291,7 @@
           <a:p>
             <a:fld id="{1FA3F48C-C7C6-4055-9F49-3777875E72AE}" type="datetimeFigureOut">
               <a:rPr lang="en-US" dirty="0"/>
-              <a:t>4/18/2023</a:t>
+              <a:t>4/29/2024</a:t>
             </a:fld>
             <a:endParaRPr lang="en-US" dirty="0"/>
           </a:p>
@@ -4256,7 +4550,7 @@
           <a:p>
             <a:fld id="{6178E61D-D431-422C-9764-11DAFE33AB63}" type="datetimeFigureOut">
               <a:rPr lang="en-US" dirty="0"/>
-              <a:t>4/18/2023</a:t>
+              <a:t>4/29/2024</a:t>
             </a:fld>
             <a:endParaRPr lang="en-US" dirty="0"/>
           </a:p>
@@ -4575,7 +4869,7 @@
           <a:p>
             <a:fld id="{12DE42F4-6EEF-4EF7-8ED4-2208F0F89A08}" type="datetimeFigureOut">
               <a:rPr lang="en-US" dirty="0"/>
-              <a:t>4/18/2023</a:t>
+              <a:t>4/29/2024</a:t>
             </a:fld>
             <a:endParaRPr lang="en-US" dirty="0"/>
           </a:p>
@@ -4959,7 +5253,7 @@
           <a:p>
             <a:fld id="{30578ACC-22D6-47C1-A373-4FD133E34F3C}" type="datetimeFigureOut">
               <a:rPr lang="en-US" dirty="0"/>
-              <a:t>4/18/2023</a:t>
+              <a:t>4/29/2024</a:t>
             </a:fld>
             <a:endParaRPr lang="en-US" dirty="0"/>
           </a:p>
@@ -5330,7 +5624,7 @@
           <a:p>
             <a:fld id="{4E5A6C69-6797-4E8A-BF37-F2C3751466E9}" type="datetimeFigureOut">
               <a:rPr lang="en-US" dirty="0"/>
-              <a:t>4/18/2023</a:t>
+              <a:t>4/29/2024</a:t>
             </a:fld>
             <a:endParaRPr lang="en-US" dirty="0"/>
           </a:p>
@@ -5831,7 +6125,7 @@
           <a:p>
             <a:fld id="{D82014A1-A632-4878-A0D3-F52BA7563730}" type="datetimeFigureOut">
               <a:rPr lang="en-US" dirty="0"/>
-              <a:t>4/18/2023</a:t>
+              <a:t>4/29/2024</a:t>
             </a:fld>
             <a:endParaRPr lang="en-US" dirty="0"/>
           </a:p>
@@ -6083,7 +6377,7 @@
           <a:p>
             <a:fld id="{CE99F462-093F-4566-844B-4C71F2739DA5}" type="datetimeFigureOut">
               <a:rPr lang="en-US" dirty="0"/>
-              <a:t>4/18/2023</a:t>
+              <a:t>4/29/2024</a:t>
             </a:fld>
             <a:endParaRPr lang="en-US" dirty="0"/>
           </a:p>
@@ -6241,7 +6535,7 @@
           <a:p>
             <a:fld id="{3D24A7AC-904D-4781-85BA-7D10C17ED021}" type="datetimeFigureOut">
               <a:rPr lang="en-US" dirty="0"/>
-              <a:t>4/18/2023</a:t>
+              <a:t>4/29/2024</a:t>
             </a:fld>
             <a:endParaRPr lang="en-US" dirty="0"/>
           </a:p>
@@ -6626,7 +6920,7 @@
           <a:p>
             <a:fld id="{E331444B-B92B-4E27-8C94-BB93EAF5CB18}" type="datetimeFigureOut">
               <a:rPr lang="en-US" dirty="0"/>
-              <a:t>4/18/2023</a:t>
+              <a:t>4/29/2024</a:t>
             </a:fld>
             <a:endParaRPr lang="en-US" dirty="0"/>
           </a:p>
@@ -7030,7 +7324,7 @@
           <a:p>
             <a:fld id="{363EFA5E-FA76-400D-B3DC-F0BA90E6D107}" type="datetimeFigureOut">
               <a:rPr lang="en-US" dirty="0"/>
-              <a:t>4/18/2023</a:t>
+              <a:t>4/29/2024</a:t>
             </a:fld>
             <a:endParaRPr lang="en-US" dirty="0"/>
           </a:p>
@@ -7269,7 +7563,7 @@
           <a:p>
             <a:fld id="{9D6E9DEC-419B-4CC5-A080-3B06BD5A8291}" type="datetimeFigureOut">
               <a:rPr lang="en-US" dirty="0"/>
-              <a:t>4/18/2023</a:t>
+              <a:t>4/29/2024</a:t>
             </a:fld>
             <a:endParaRPr lang="en-US" dirty="0"/>
           </a:p>
@@ -7695,19 +7989,34 @@
         </p:nvSpPr>
         <p:spPr>
           <a:xfrm>
-            <a:off x="1981201" y="2700929"/>
-            <a:ext cx="6008914" cy="1405850"/>
+            <a:off x="1981200" y="2700929"/>
+            <a:ext cx="6905347" cy="1405850"/>
           </a:xfrm>
         </p:spPr>
         <p:txBody>
           <a:bodyPr/>
           <a:lstStyle/>
           <a:p>
-            <a:r>
-              <a:rPr lang="en-US" sz="4000" dirty="0"/>
-              <a:t>Design of Test Automation Framework </a:t>
-            </a:r>
-            <a:endParaRPr lang="en-IN" sz="4000" dirty="0"/>
+            <a:pPr algn="just"/>
+            <a:r>
+              <a:rPr lang="en-US" sz="2400" dirty="0"/>
+              <a:t>Cloud-First Approach: Engineering a Solution for</a:t>
+            </a:r>
+            <a:br>
+              <a:rPr lang="en-US" sz="2400" dirty="0"/>
+            </a:br>
+            <a:r>
+              <a:rPr lang="en-US" sz="2400" dirty="0"/>
+              <a:t>Efficient On-Premises Data Migration to Cloud</a:t>
+            </a:r>
+            <a:br>
+              <a:rPr lang="en-US" sz="2400" dirty="0"/>
+            </a:br>
+            <a:r>
+              <a:rPr lang="en-US" sz="2400" dirty="0"/>
+              <a:t>Platforms</a:t>
+            </a:r>
+            <a:endParaRPr lang="en-IN" sz="2400" dirty="0"/>
           </a:p>
         </p:txBody>
       </p:sp>
@@ -7747,14 +8056,14 @@
           <a:p>
             <a:r>
               <a:rPr lang="en-US" sz="2800" dirty="0"/>
-              <a:t>SAQUIB</a:t>
+              <a:t>SHELKE AKSHAY NANDKUMAR</a:t>
             </a:r>
             <a:br>
               <a:rPr lang="en-US" sz="2800" dirty="0"/>
             </a:br>
             <a:r>
               <a:rPr lang="en-US" sz="2800" dirty="0"/>
-              <a:t>2021MT1266</a:t>
+              <a:t>2022MT93331</a:t>
             </a:r>
             <a:endParaRPr lang="en-IN" sz="2800" dirty="0"/>
           </a:p>
@@ -7856,7 +8165,7 @@
           <a:p>
             <a:r>
               <a:rPr lang="en-US" dirty="0"/>
-              <a:t>April 2023</a:t>
+              <a:t>April 2024</a:t>
             </a:r>
             <a:endParaRPr lang="en-IN" dirty="0"/>
           </a:p>
@@ -7876,8 +8185,8 @@
         </p:nvSpPr>
         <p:spPr>
           <a:xfrm>
-            <a:off x="3724274" y="1757882"/>
-            <a:ext cx="6096000" cy="369332"/>
+            <a:off x="3955093" y="1757882"/>
+            <a:ext cx="2800813" cy="369332"/>
           </a:xfrm>
           <a:prstGeom prst="rect">
             <a:avLst/>
@@ -7896,11 +8205,11 @@
                 <a:latin typeface="Calibri" panose="020F0502020204030204" pitchFamily="34" charset="0"/>
                 <a:ea typeface="Calibri" panose="020F0502020204030204" pitchFamily="34" charset="0"/>
               </a:rPr>
-              <a:t>SS ZG628T -</a:t>
+              <a:t>SE ZG628T - </a:t>
             </a:r>
             <a:r>
               <a:rPr lang="en-US" dirty="0"/>
-              <a:t>BITS DISSERTATION </a:t>
+              <a:t>DISSERTATION </a:t>
             </a:r>
             <a:endParaRPr lang="en-IN" dirty="0"/>
           </a:p>
@@ -7982,8 +8291,8 @@
         </p:nvSpPr>
         <p:spPr>
           <a:xfrm>
-            <a:off x="8372475" y="2038350"/>
-            <a:ext cx="2305050" cy="4648199"/>
+            <a:off x="295275" y="2038350"/>
+            <a:ext cx="10382250" cy="4648199"/>
           </a:xfrm>
         </p:spPr>
         <p:txBody>
@@ -7992,94 +8301,24 @@
           </a:bodyPr>
           <a:lstStyle/>
           <a:p>
-            <a:pPr marL="0" indent="0">
-              <a:spcBef>
-                <a:spcPts val="275"/>
-              </a:spcBef>
-              <a:buNone/>
-              <a:tabLst>
-                <a:tab pos="673735" algn="l"/>
-              </a:tabLst>
-            </a:pPr>
+            <a:pPr lvl="1"/>
+            <a:r>
+              <a:rPr lang="en-US" dirty="0" err="1"/>
+              <a:t>Github</a:t>
+            </a:r>
+            <a:r>
+              <a:rPr lang="en-US" dirty="0"/>
+              <a:t> code repository</a:t>
+            </a:r>
+          </a:p>
+          <a:p>
             <a:endParaRPr lang="en-US" dirty="0"/>
           </a:p>
           <a:p>
-            <a:pPr marL="0" indent="0">
-              <a:spcBef>
-                <a:spcPts val="275"/>
-              </a:spcBef>
-              <a:buNone/>
-              <a:tabLst>
-                <a:tab pos="673735" algn="l"/>
-              </a:tabLst>
-            </a:pPr>
-            <a:r>
-              <a:rPr lang="en-US" sz="1800" dirty="0">
-                <a:latin typeface="Times New Roman" panose="02020603050405020304" pitchFamily="18" charset="0"/>
-                <a:cs typeface="Times New Roman" panose="02020603050405020304" pitchFamily="18" charset="0"/>
-              </a:rPr>
-              <a:t>Fig 3. Architecture Diagram</a:t>
-            </a:r>
-          </a:p>
-          <a:p>
-            <a:pPr marL="0" indent="0">
-              <a:spcBef>
-                <a:spcPts val="275"/>
-              </a:spcBef>
-              <a:buNone/>
-              <a:tabLst>
-                <a:tab pos="673735" algn="l"/>
-              </a:tabLst>
-            </a:pPr>
-            <a:endParaRPr lang="en-US" sz="1800" dirty="0">
-              <a:latin typeface="Times New Roman" panose="02020603050405020304" pitchFamily="18" charset="0"/>
-              <a:cs typeface="Times New Roman" panose="02020603050405020304" pitchFamily="18" charset="0"/>
-            </a:endParaRPr>
-          </a:p>
-          <a:p>
-            <a:pPr marL="0" indent="0">
-              <a:spcBef>
-                <a:spcPts val="275"/>
-              </a:spcBef>
-              <a:buNone/>
-              <a:tabLst>
-                <a:tab pos="673735" algn="l"/>
-              </a:tabLst>
-            </a:pPr>
-            <a:endParaRPr lang="en-US" sz="1800" dirty="0">
-              <a:latin typeface="Times New Roman" panose="02020603050405020304" pitchFamily="18" charset="0"/>
-              <a:cs typeface="Times New Roman" panose="02020603050405020304" pitchFamily="18" charset="0"/>
-            </a:endParaRPr>
-          </a:p>
-          <a:p>
-            <a:pPr marL="0" indent="0">
-              <a:spcBef>
-                <a:spcPts val="275"/>
-              </a:spcBef>
-              <a:buNone/>
-              <a:tabLst>
-                <a:tab pos="673735" algn="l"/>
-              </a:tabLst>
-            </a:pPr>
-            <a:endParaRPr lang="en-US" sz="1800" dirty="0">
-              <a:latin typeface="Times New Roman" panose="02020603050405020304" pitchFamily="18" charset="0"/>
-              <a:cs typeface="Times New Roman" panose="02020603050405020304" pitchFamily="18" charset="0"/>
-            </a:endParaRPr>
-          </a:p>
-          <a:p>
-            <a:pPr marL="0" indent="0">
-              <a:spcBef>
-                <a:spcPts val="275"/>
-              </a:spcBef>
-              <a:buNone/>
-              <a:tabLst>
-                <a:tab pos="673735" algn="l"/>
-              </a:tabLst>
-            </a:pPr>
-            <a:endParaRPr lang="en-US" dirty="0"/>
-          </a:p>
-          <a:p>
-            <a:endParaRPr lang="en-US" dirty="0"/>
+            <a:r>
+              <a:rPr lang="en-US" dirty="0"/>
+              <a:t>A</a:t>
+            </a:r>
           </a:p>
           <a:p>
             <a:endParaRPr lang="en-IN" dirty="0"/>
@@ -8089,51 +8328,10 @@
           </a:p>
         </p:txBody>
       </p:sp>
-      <p:pic>
-        <p:nvPicPr>
-          <p:cNvPr id="5" name="Picture 4" descr="Graphical user interface, application&#10;&#10;Description automatically generated">
-            <a:extLst>
-              <a:ext uri="{FF2B5EF4-FFF2-40B4-BE49-F238E27FC236}">
-                <a16:creationId xmlns:a16="http://schemas.microsoft.com/office/drawing/2014/main" id="{0FACAD06-3DA2-C245-F91B-1F76123873E6}"/>
-              </a:ext>
-            </a:extLst>
-          </p:cNvPr>
-          <p:cNvPicPr>
-            <a:picLocks noChangeAspect="1"/>
-          </p:cNvPicPr>
-          <p:nvPr/>
-        </p:nvPicPr>
-        <p:blipFill>
-          <a:blip r:embed="rId2" cstate="print">
-            <a:extLst>
-              <a:ext uri="{28A0092B-C50C-407E-A947-70E740481C1C}">
-                <a14:useLocalDpi xmlns:a14="http://schemas.microsoft.com/office/drawing/2010/main" val="0"/>
-              </a:ext>
-            </a:extLst>
-          </a:blip>
-          <a:srcRect/>
-          <a:stretch>
-            <a:fillRect/>
-          </a:stretch>
-        </p:blipFill>
-        <p:spPr bwMode="auto">
-          <a:xfrm>
-            <a:off x="66674" y="2021721"/>
-            <a:ext cx="7610475" cy="4483853"/>
-          </a:xfrm>
-          <a:prstGeom prst="rect">
-            <a:avLst/>
-          </a:prstGeom>
-          <a:noFill/>
-          <a:ln>
-            <a:noFill/>
-          </a:ln>
-        </p:spPr>
-      </p:pic>
     </p:spTree>
     <p:extLst>
       <p:ext uri="{BB962C8B-B14F-4D97-AF65-F5344CB8AC3E}">
-        <p14:creationId xmlns:p14="http://schemas.microsoft.com/office/powerpoint/2010/main" val="3072426573"/>
+        <p14:creationId xmlns:p14="http://schemas.microsoft.com/office/powerpoint/2010/main" val="4000738222"/>
       </p:ext>
     </p:extLst>
   </p:cSld>
@@ -8183,7 +8381,7 @@
           <a:p>
             <a:r>
               <a:rPr lang="en-US" dirty="0"/>
-              <a:t>Code Snippet</a:t>
+              <a:t>Implementation &amp; Working</a:t>
             </a:r>
           </a:p>
         </p:txBody>
@@ -8206,8 +8404,8 @@
         </p:nvSpPr>
         <p:spPr>
           <a:xfrm>
-            <a:off x="9248774" y="3086100"/>
-            <a:ext cx="2695575" cy="1080939"/>
+            <a:off x="295275" y="2038350"/>
+            <a:ext cx="10382250" cy="4648199"/>
           </a:xfrm>
         </p:spPr>
         <p:txBody>
@@ -8216,18 +8414,22 @@
           </a:bodyPr>
           <a:lstStyle/>
           <a:p>
-            <a:pPr marL="0" indent="0">
-              <a:buNone/>
-            </a:pPr>
-            <a:r>
-              <a:rPr lang="en-US" sz="1800" dirty="0"/>
-              <a:t>Fig 4: Sample Login Script.</a:t>
+            <a:pPr lvl="1"/>
+            <a:r>
+              <a:rPr lang="en-US" dirty="0"/>
+              <a:t>Demo video of working solution</a:t>
             </a:r>
           </a:p>
           <a:p>
             <a:endParaRPr lang="en-US" dirty="0"/>
           </a:p>
           <a:p>
+            <a:r>
+              <a:rPr lang="en-US" dirty="0"/>
+              <a:t>A</a:t>
+            </a:r>
+          </a:p>
+          <a:p>
             <a:endParaRPr lang="en-IN" dirty="0"/>
           </a:p>
           <a:p>
@@ -8235,46 +8437,10 @@
           </a:p>
         </p:txBody>
       </p:sp>
-      <p:pic>
-        <p:nvPicPr>
-          <p:cNvPr id="5" name="Picture 4" descr="Graphical user interface, text, application&#10;&#10;Description automatically generated">
-            <a:extLst>
-              <a:ext uri="{FF2B5EF4-FFF2-40B4-BE49-F238E27FC236}">
-                <a16:creationId xmlns:a16="http://schemas.microsoft.com/office/drawing/2014/main" id="{E98D59C9-2E3B-772F-DB12-C2B47F18109C}"/>
-              </a:ext>
-            </a:extLst>
-          </p:cNvPr>
-          <p:cNvPicPr>
-            <a:picLocks noChangeAspect="1"/>
-          </p:cNvPicPr>
-          <p:nvPr/>
-        </p:nvPicPr>
-        <p:blipFill>
-          <a:blip r:embed="rId2">
-            <a:extLst>
-              <a:ext uri="{28A0092B-C50C-407E-A947-70E740481C1C}">
-                <a14:useLocalDpi xmlns:a14="http://schemas.microsoft.com/office/drawing/2010/main" val="0"/>
-              </a:ext>
-            </a:extLst>
-          </a:blip>
-          <a:stretch>
-            <a:fillRect/>
-          </a:stretch>
-        </p:blipFill>
-        <p:spPr>
-          <a:xfrm>
-            <a:off x="165577" y="2181223"/>
-            <a:ext cx="8625998" cy="4597945"/>
-          </a:xfrm>
-          <a:prstGeom prst="rect">
-            <a:avLst/>
-          </a:prstGeom>
-        </p:spPr>
-      </p:pic>
     </p:spTree>
     <p:extLst>
       <p:ext uri="{BB962C8B-B14F-4D97-AF65-F5344CB8AC3E}">
-        <p14:creationId xmlns:p14="http://schemas.microsoft.com/office/powerpoint/2010/main" val="3430934832"/>
+        <p14:creationId xmlns:p14="http://schemas.microsoft.com/office/powerpoint/2010/main" val="2160299587"/>
       </p:ext>
     </p:extLst>
   </p:cSld>
@@ -8285,858 +8451,6 @@
 </file>
 
 <file path=ppt/slides/slide12.xml><?xml version="1.0" encoding="utf-8"?>
-<p:sld xmlns:a="http://schemas.openxmlformats.org/drawingml/2006/main" xmlns:r="http://schemas.openxmlformats.org/officeDocument/2006/relationships" xmlns:p="http://schemas.openxmlformats.org/presentationml/2006/main">
-  <p:cSld>
-    <p:spTree>
-      <p:nvGrpSpPr>
-        <p:cNvPr id="1" name=""/>
-        <p:cNvGrpSpPr/>
-        <p:nvPr/>
-      </p:nvGrpSpPr>
-      <p:grpSpPr>
-        <a:xfrm>
-          <a:off x="0" y="0"/>
-          <a:ext cx="0" cy="0"/>
-          <a:chOff x="0" y="0"/>
-          <a:chExt cx="0" cy="0"/>
-        </a:xfrm>
-      </p:grpSpPr>
-      <p:sp>
-        <p:nvSpPr>
-          <p:cNvPr id="2" name="Title 1">
-            <a:extLst>
-              <a:ext uri="{FF2B5EF4-FFF2-40B4-BE49-F238E27FC236}">
-                <a16:creationId xmlns:a16="http://schemas.microsoft.com/office/drawing/2014/main" id="{C867E095-0C52-871E-0F9B-66057EA69166}"/>
-              </a:ext>
-            </a:extLst>
-          </p:cNvPr>
-          <p:cNvSpPr>
-            <a:spLocks noGrp="1"/>
-          </p:cNvSpPr>
-          <p:nvPr>
-            <p:ph type="title"/>
-          </p:nvPr>
-        </p:nvSpPr>
-        <p:spPr/>
-        <p:txBody>
-          <a:bodyPr/>
-          <a:lstStyle/>
-          <a:p>
-            <a:r>
-              <a:rPr lang="en-US" dirty="0"/>
-              <a:t>Demo of Working Code</a:t>
-            </a:r>
-          </a:p>
-        </p:txBody>
-      </p:sp>
-      <p:sp>
-        <p:nvSpPr>
-          <p:cNvPr id="3" name="Content Placeholder 2">
-            <a:extLst>
-              <a:ext uri="{FF2B5EF4-FFF2-40B4-BE49-F238E27FC236}">
-                <a16:creationId xmlns:a16="http://schemas.microsoft.com/office/drawing/2014/main" id="{70B6563F-C9BC-8EC0-B611-9FFC088AFF08}"/>
-              </a:ext>
-            </a:extLst>
-          </p:cNvPr>
-          <p:cNvSpPr>
-            <a:spLocks noGrp="1"/>
-          </p:cNvSpPr>
-          <p:nvPr>
-            <p:ph idx="1"/>
-          </p:nvPr>
-        </p:nvSpPr>
-        <p:spPr>
-          <a:xfrm>
-            <a:off x="295275" y="2038350"/>
-            <a:ext cx="10382250" cy="4648199"/>
-          </a:xfrm>
-        </p:spPr>
-        <p:txBody>
-          <a:bodyPr>
-            <a:normAutofit/>
-          </a:bodyPr>
-          <a:lstStyle/>
-          <a:p>
-            <a:pPr marL="0" indent="0">
-              <a:buNone/>
-            </a:pPr>
-            <a:endParaRPr lang="en-US" dirty="0"/>
-          </a:p>
-          <a:p>
-            <a:endParaRPr lang="en-US" dirty="0"/>
-          </a:p>
-          <a:p>
-            <a:endParaRPr lang="en-IN" dirty="0"/>
-          </a:p>
-          <a:p>
-            <a:pPr marL="0" indent="0">
-              <a:buNone/>
-            </a:pPr>
-            <a:endParaRPr lang="en-IN" dirty="0"/>
-          </a:p>
-        </p:txBody>
-      </p:sp>
-      <p:sp>
-        <p:nvSpPr>
-          <p:cNvPr id="6" name="TextBox 5">
-            <a:extLst>
-              <a:ext uri="{FF2B5EF4-FFF2-40B4-BE49-F238E27FC236}">
-                <a16:creationId xmlns:a16="http://schemas.microsoft.com/office/drawing/2014/main" id="{9A5C647D-D3E5-4A87-4107-0163DE10467D}"/>
-              </a:ext>
-            </a:extLst>
-          </p:cNvPr>
-          <p:cNvSpPr txBox="1"/>
-          <p:nvPr/>
-        </p:nvSpPr>
-        <p:spPr>
-          <a:xfrm>
-            <a:off x="10337909" y="2873559"/>
-            <a:ext cx="1635015" cy="1200329"/>
-          </a:xfrm>
-          <a:prstGeom prst="rect">
-            <a:avLst/>
-          </a:prstGeom>
-          <a:noFill/>
-        </p:spPr>
-        <p:txBody>
-          <a:bodyPr wrap="square">
-            <a:spAutoFit/>
-          </a:bodyPr>
-          <a:lstStyle/>
-          <a:p>
-            <a:pPr>
-              <a:spcBef>
-                <a:spcPts val="275"/>
-              </a:spcBef>
-              <a:tabLst>
-                <a:tab pos="673735" algn="l"/>
-              </a:tabLst>
-            </a:pPr>
-            <a:r>
-              <a:rPr lang="en-US" dirty="0">
-                <a:latin typeface="Times New Roman" panose="02020603050405020304" pitchFamily="18" charset="0"/>
-                <a:cs typeface="Times New Roman" panose="02020603050405020304" pitchFamily="18" charset="0"/>
-              </a:rPr>
-              <a:t>Fig 7: Video Demo of the sample code working.</a:t>
-            </a:r>
-            <a:endParaRPr lang="en-IN" dirty="0"/>
-          </a:p>
-        </p:txBody>
-      </p:sp>
-      <p:sp>
-        <p:nvSpPr>
-          <p:cNvPr id="5" name="TextBox 4">
-            <a:extLst>
-              <a:ext uri="{FF2B5EF4-FFF2-40B4-BE49-F238E27FC236}">
-                <a16:creationId xmlns:a16="http://schemas.microsoft.com/office/drawing/2014/main" id="{D029FACE-46B1-5168-379B-1D7F5613AA1C}"/>
-              </a:ext>
-            </a:extLst>
-          </p:cNvPr>
-          <p:cNvSpPr txBox="1"/>
-          <p:nvPr/>
-        </p:nvSpPr>
-        <p:spPr>
-          <a:xfrm>
-            <a:off x="378372" y="3105834"/>
-            <a:ext cx="9764111" cy="369332"/>
-          </a:xfrm>
-          <a:prstGeom prst="rect">
-            <a:avLst/>
-          </a:prstGeom>
-          <a:noFill/>
-        </p:spPr>
-        <p:txBody>
-          <a:bodyPr wrap="square">
-            <a:spAutoFit/>
-          </a:bodyPr>
-          <a:lstStyle/>
-          <a:p>
-            <a:r>
-              <a:rPr lang="en-IN" dirty="0">
-                <a:hlinkClick r:id="rId2"/>
-              </a:rPr>
-              <a:t>https://drive.google.com/file/d/1TCwwXHDGQ_1azJ94cnr4UoVEUlJDGo3V/view?usp=sharing</a:t>
-            </a:r>
-            <a:r>
-              <a:rPr lang="en-IN" dirty="0"/>
-              <a:t> </a:t>
-            </a:r>
-          </a:p>
-        </p:txBody>
-      </p:sp>
-    </p:spTree>
-    <p:extLst>
-      <p:ext uri="{BB962C8B-B14F-4D97-AF65-F5344CB8AC3E}">
-        <p14:creationId xmlns:p14="http://schemas.microsoft.com/office/powerpoint/2010/main" val="2985115874"/>
-      </p:ext>
-    </p:extLst>
-  </p:cSld>
-  <p:clrMapOvr>
-    <a:masterClrMapping/>
-  </p:clrMapOvr>
-</p:sld>
-</file>
-
-<file path=ppt/slides/slide13.xml><?xml version="1.0" encoding="utf-8"?>
-<p:sld xmlns:a="http://schemas.openxmlformats.org/drawingml/2006/main" xmlns:r="http://schemas.openxmlformats.org/officeDocument/2006/relationships" xmlns:p="http://schemas.openxmlformats.org/presentationml/2006/main">
-  <p:cSld>
-    <p:spTree>
-      <p:nvGrpSpPr>
-        <p:cNvPr id="1" name=""/>
-        <p:cNvGrpSpPr/>
-        <p:nvPr/>
-      </p:nvGrpSpPr>
-      <p:grpSpPr>
-        <a:xfrm>
-          <a:off x="0" y="0"/>
-          <a:ext cx="0" cy="0"/>
-          <a:chOff x="0" y="0"/>
-          <a:chExt cx="0" cy="0"/>
-        </a:xfrm>
-      </p:grpSpPr>
-      <p:sp>
-        <p:nvSpPr>
-          <p:cNvPr id="2" name="Title 1">
-            <a:extLst>
-              <a:ext uri="{FF2B5EF4-FFF2-40B4-BE49-F238E27FC236}">
-                <a16:creationId xmlns:a16="http://schemas.microsoft.com/office/drawing/2014/main" id="{C867E095-0C52-871E-0F9B-66057EA69166}"/>
-              </a:ext>
-            </a:extLst>
-          </p:cNvPr>
-          <p:cNvSpPr>
-            <a:spLocks noGrp="1"/>
-          </p:cNvSpPr>
-          <p:nvPr>
-            <p:ph type="title"/>
-          </p:nvPr>
-        </p:nvSpPr>
-        <p:spPr/>
-        <p:txBody>
-          <a:bodyPr/>
-          <a:lstStyle/>
-          <a:p>
-            <a:r>
-              <a:rPr lang="en-US" dirty="0"/>
-              <a:t>Report, Result &amp; Discussions</a:t>
-            </a:r>
-          </a:p>
-        </p:txBody>
-      </p:sp>
-      <p:sp>
-        <p:nvSpPr>
-          <p:cNvPr id="3" name="Content Placeholder 2">
-            <a:extLst>
-              <a:ext uri="{FF2B5EF4-FFF2-40B4-BE49-F238E27FC236}">
-                <a16:creationId xmlns:a16="http://schemas.microsoft.com/office/drawing/2014/main" id="{70B6563F-C9BC-8EC0-B611-9FFC088AFF08}"/>
-              </a:ext>
-            </a:extLst>
-          </p:cNvPr>
-          <p:cNvSpPr>
-            <a:spLocks noGrp="1"/>
-          </p:cNvSpPr>
-          <p:nvPr>
-            <p:ph idx="1"/>
-          </p:nvPr>
-        </p:nvSpPr>
-        <p:spPr>
-          <a:xfrm>
-            <a:off x="295275" y="2038350"/>
-            <a:ext cx="10382250" cy="4648199"/>
-          </a:xfrm>
-        </p:spPr>
-        <p:txBody>
-          <a:bodyPr>
-            <a:normAutofit/>
-          </a:bodyPr>
-          <a:lstStyle/>
-          <a:p>
-            <a:pPr marL="0" indent="0">
-              <a:buNone/>
-            </a:pPr>
-            <a:endParaRPr lang="en-US" dirty="0"/>
-          </a:p>
-          <a:p>
-            <a:pPr algn="just"/>
-            <a:r>
-              <a:rPr lang="en-US" sz="1800" dirty="0">
-                <a:effectLst/>
-                <a:latin typeface="Times New Roman" panose="02020603050405020304" pitchFamily="18" charset="0"/>
-                <a:ea typeface="Times New Roman" panose="02020603050405020304" pitchFamily="18" charset="0"/>
-              </a:rPr>
-              <a:t>Python integrated with </a:t>
-            </a:r>
-            <a:r>
-              <a:rPr lang="en-US" sz="1800" dirty="0" err="1">
-                <a:effectLst/>
-                <a:latin typeface="Times New Roman" panose="02020603050405020304" pitchFamily="18" charset="0"/>
-                <a:ea typeface="Times New Roman" panose="02020603050405020304" pitchFamily="18" charset="0"/>
-              </a:rPr>
-              <a:t>pytets</a:t>
-            </a:r>
-            <a:r>
-              <a:rPr lang="en-US" sz="1800" dirty="0">
-                <a:effectLst/>
-                <a:latin typeface="Times New Roman" panose="02020603050405020304" pitchFamily="18" charset="0"/>
-                <a:ea typeface="Times New Roman" panose="02020603050405020304" pitchFamily="18" charset="0"/>
-              </a:rPr>
-              <a:t> generate out of box html report but just providing one tag command at the time of execution of test cases.</a:t>
-            </a:r>
-          </a:p>
-          <a:p>
-            <a:pPr algn="just"/>
-            <a:r>
-              <a:rPr lang="en-US" sz="1800" dirty="0">
-                <a:effectLst/>
-                <a:latin typeface="Times New Roman" panose="02020603050405020304" pitchFamily="18" charset="0"/>
-                <a:ea typeface="Times New Roman" panose="02020603050405020304" pitchFamily="18" charset="0"/>
-              </a:rPr>
-              <a:t>These reports contains summary of test execution and Result of Pass and failed test cases.</a:t>
-            </a:r>
-          </a:p>
-          <a:p>
-            <a:pPr algn="just"/>
-            <a:r>
-              <a:rPr lang="en-US" sz="1800" dirty="0" err="1">
-                <a:effectLst/>
-                <a:latin typeface="Times New Roman" panose="02020603050405020304" pitchFamily="18" charset="0"/>
-                <a:ea typeface="Times New Roman" panose="02020603050405020304" pitchFamily="18" charset="0"/>
-              </a:rPr>
-              <a:t>Pytes</a:t>
-            </a:r>
-            <a:r>
-              <a:rPr lang="en-US" sz="1800" dirty="0">
-                <a:effectLst/>
-                <a:latin typeface="Times New Roman" panose="02020603050405020304" pitchFamily="18" charset="0"/>
-                <a:ea typeface="Times New Roman" panose="02020603050405020304" pitchFamily="18" charset="0"/>
-              </a:rPr>
-              <a:t>-html reports are not much very intuitive and detailed, so we have generated allure report, Allure report are very informative and provide detailed description of the test run.</a:t>
-            </a:r>
-          </a:p>
-          <a:p>
-            <a:pPr algn="just"/>
-            <a:r>
-              <a:rPr lang="en-US" sz="1800" dirty="0">
-                <a:effectLst/>
-                <a:latin typeface="Times New Roman" panose="02020603050405020304" pitchFamily="18" charset="0"/>
-                <a:ea typeface="Times New Roman" panose="02020603050405020304" pitchFamily="18" charset="0"/>
-              </a:rPr>
-              <a:t> It can be also shared easily across the team, maintain the history of test run and percentage wise graphical dashboard</a:t>
-            </a:r>
-          </a:p>
-          <a:p>
-            <a:pPr algn="just"/>
-            <a:r>
-              <a:rPr lang="en-US" sz="1800" dirty="0">
-                <a:latin typeface="Times New Roman" panose="02020603050405020304" pitchFamily="18" charset="0"/>
-                <a:ea typeface="Times New Roman" panose="02020603050405020304" pitchFamily="18" charset="0"/>
-              </a:rPr>
-              <a:t>Along with report we enable logging feature in the framework, it keep the track of every steps executed during testing and help in debugging.</a:t>
-            </a:r>
-          </a:p>
-          <a:p>
-            <a:pPr algn="just"/>
-            <a:r>
-              <a:rPr lang="en-US" sz="1800" dirty="0">
-                <a:effectLst/>
-                <a:latin typeface="Times New Roman" panose="02020603050405020304" pitchFamily="18" charset="0"/>
-                <a:ea typeface="Times New Roman" panose="02020603050405020304" pitchFamily="18" charset="0"/>
-              </a:rPr>
-              <a:t>There is also provision to capture Screenshot of the failed test  cases in the framework.</a:t>
-            </a:r>
-            <a:endParaRPr lang="en-IN" sz="1800" dirty="0">
-              <a:effectLst/>
-              <a:latin typeface="Times New Roman" panose="02020603050405020304" pitchFamily="18" charset="0"/>
-              <a:ea typeface="Times New Roman" panose="02020603050405020304" pitchFamily="18" charset="0"/>
-            </a:endParaRPr>
-          </a:p>
-          <a:p>
-            <a:pPr marL="0" indent="0">
-              <a:spcBef>
-                <a:spcPts val="275"/>
-              </a:spcBef>
-              <a:buNone/>
-              <a:tabLst>
-                <a:tab pos="673735" algn="l"/>
-              </a:tabLst>
-            </a:pPr>
-            <a:endParaRPr lang="en-IN" sz="1900" b="1" dirty="0">
-              <a:effectLst/>
-              <a:latin typeface="Arial" panose="020B0604020202020204" pitchFamily="34" charset="0"/>
-              <a:cs typeface="Times New Roman" panose="02020603050405020304" pitchFamily="18" charset="0"/>
-            </a:endParaRPr>
-          </a:p>
-          <a:p>
-            <a:endParaRPr lang="en-US" dirty="0"/>
-          </a:p>
-          <a:p>
-            <a:endParaRPr lang="en-IN" dirty="0"/>
-          </a:p>
-          <a:p>
-            <a:endParaRPr lang="en-IN" dirty="0"/>
-          </a:p>
-        </p:txBody>
-      </p:sp>
-    </p:spTree>
-    <p:extLst>
-      <p:ext uri="{BB962C8B-B14F-4D97-AF65-F5344CB8AC3E}">
-        <p14:creationId xmlns:p14="http://schemas.microsoft.com/office/powerpoint/2010/main" val="543734971"/>
-      </p:ext>
-    </p:extLst>
-  </p:cSld>
-  <p:clrMapOvr>
-    <a:masterClrMapping/>
-  </p:clrMapOvr>
-</p:sld>
-</file>
-
-<file path=ppt/slides/slide14.xml><?xml version="1.0" encoding="utf-8"?>
-<p:sld xmlns:a="http://schemas.openxmlformats.org/drawingml/2006/main" xmlns:r="http://schemas.openxmlformats.org/officeDocument/2006/relationships" xmlns:p="http://schemas.openxmlformats.org/presentationml/2006/main">
-  <p:cSld>
-    <p:spTree>
-      <p:nvGrpSpPr>
-        <p:cNvPr id="1" name=""/>
-        <p:cNvGrpSpPr/>
-        <p:nvPr/>
-      </p:nvGrpSpPr>
-      <p:grpSpPr>
-        <a:xfrm>
-          <a:off x="0" y="0"/>
-          <a:ext cx="0" cy="0"/>
-          <a:chOff x="0" y="0"/>
-          <a:chExt cx="0" cy="0"/>
-        </a:xfrm>
-      </p:grpSpPr>
-      <p:sp>
-        <p:nvSpPr>
-          <p:cNvPr id="2" name="Title 1">
-            <a:extLst>
-              <a:ext uri="{FF2B5EF4-FFF2-40B4-BE49-F238E27FC236}">
-                <a16:creationId xmlns:a16="http://schemas.microsoft.com/office/drawing/2014/main" id="{C867E095-0C52-871E-0F9B-66057EA69166}"/>
-              </a:ext>
-            </a:extLst>
-          </p:cNvPr>
-          <p:cNvSpPr>
-            <a:spLocks noGrp="1"/>
-          </p:cNvSpPr>
-          <p:nvPr>
-            <p:ph type="title"/>
-          </p:nvPr>
-        </p:nvSpPr>
-        <p:spPr/>
-        <p:txBody>
-          <a:bodyPr/>
-          <a:lstStyle/>
-          <a:p>
-            <a:r>
-              <a:rPr lang="en-US" dirty="0"/>
-              <a:t>Allure Report Dashboard</a:t>
-            </a:r>
-          </a:p>
-        </p:txBody>
-      </p:sp>
-      <p:sp>
-        <p:nvSpPr>
-          <p:cNvPr id="3" name="Content Placeholder 2">
-            <a:extLst>
-              <a:ext uri="{FF2B5EF4-FFF2-40B4-BE49-F238E27FC236}">
-                <a16:creationId xmlns:a16="http://schemas.microsoft.com/office/drawing/2014/main" id="{70B6563F-C9BC-8EC0-B611-9FFC088AFF08}"/>
-              </a:ext>
-            </a:extLst>
-          </p:cNvPr>
-          <p:cNvSpPr>
-            <a:spLocks noGrp="1"/>
-          </p:cNvSpPr>
-          <p:nvPr>
-            <p:ph idx="1"/>
-          </p:nvPr>
-        </p:nvSpPr>
-        <p:spPr>
-          <a:xfrm>
-            <a:off x="8991600" y="3781426"/>
-            <a:ext cx="3381375" cy="1390650"/>
-          </a:xfrm>
-        </p:spPr>
-        <p:txBody>
-          <a:bodyPr>
-            <a:normAutofit/>
-          </a:bodyPr>
-          <a:lstStyle/>
-          <a:p>
-            <a:pPr marL="0" indent="0">
-              <a:buNone/>
-            </a:pPr>
-            <a:endParaRPr lang="en-US" dirty="0"/>
-          </a:p>
-          <a:p>
-            <a:pPr marL="0" indent="0" algn="just">
-              <a:buNone/>
-            </a:pPr>
-            <a:r>
-              <a:rPr lang="en-US" sz="1800" b="1" dirty="0">
-                <a:latin typeface="Times New Roman" panose="02020603050405020304" pitchFamily="18" charset="0"/>
-                <a:cs typeface="Times New Roman" panose="02020603050405020304" pitchFamily="18" charset="0"/>
-              </a:rPr>
-              <a:t>Fig 8:Allure </a:t>
-            </a:r>
-            <a:r>
-              <a:rPr lang="en-US" sz="1800" b="1" dirty="0" err="1">
-                <a:latin typeface="Times New Roman" panose="02020603050405020304" pitchFamily="18" charset="0"/>
-                <a:cs typeface="Times New Roman" panose="02020603050405020304" pitchFamily="18" charset="0"/>
-              </a:rPr>
-              <a:t>SummaryReport</a:t>
-            </a:r>
-            <a:endParaRPr lang="en-US" dirty="0"/>
-          </a:p>
-          <a:p>
-            <a:endParaRPr lang="en-IN" dirty="0"/>
-          </a:p>
-          <a:p>
-            <a:endParaRPr lang="en-IN" dirty="0"/>
-          </a:p>
-        </p:txBody>
-      </p:sp>
-      <p:pic>
-        <p:nvPicPr>
-          <p:cNvPr id="5" name="Picture 4">
-            <a:extLst>
-              <a:ext uri="{FF2B5EF4-FFF2-40B4-BE49-F238E27FC236}">
-                <a16:creationId xmlns:a16="http://schemas.microsoft.com/office/drawing/2014/main" id="{006C515B-85ED-EA6C-16BD-6CF6872B3B80}"/>
-              </a:ext>
-            </a:extLst>
-          </p:cNvPr>
-          <p:cNvPicPr>
-            <a:picLocks noChangeAspect="1"/>
-          </p:cNvPicPr>
-          <p:nvPr/>
-        </p:nvPicPr>
-        <p:blipFill>
-          <a:blip r:embed="rId2"/>
-          <a:stretch>
-            <a:fillRect/>
-          </a:stretch>
-        </p:blipFill>
-        <p:spPr>
-          <a:xfrm>
-            <a:off x="171450" y="2038350"/>
-            <a:ext cx="8893734" cy="4636640"/>
-          </a:xfrm>
-          <a:prstGeom prst="rect">
-            <a:avLst/>
-          </a:prstGeom>
-        </p:spPr>
-      </p:pic>
-    </p:spTree>
-    <p:extLst>
-      <p:ext uri="{BB962C8B-B14F-4D97-AF65-F5344CB8AC3E}">
-        <p14:creationId xmlns:p14="http://schemas.microsoft.com/office/powerpoint/2010/main" val="1246770148"/>
-      </p:ext>
-    </p:extLst>
-  </p:cSld>
-  <p:clrMapOvr>
-    <a:masterClrMapping/>
-  </p:clrMapOvr>
-</p:sld>
-</file>
-
-<file path=ppt/slides/slide15.xml><?xml version="1.0" encoding="utf-8"?>
-<p:sld xmlns:a="http://schemas.openxmlformats.org/drawingml/2006/main" xmlns:r="http://schemas.openxmlformats.org/officeDocument/2006/relationships" xmlns:p="http://schemas.openxmlformats.org/presentationml/2006/main">
-  <p:cSld>
-    <p:spTree>
-      <p:nvGrpSpPr>
-        <p:cNvPr id="1" name=""/>
-        <p:cNvGrpSpPr/>
-        <p:nvPr/>
-      </p:nvGrpSpPr>
-      <p:grpSpPr>
-        <a:xfrm>
-          <a:off x="0" y="0"/>
-          <a:ext cx="0" cy="0"/>
-          <a:chOff x="0" y="0"/>
-          <a:chExt cx="0" cy="0"/>
-        </a:xfrm>
-      </p:grpSpPr>
-      <p:sp>
-        <p:nvSpPr>
-          <p:cNvPr id="2" name="Title 1">
-            <a:extLst>
-              <a:ext uri="{FF2B5EF4-FFF2-40B4-BE49-F238E27FC236}">
-                <a16:creationId xmlns:a16="http://schemas.microsoft.com/office/drawing/2014/main" id="{C867E095-0C52-871E-0F9B-66057EA69166}"/>
-              </a:ext>
-            </a:extLst>
-          </p:cNvPr>
-          <p:cNvSpPr>
-            <a:spLocks noGrp="1"/>
-          </p:cNvSpPr>
-          <p:nvPr>
-            <p:ph type="title"/>
-          </p:nvPr>
-        </p:nvSpPr>
-        <p:spPr/>
-        <p:txBody>
-          <a:bodyPr/>
-          <a:lstStyle/>
-          <a:p>
-            <a:r>
-              <a:rPr lang="en-US" dirty="0"/>
-              <a:t>Allure Suite  Report</a:t>
-            </a:r>
-          </a:p>
-        </p:txBody>
-      </p:sp>
-      <p:sp>
-        <p:nvSpPr>
-          <p:cNvPr id="3" name="Content Placeholder 2">
-            <a:extLst>
-              <a:ext uri="{FF2B5EF4-FFF2-40B4-BE49-F238E27FC236}">
-                <a16:creationId xmlns:a16="http://schemas.microsoft.com/office/drawing/2014/main" id="{70B6563F-C9BC-8EC0-B611-9FFC088AFF08}"/>
-              </a:ext>
-            </a:extLst>
-          </p:cNvPr>
-          <p:cNvSpPr>
-            <a:spLocks noGrp="1"/>
-          </p:cNvSpPr>
-          <p:nvPr>
-            <p:ph idx="1"/>
-          </p:nvPr>
-        </p:nvSpPr>
-        <p:spPr>
-          <a:xfrm>
-            <a:off x="8991600" y="3781426"/>
-            <a:ext cx="3381375" cy="1390650"/>
-          </a:xfrm>
-        </p:spPr>
-        <p:txBody>
-          <a:bodyPr>
-            <a:normAutofit/>
-          </a:bodyPr>
-          <a:lstStyle/>
-          <a:p>
-            <a:pPr marL="0" indent="0">
-              <a:buNone/>
-            </a:pPr>
-            <a:endParaRPr lang="en-US" dirty="0"/>
-          </a:p>
-          <a:p>
-            <a:pPr marL="0" indent="0" algn="just">
-              <a:buNone/>
-            </a:pPr>
-            <a:r>
-              <a:rPr lang="en-US" sz="1800" b="1" dirty="0">
-                <a:latin typeface="Times New Roman" panose="02020603050405020304" pitchFamily="18" charset="0"/>
-                <a:cs typeface="Times New Roman" panose="02020603050405020304" pitchFamily="18" charset="0"/>
-              </a:rPr>
-              <a:t>Fig 9:Allure Suite Report</a:t>
-            </a:r>
-            <a:endParaRPr lang="en-IN" sz="1900" b="1" dirty="0">
-              <a:effectLst/>
-              <a:latin typeface="Arial" panose="020B0604020202020204" pitchFamily="34" charset="0"/>
-              <a:cs typeface="Times New Roman" panose="02020603050405020304" pitchFamily="18" charset="0"/>
-            </a:endParaRPr>
-          </a:p>
-          <a:p>
-            <a:endParaRPr lang="en-US" dirty="0"/>
-          </a:p>
-          <a:p>
-            <a:endParaRPr lang="en-IN" dirty="0"/>
-          </a:p>
-          <a:p>
-            <a:endParaRPr lang="en-IN" dirty="0"/>
-          </a:p>
-        </p:txBody>
-      </p:sp>
-      <p:pic>
-        <p:nvPicPr>
-          <p:cNvPr id="4" name="Picture 3" descr="Graphical user interface, text, application, email&#10;&#10;Description automatically generated">
-            <a:extLst>
-              <a:ext uri="{FF2B5EF4-FFF2-40B4-BE49-F238E27FC236}">
-                <a16:creationId xmlns:a16="http://schemas.microsoft.com/office/drawing/2014/main" id="{D65D96CC-ACA5-2A03-3552-A82543390B90}"/>
-              </a:ext>
-            </a:extLst>
-          </p:cNvPr>
-          <p:cNvPicPr>
-            <a:picLocks noChangeAspect="1"/>
-          </p:cNvPicPr>
-          <p:nvPr/>
-        </p:nvPicPr>
-        <p:blipFill>
-          <a:blip r:embed="rId2"/>
-          <a:stretch>
-            <a:fillRect/>
-          </a:stretch>
-        </p:blipFill>
-        <p:spPr>
-          <a:xfrm>
-            <a:off x="177800" y="2124075"/>
-            <a:ext cx="8771803" cy="4610100"/>
-          </a:xfrm>
-          <a:prstGeom prst="rect">
-            <a:avLst/>
-          </a:prstGeom>
-        </p:spPr>
-      </p:pic>
-    </p:spTree>
-    <p:extLst>
-      <p:ext uri="{BB962C8B-B14F-4D97-AF65-F5344CB8AC3E}">
-        <p14:creationId xmlns:p14="http://schemas.microsoft.com/office/powerpoint/2010/main" val="206023608"/>
-      </p:ext>
-    </p:extLst>
-  </p:cSld>
-  <p:clrMapOvr>
-    <a:masterClrMapping/>
-  </p:clrMapOvr>
-</p:sld>
-</file>
-
-<file path=ppt/slides/slide16.xml><?xml version="1.0" encoding="utf-8"?>
-<p:sld xmlns:a="http://schemas.openxmlformats.org/drawingml/2006/main" xmlns:r="http://schemas.openxmlformats.org/officeDocument/2006/relationships" xmlns:p="http://schemas.openxmlformats.org/presentationml/2006/main">
-  <p:cSld>
-    <p:spTree>
-      <p:nvGrpSpPr>
-        <p:cNvPr id="1" name=""/>
-        <p:cNvGrpSpPr/>
-        <p:nvPr/>
-      </p:nvGrpSpPr>
-      <p:grpSpPr>
-        <a:xfrm>
-          <a:off x="0" y="0"/>
-          <a:ext cx="0" cy="0"/>
-          <a:chOff x="0" y="0"/>
-          <a:chExt cx="0" cy="0"/>
-        </a:xfrm>
-      </p:grpSpPr>
-      <p:sp>
-        <p:nvSpPr>
-          <p:cNvPr id="2" name="Title 1">
-            <a:extLst>
-              <a:ext uri="{FF2B5EF4-FFF2-40B4-BE49-F238E27FC236}">
-                <a16:creationId xmlns:a16="http://schemas.microsoft.com/office/drawing/2014/main" id="{C867E095-0C52-871E-0F9B-66057EA69166}"/>
-              </a:ext>
-            </a:extLst>
-          </p:cNvPr>
-          <p:cNvSpPr>
-            <a:spLocks noGrp="1"/>
-          </p:cNvSpPr>
-          <p:nvPr>
-            <p:ph type="title"/>
-          </p:nvPr>
-        </p:nvSpPr>
-        <p:spPr/>
-        <p:txBody>
-          <a:bodyPr/>
-          <a:lstStyle/>
-          <a:p>
-            <a:r>
-              <a:rPr lang="en-US" dirty="0"/>
-              <a:t>Allure Suite  Report</a:t>
-            </a:r>
-          </a:p>
-        </p:txBody>
-      </p:sp>
-      <p:sp>
-        <p:nvSpPr>
-          <p:cNvPr id="3" name="Content Placeholder 2">
-            <a:extLst>
-              <a:ext uri="{FF2B5EF4-FFF2-40B4-BE49-F238E27FC236}">
-                <a16:creationId xmlns:a16="http://schemas.microsoft.com/office/drawing/2014/main" id="{70B6563F-C9BC-8EC0-B611-9FFC088AFF08}"/>
-              </a:ext>
-            </a:extLst>
-          </p:cNvPr>
-          <p:cNvSpPr>
-            <a:spLocks noGrp="1"/>
-          </p:cNvSpPr>
-          <p:nvPr>
-            <p:ph idx="1"/>
-          </p:nvPr>
-        </p:nvSpPr>
-        <p:spPr>
-          <a:xfrm>
-            <a:off x="8991600" y="3781426"/>
-            <a:ext cx="3381375" cy="1390650"/>
-          </a:xfrm>
-        </p:spPr>
-        <p:txBody>
-          <a:bodyPr>
-            <a:normAutofit/>
-          </a:bodyPr>
-          <a:lstStyle/>
-          <a:p>
-            <a:pPr marL="0" indent="0">
-              <a:buNone/>
-            </a:pPr>
-            <a:endParaRPr lang="en-US" dirty="0"/>
-          </a:p>
-          <a:p>
-            <a:pPr marL="0" indent="0" algn="just">
-              <a:buNone/>
-            </a:pPr>
-            <a:r>
-              <a:rPr lang="en-US" sz="1800" b="1" dirty="0">
-                <a:latin typeface="Times New Roman" panose="02020603050405020304" pitchFamily="18" charset="0"/>
-                <a:cs typeface="Times New Roman" panose="02020603050405020304" pitchFamily="18" charset="0"/>
-              </a:rPr>
-              <a:t>Fig 10 :Allure Graph Report</a:t>
-            </a:r>
-            <a:endParaRPr lang="en-IN" sz="1900" b="1" dirty="0">
-              <a:effectLst/>
-              <a:latin typeface="Arial" panose="020B0604020202020204" pitchFamily="34" charset="0"/>
-              <a:cs typeface="Times New Roman" panose="02020603050405020304" pitchFamily="18" charset="0"/>
-            </a:endParaRPr>
-          </a:p>
-          <a:p>
-            <a:endParaRPr lang="en-US" dirty="0"/>
-          </a:p>
-          <a:p>
-            <a:endParaRPr lang="en-IN" dirty="0"/>
-          </a:p>
-          <a:p>
-            <a:endParaRPr lang="en-IN" dirty="0"/>
-          </a:p>
-        </p:txBody>
-      </p:sp>
-      <p:pic>
-        <p:nvPicPr>
-          <p:cNvPr id="5" name="Picture 4" descr="Chart, bar chart, histogram&#10;&#10;Description automatically generated">
-            <a:extLst>
-              <a:ext uri="{FF2B5EF4-FFF2-40B4-BE49-F238E27FC236}">
-                <a16:creationId xmlns:a16="http://schemas.microsoft.com/office/drawing/2014/main" id="{1A7798EC-D3A2-A487-C250-5C5DABEB04A2}"/>
-              </a:ext>
-            </a:extLst>
-          </p:cNvPr>
-          <p:cNvPicPr>
-            <a:picLocks noChangeAspect="1"/>
-          </p:cNvPicPr>
-          <p:nvPr/>
-        </p:nvPicPr>
-        <p:blipFill>
-          <a:blip r:embed="rId2"/>
-          <a:stretch>
-            <a:fillRect/>
-          </a:stretch>
-        </p:blipFill>
-        <p:spPr>
-          <a:xfrm>
-            <a:off x="123825" y="2011997"/>
-            <a:ext cx="8543925" cy="4802984"/>
-          </a:xfrm>
-          <a:prstGeom prst="rect">
-            <a:avLst/>
-          </a:prstGeom>
-        </p:spPr>
-      </p:pic>
-    </p:spTree>
-    <p:extLst>
-      <p:ext uri="{BB962C8B-B14F-4D97-AF65-F5344CB8AC3E}">
-        <p14:creationId xmlns:p14="http://schemas.microsoft.com/office/powerpoint/2010/main" val="170245545"/>
-      </p:ext>
-    </p:extLst>
-  </p:cSld>
-  <p:clrMapOvr>
-    <a:masterClrMapping/>
-  </p:clrMapOvr>
-</p:sld>
-</file>
-
-<file path=ppt/slides/slide17.xml><?xml version="1.0" encoding="utf-8"?>
 <p:sld xmlns:a="http://schemas.openxmlformats.org/drawingml/2006/main" xmlns:r="http://schemas.openxmlformats.org/officeDocument/2006/relationships" xmlns:p="http://schemas.openxmlformats.org/presentationml/2006/main">
   <p:cSld>
     <p:spTree>
@@ -9435,7 +8749,7 @@
         </p:spPr>
         <p:txBody>
           <a:bodyPr>
-            <a:normAutofit fontScale="85000" lnSpcReduction="20000"/>
+            <a:normAutofit/>
           </a:bodyPr>
           <a:lstStyle/>
           <a:p>
@@ -9455,40 +8769,20 @@
             <a:pPr lvl="1"/>
             <a:r>
               <a:rPr lang="en-US" dirty="0"/>
-              <a:t>Problem Statement </a:t>
+              <a:t>Problem Definition </a:t>
             </a:r>
           </a:p>
           <a:p>
             <a:pPr lvl="1"/>
             <a:r>
               <a:rPr lang="en-US" dirty="0"/>
-              <a:t>Objective</a:t>
+              <a:t>Project Objective</a:t>
             </a:r>
           </a:p>
           <a:p>
             <a:r>
               <a:rPr lang="en-US" dirty="0"/>
-              <a:t>Overview of Design</a:t>
-            </a:r>
-          </a:p>
-          <a:p>
-            <a:pPr lvl="1"/>
-            <a:r>
-              <a:rPr lang="en-US" dirty="0"/>
-              <a:t>Page Object Model Design</a:t>
-            </a:r>
-          </a:p>
-          <a:p>
-            <a:pPr lvl="1"/>
-            <a:r>
-              <a:rPr lang="en-US" dirty="0"/>
-              <a:t>High Level Design</a:t>
-            </a:r>
-          </a:p>
-          <a:p>
-            <a:r>
-              <a:rPr lang="en-US" dirty="0"/>
-              <a:t>Tool and Library Used</a:t>
+              <a:t>Overview of Architectural Design</a:t>
             </a:r>
           </a:p>
           <a:p>
@@ -9501,50 +8795,50 @@
             <a:pPr lvl="1"/>
             <a:r>
               <a:rPr lang="en-US" dirty="0"/>
-              <a:t>Architecture design</a:t>
+              <a:t>Cloud Resources</a:t>
             </a:r>
           </a:p>
           <a:p>
             <a:pPr lvl="1"/>
             <a:r>
               <a:rPr lang="en-US" dirty="0"/>
-              <a:t>Code Snippet</a:t>
+              <a:t>Code Snippets</a:t>
             </a:r>
           </a:p>
           <a:p>
             <a:pPr lvl="1"/>
             <a:r>
+              <a:rPr lang="en-US" dirty="0" err="1"/>
+              <a:t>PowerBI</a:t>
+            </a:r>
+            <a:r>
               <a:rPr lang="en-US" dirty="0"/>
-              <a:t>Demo of working Code</a:t>
-            </a:r>
-          </a:p>
-          <a:p>
+              <a:t> Dashboards</a:t>
+            </a:r>
+          </a:p>
+          <a:p>
+            <a:pPr lvl="1"/>
+            <a:r>
+              <a:rPr lang="en-US" dirty="0" err="1"/>
+              <a:t>Github</a:t>
+            </a:r>
             <a:r>
               <a:rPr lang="en-US" dirty="0"/>
-              <a:t>Report , Result &amp; Discussions</a:t>
+              <a:t> code repository</a:t>
             </a:r>
           </a:p>
           <a:p>
             <a:pPr lvl="1"/>
             <a:r>
               <a:rPr lang="en-US" dirty="0"/>
-              <a:t>Result Discussions</a:t>
-            </a:r>
-          </a:p>
-          <a:p>
-            <a:pPr lvl="1"/>
+              <a:t>Demo video of working solution</a:t>
+            </a:r>
+          </a:p>
+          <a:p>
             <a:r>
               <a:rPr lang="en-US" dirty="0"/>
-              <a:t>Allure Report</a:t>
-            </a:r>
-          </a:p>
-          <a:p>
-            <a:pPr lvl="1"/>
-            <a:r>
-              <a:rPr lang="en-US" dirty="0"/>
-              <a:t>Future Scope and Limitation</a:t>
-            </a:r>
-            <a:endParaRPr lang="en-IN" dirty="0"/>
+              <a:t>Future Scope and Limitations</a:t>
+            </a:r>
           </a:p>
         </p:txBody>
       </p:sp>
@@ -9830,7 +9124,7 @@
                   </a:schemeClr>
                 </a:solidFill>
               </a:rPr>
-              <a:t>Problem Statement </a:t>
+              <a:t>Problem Definition </a:t>
             </a:r>
             <a:r>
               <a:rPr lang="en-US" dirty="0"/>
@@ -9944,59 +9238,6 @@
       </p:sp>
       <p:sp>
         <p:nvSpPr>
-          <p:cNvPr id="3" name="Content Placeholder 2">
-            <a:extLst>
-              <a:ext uri="{FF2B5EF4-FFF2-40B4-BE49-F238E27FC236}">
-                <a16:creationId xmlns:a16="http://schemas.microsoft.com/office/drawing/2014/main" id="{70B6563F-C9BC-8EC0-B611-9FFC088AFF08}"/>
-              </a:ext>
-            </a:extLst>
-          </p:cNvPr>
-          <p:cNvSpPr>
-            <a:spLocks noGrp="1"/>
-          </p:cNvSpPr>
-          <p:nvPr>
-            <p:ph idx="1"/>
-          </p:nvPr>
-        </p:nvSpPr>
-        <p:spPr/>
-        <p:txBody>
-          <a:bodyPr/>
-          <a:lstStyle/>
-          <a:p>
-            <a:r>
-              <a:rPr lang="en-US" dirty="0">
-                <a:solidFill>
-                  <a:schemeClr val="tx1">
-                    <a:lumMod val="75000"/>
-                  </a:schemeClr>
-                </a:solidFill>
-              </a:rPr>
-              <a:t>Objective</a:t>
-            </a:r>
-            <a:r>
-              <a:rPr lang="en-US" dirty="0"/>
-              <a:t>:</a:t>
-            </a:r>
-          </a:p>
-          <a:p>
-            <a:endParaRPr lang="en-US" dirty="0"/>
-          </a:p>
-          <a:p>
-            <a:endParaRPr lang="en-US" dirty="0"/>
-          </a:p>
-          <a:p>
-            <a:endParaRPr lang="en-US" dirty="0"/>
-          </a:p>
-          <a:p>
-            <a:endParaRPr lang="en-IN" dirty="0"/>
-          </a:p>
-          <a:p>
-            <a:endParaRPr lang="en-IN" dirty="0"/>
-          </a:p>
-        </p:txBody>
-      </p:sp>
-      <p:sp>
-        <p:nvSpPr>
           <p:cNvPr id="7" name="Content Placeholder 2">
             <a:extLst>
               <a:ext uri="{FF2B5EF4-FFF2-40B4-BE49-F238E27FC236}">
@@ -10011,7 +9252,7 @@
         </p:nvSpPr>
         <p:spPr>
           <a:xfrm>
-            <a:off x="680321" y="2336873"/>
+            <a:off x="680321" y="2292484"/>
             <a:ext cx="10187704" cy="4263952"/>
           </a:xfrm>
           <a:prstGeom prst="rect">
@@ -10195,7 +9436,7 @@
                   </a:schemeClr>
                 </a:solidFill>
               </a:rPr>
-              <a:t>Objective</a:t>
+              <a:t>Project Objective </a:t>
             </a:r>
             <a:r>
               <a:rPr lang="en-US" dirty="0"/>
@@ -10421,7 +9662,7 @@
           <a:p>
             <a:r>
               <a:rPr lang="en-US" dirty="0"/>
-              <a:t>Overview of Design</a:t>
+              <a:t>Overview of Architectural Design</a:t>
             </a:r>
             <a:endParaRPr lang="en-IN" dirty="0"/>
           </a:p>
@@ -10429,10 +9670,10 @@
       </p:sp>
       <p:sp>
         <p:nvSpPr>
-          <p:cNvPr id="3" name="Content Placeholder 2">
+          <p:cNvPr id="5" name="Content Placeholder 4">
             <a:extLst>
               <a:ext uri="{FF2B5EF4-FFF2-40B4-BE49-F238E27FC236}">
-                <a16:creationId xmlns:a16="http://schemas.microsoft.com/office/drawing/2014/main" id="{70B6563F-C9BC-8EC0-B611-9FFC088AFF08}"/>
+                <a16:creationId xmlns:a16="http://schemas.microsoft.com/office/drawing/2014/main" id="{05A72281-A374-5A61-2CD2-EBC9E725BD3B}"/>
               </a:ext>
             </a:extLst>
           </p:cNvPr>
@@ -10443,118 +9684,12 @@
             <p:ph idx="1"/>
           </p:nvPr>
         </p:nvSpPr>
-        <p:spPr>
-          <a:xfrm>
-            <a:off x="295275" y="2038350"/>
-            <a:ext cx="10382250" cy="4648199"/>
-          </a:xfrm>
-        </p:spPr>
-        <p:txBody>
-          <a:bodyPr>
-            <a:normAutofit/>
-          </a:bodyPr>
+        <p:spPr/>
+        <p:txBody>
+          <a:bodyPr/>
           <a:lstStyle/>
           <a:p>
-            <a:r>
-              <a:rPr lang="en-US" dirty="0">
-                <a:solidFill>
-                  <a:schemeClr val="tx1">
-                    <a:lumMod val="75000"/>
-                  </a:schemeClr>
-                </a:solidFill>
-              </a:rPr>
-              <a:t>Page Object Model </a:t>
-            </a:r>
-            <a:r>
-              <a:rPr lang="en-US" dirty="0"/>
-              <a:t>:</a:t>
-            </a:r>
-          </a:p>
-          <a:p>
-            <a:pPr marL="0" indent="0">
-              <a:buNone/>
-            </a:pPr>
-            <a:endParaRPr lang="en-US" dirty="0"/>
-          </a:p>
-          <a:p>
-            <a:r>
-              <a:rPr lang="en-US" sz="1600" b="0" i="0" dirty="0">
-                <a:effectLst/>
-                <a:latin typeface="Work Sans" panose="020B0604020202020204" pitchFamily="2" charset="0"/>
-              </a:rPr>
-              <a:t>An object repository is created in this POM model. It is independent of test cases and can be reused for a different project.</a:t>
-            </a:r>
-          </a:p>
-          <a:p>
-            <a:r>
-              <a:rPr lang="en-US" sz="1600" b="0" i="0" dirty="0">
-                <a:effectLst/>
-                <a:latin typeface="Work Sans" panose="020B0604020202020204" pitchFamily="2" charset="0"/>
-              </a:rPr>
-              <a:t>The naming convention of methods is very easy, understandable and more realistic.</a:t>
-            </a:r>
-          </a:p>
-          <a:p>
-            <a:r>
-              <a:rPr lang="en-US" sz="1600" b="0" i="0" dirty="0">
-                <a:effectLst/>
-                <a:latin typeface="Work Sans" panose="020B0604020202020204" pitchFamily="2" charset="0"/>
-              </a:rPr>
-              <a:t>Under the Page object model, we create page classes that can be reused in another project.</a:t>
-            </a:r>
-          </a:p>
-          <a:p>
-            <a:r>
-              <a:rPr lang="en-US" sz="1600" b="0" i="0" dirty="0">
-                <a:effectLst/>
-                <a:latin typeface="Work Sans" panose="020B0604020202020204" pitchFamily="2" charset="0"/>
-              </a:rPr>
-              <a:t>The Page object model is easy for the developed framework due to its several advantages.</a:t>
-            </a:r>
-          </a:p>
-          <a:p>
-            <a:r>
-              <a:rPr lang="en-US" sz="1600" b="0" i="0" dirty="0">
-                <a:effectLst/>
-                <a:latin typeface="Work Sans" panose="020B0604020202020204" pitchFamily="2" charset="0"/>
-              </a:rPr>
-              <a:t>In this model, separate classes are created for different pages of a web application like login page, the home page, employee detail page, change password page, etc.</a:t>
-            </a:r>
-          </a:p>
-          <a:p>
-            <a:r>
-              <a:rPr lang="en-US" sz="1600" b="0" i="0" dirty="0">
-                <a:effectLst/>
-                <a:latin typeface="Work Sans" panose="020B0604020202020204" pitchFamily="2" charset="0"/>
-              </a:rPr>
-              <a:t>If there is any change in any element of a website then we only need to make changes in one class, and not in all classes.</a:t>
-            </a:r>
-          </a:p>
-          <a:p>
-            <a:r>
-              <a:rPr lang="en-US" sz="1600" b="0" i="0" dirty="0">
-                <a:effectLst/>
-                <a:latin typeface="Work Sans" panose="020B0604020202020204" pitchFamily="2" charset="0"/>
-              </a:rPr>
-              <a:t>The script designed is more reusable, readable and maintainable in the page object model approach. Its project structure is quite easy and understandable</a:t>
-            </a:r>
-          </a:p>
-          <a:p>
-            <a:endParaRPr lang="en-US" sz="1800" b="1" dirty="0">
-              <a:latin typeface="Times New Roman" panose="02020603050405020304" pitchFamily="18" charset="0"/>
-            </a:endParaRPr>
-          </a:p>
-          <a:p>
-            <a:endParaRPr lang="en-US" dirty="0"/>
-          </a:p>
-          <a:p>
-            <a:endParaRPr lang="en-US" dirty="0"/>
-          </a:p>
-          <a:p>
-            <a:endParaRPr lang="en-IN" dirty="0"/>
-          </a:p>
-          <a:p>
-            <a:endParaRPr lang="en-IN" dirty="0"/>
+            <a:endParaRPr lang="en-IN"/>
           </a:p>
         </p:txBody>
       </p:sp>
@@ -10611,9 +9746,8 @@
           <a:p>
             <a:r>
               <a:rPr lang="en-US" dirty="0"/>
-              <a:t>Overview of Design</a:t>
-            </a:r>
-            <a:endParaRPr lang="en-IN" dirty="0"/>
+              <a:t>Implementation &amp; Working</a:t>
+            </a:r>
           </a:p>
         </p:txBody>
       </p:sp>
@@ -10636,7 +9770,7 @@
         <p:spPr>
           <a:xfrm>
             <a:off x="295275" y="2038350"/>
-            <a:ext cx="8848725" cy="4648199"/>
+            <a:ext cx="10382250" cy="4648199"/>
           </a:xfrm>
         </p:spPr>
         <p:txBody>
@@ -10645,145 +9779,33 @@
           </a:bodyPr>
           <a:lstStyle/>
           <a:p>
-            <a:r>
-              <a:rPr lang="en-US" dirty="0">
-                <a:solidFill>
-                  <a:schemeClr val="tx1">
-                    <a:lumMod val="75000"/>
-                  </a:schemeClr>
-                </a:solidFill>
-              </a:rPr>
-              <a:t>High Level Design </a:t>
-            </a:r>
+            <a:pPr lvl="1"/>
             <a:r>
               <a:rPr lang="en-US" dirty="0"/>
-              <a:t>:</a:t>
-            </a:r>
-          </a:p>
-          <a:p>
-            <a:pPr marL="0" indent="0">
-              <a:buNone/>
-            </a:pPr>
+              <a:t>Cloud Resources</a:t>
+            </a:r>
+          </a:p>
+          <a:p>
             <a:endParaRPr lang="en-US" dirty="0"/>
           </a:p>
           <a:p>
-            <a:endParaRPr lang="en-US" sz="1800" b="1" dirty="0">
-              <a:latin typeface="Times New Roman" panose="02020603050405020304" pitchFamily="18" charset="0"/>
-            </a:endParaRPr>
-          </a:p>
-          <a:p>
-            <a:endParaRPr lang="en-US" dirty="0"/>
-          </a:p>
-          <a:p>
-            <a:endParaRPr lang="en-US" dirty="0"/>
+            <a:r>
+              <a:rPr lang="en-US" dirty="0"/>
+              <a:t>A</a:t>
+            </a:r>
           </a:p>
           <a:p>
             <a:endParaRPr lang="en-IN" dirty="0"/>
           </a:p>
           <a:p>
             <a:endParaRPr lang="en-IN" dirty="0"/>
-          </a:p>
-        </p:txBody>
-      </p:sp>
-      <p:pic>
-        <p:nvPicPr>
-          <p:cNvPr id="4" name="Picture 3" descr="Diagram&#10;&#10;Description automatically generated">
-            <a:extLst>
-              <a:ext uri="{FF2B5EF4-FFF2-40B4-BE49-F238E27FC236}">
-                <a16:creationId xmlns:a16="http://schemas.microsoft.com/office/drawing/2014/main" id="{ED0E702F-2249-49A1-6E82-669EBF82371D}"/>
-              </a:ext>
-            </a:extLst>
-          </p:cNvPr>
-          <p:cNvPicPr>
-            <a:picLocks noChangeAspect="1"/>
-          </p:cNvPicPr>
-          <p:nvPr/>
-        </p:nvPicPr>
-        <p:blipFill>
-          <a:blip r:embed="rId2" cstate="print">
-            <a:extLst>
-              <a:ext uri="{28A0092B-C50C-407E-A947-70E740481C1C}">
-                <a14:useLocalDpi xmlns:a14="http://schemas.microsoft.com/office/drawing/2010/main" val="0"/>
-              </a:ext>
-            </a:extLst>
-          </a:blip>
-          <a:srcRect/>
-          <a:stretch>
-            <a:fillRect/>
-          </a:stretch>
-        </p:blipFill>
-        <p:spPr bwMode="auto">
-          <a:xfrm>
-            <a:off x="476249" y="2505073"/>
-            <a:ext cx="8467726" cy="4181475"/>
-          </a:xfrm>
-          <a:prstGeom prst="rect">
-            <a:avLst/>
-          </a:prstGeom>
-          <a:noFill/>
-          <a:ln>
-            <a:noFill/>
-          </a:ln>
-        </p:spPr>
-      </p:pic>
-      <p:sp>
-        <p:nvSpPr>
-          <p:cNvPr id="6" name="TextBox 5">
-            <a:extLst>
-              <a:ext uri="{FF2B5EF4-FFF2-40B4-BE49-F238E27FC236}">
-                <a16:creationId xmlns:a16="http://schemas.microsoft.com/office/drawing/2014/main" id="{678AE7E9-531F-4308-8C84-E8B2F9F4E5F7}"/>
-              </a:ext>
-            </a:extLst>
-          </p:cNvPr>
-          <p:cNvSpPr txBox="1"/>
-          <p:nvPr/>
-        </p:nvSpPr>
-        <p:spPr>
-          <a:xfrm>
-            <a:off x="9324973" y="4177783"/>
-            <a:ext cx="5524501" cy="646331"/>
-          </a:xfrm>
-          <a:prstGeom prst="rect">
-            <a:avLst/>
-          </a:prstGeom>
-          <a:noFill/>
-        </p:spPr>
-        <p:txBody>
-          <a:bodyPr wrap="square">
-            <a:spAutoFit/>
-          </a:bodyPr>
-          <a:lstStyle/>
-          <a:p>
-            <a:r>
-              <a:rPr lang="en-US" dirty="0">
-                <a:solidFill>
-                  <a:schemeClr val="tx1">
-                    <a:lumMod val="75000"/>
-                  </a:schemeClr>
-                </a:solidFill>
-              </a:rPr>
-              <a:t>Fig 1. Framework </a:t>
-            </a:r>
-          </a:p>
-          <a:p>
-            <a:r>
-              <a:rPr lang="en-US" dirty="0">
-                <a:solidFill>
-                  <a:schemeClr val="tx1">
-                    <a:lumMod val="75000"/>
-                  </a:schemeClr>
-                </a:solidFill>
-              </a:rPr>
-              <a:t>High Level Design </a:t>
-            </a:r>
-            <a:endParaRPr lang="en-US" dirty="0"/>
           </a:p>
         </p:txBody>
       </p:sp>
     </p:spTree>
     <p:extLst>
       <p:ext uri="{BB962C8B-B14F-4D97-AF65-F5344CB8AC3E}">
-        <p14:creationId xmlns:p14="http://schemas.microsoft.com/office/powerpoint/2010/main" val="1568784231"/>
+        <p14:creationId xmlns:p14="http://schemas.microsoft.com/office/powerpoint/2010/main" val="1700276650"/>
       </p:ext>
     </p:extLst>
   </p:cSld>
@@ -10833,7 +9855,7 @@
           <a:p>
             <a:r>
               <a:rPr lang="en-US" dirty="0"/>
-              <a:t>Tool and Library Used</a:t>
+              <a:t>Implementation &amp; Working</a:t>
             </a:r>
           </a:p>
         </p:txBody>
@@ -10866,400 +9888,20 @@
           </a:bodyPr>
           <a:lstStyle/>
           <a:p>
-            <a:pPr marL="0" indent="0">
-              <a:buNone/>
-            </a:pPr>
+            <a:pPr lvl="1"/>
+            <a:r>
+              <a:rPr lang="en-US" dirty="0"/>
+              <a:t>Code Snippets</a:t>
+            </a:r>
+          </a:p>
+          <a:p>
             <a:endParaRPr lang="en-US" dirty="0"/>
           </a:p>
           <a:p>
-            <a:pPr>
-              <a:spcBef>
-                <a:spcPts val="275"/>
-              </a:spcBef>
-              <a:tabLst>
-                <a:tab pos="673735" algn="l"/>
-              </a:tabLst>
-            </a:pPr>
-            <a:r>
-              <a:rPr lang="en-US" sz="1900" b="0" dirty="0">
-                <a:effectLst/>
-                <a:latin typeface="Times New Roman" panose="02020603050405020304" pitchFamily="18" charset="0"/>
-                <a:cs typeface="Times New Roman" panose="02020603050405020304" pitchFamily="18" charset="0"/>
-              </a:rPr>
-              <a:t>This framework will use open-source components like selenium library and python scripting, </a:t>
-            </a:r>
-          </a:p>
-          <a:p>
-            <a:pPr>
-              <a:spcBef>
-                <a:spcPts val="275"/>
-              </a:spcBef>
-              <a:tabLst>
-                <a:tab pos="673735" algn="l"/>
-              </a:tabLst>
-            </a:pPr>
-            <a:r>
-              <a:rPr lang="en-US" sz="1900" b="0" dirty="0">
-                <a:effectLst/>
-                <a:latin typeface="Times New Roman" panose="02020603050405020304" pitchFamily="18" charset="0"/>
-                <a:cs typeface="Times New Roman" panose="02020603050405020304" pitchFamily="18" charset="0"/>
-              </a:rPr>
-              <a:t>Using </a:t>
-            </a:r>
-            <a:r>
-              <a:rPr lang="en-US" sz="1900" b="0" dirty="0" err="1">
-                <a:effectLst/>
-                <a:latin typeface="Times New Roman" panose="02020603050405020304" pitchFamily="18" charset="0"/>
-                <a:cs typeface="Times New Roman" panose="02020603050405020304" pitchFamily="18" charset="0"/>
-              </a:rPr>
-              <a:t>Pycharm</a:t>
-            </a:r>
-            <a:r>
-              <a:rPr lang="en-US" sz="1900" b="0" dirty="0">
-                <a:effectLst/>
-                <a:latin typeface="Times New Roman" panose="02020603050405020304" pitchFamily="18" charset="0"/>
-                <a:cs typeface="Times New Roman" panose="02020603050405020304" pitchFamily="18" charset="0"/>
-              </a:rPr>
-              <a:t> editor tool to create and manage all code and execute throughout the dissertation project.</a:t>
-            </a:r>
-            <a:endParaRPr lang="en-IN" sz="1900" b="1" dirty="0">
-              <a:effectLst/>
-              <a:latin typeface="Arial" panose="020B0604020202020204" pitchFamily="34" charset="0"/>
-              <a:cs typeface="Times New Roman" panose="02020603050405020304" pitchFamily="18" charset="0"/>
-            </a:endParaRPr>
-          </a:p>
-          <a:p>
-            <a:pPr>
-              <a:spcBef>
-                <a:spcPts val="275"/>
-              </a:spcBef>
-              <a:tabLst>
-                <a:tab pos="673735" algn="l"/>
-              </a:tabLst>
-            </a:pPr>
-            <a:r>
-              <a:rPr lang="en-US" sz="1900" dirty="0">
-                <a:latin typeface="Times New Roman" panose="02020603050405020304" pitchFamily="18" charset="0"/>
-                <a:cs typeface="Times New Roman" panose="02020603050405020304" pitchFamily="18" charset="0"/>
-              </a:rPr>
-              <a:t>First step to c</a:t>
-            </a:r>
-            <a:r>
-              <a:rPr lang="en-US" sz="1900" b="0" dirty="0">
-                <a:effectLst/>
-                <a:latin typeface="Times New Roman" panose="02020603050405020304" pitchFamily="18" charset="0"/>
-                <a:cs typeface="Times New Roman" panose="02020603050405020304" pitchFamily="18" charset="0"/>
-              </a:rPr>
-              <a:t>reate a new Project in </a:t>
-            </a:r>
-            <a:r>
-              <a:rPr lang="en-US" sz="1900" b="0" dirty="0" err="1">
-                <a:effectLst/>
-                <a:latin typeface="Times New Roman" panose="02020603050405020304" pitchFamily="18" charset="0"/>
-                <a:cs typeface="Times New Roman" panose="02020603050405020304" pitchFamily="18" charset="0"/>
-              </a:rPr>
-              <a:t>Pycharm</a:t>
-            </a:r>
-            <a:r>
-              <a:rPr lang="en-US" sz="1900" b="0" dirty="0">
-                <a:effectLst/>
-                <a:latin typeface="Times New Roman" panose="02020603050405020304" pitchFamily="18" charset="0"/>
-                <a:cs typeface="Times New Roman" panose="02020603050405020304" pitchFamily="18" charset="0"/>
-              </a:rPr>
-              <a:t> (STAF Framework Design) and install the dependent library.</a:t>
-            </a:r>
-          </a:p>
-          <a:p>
-            <a:pPr marL="0" indent="0">
-              <a:spcBef>
-                <a:spcPts val="275"/>
-              </a:spcBef>
-              <a:buNone/>
-              <a:tabLst>
-                <a:tab pos="673735" algn="l"/>
-              </a:tabLst>
-            </a:pPr>
-            <a:endParaRPr lang="en-IN" sz="1900" b="1" dirty="0">
-              <a:effectLst/>
-              <a:latin typeface="Arial" panose="020B0604020202020204" pitchFamily="34" charset="0"/>
-              <a:cs typeface="Times New Roman" panose="02020603050405020304" pitchFamily="18" charset="0"/>
-            </a:endParaRPr>
-          </a:p>
-          <a:p>
-            <a:pPr lvl="0">
-              <a:spcBef>
-                <a:spcPts val="275"/>
-              </a:spcBef>
-              <a:spcAft>
-                <a:spcPts val="0"/>
-              </a:spcAft>
-              <a:buFont typeface="Wingdings" panose="05000000000000000000" pitchFamily="2" charset="2"/>
-              <a:buChar char="v"/>
-              <a:tabLst>
-                <a:tab pos="228600" algn="l"/>
-                <a:tab pos="673735" algn="l"/>
-              </a:tabLst>
-            </a:pPr>
-            <a:r>
-              <a:rPr lang="en-US" sz="1900" b="0" i="1" dirty="0">
-                <a:effectLst/>
-                <a:latin typeface="Times New Roman" panose="02020603050405020304" pitchFamily="18" charset="0"/>
-                <a:cs typeface="Times New Roman" panose="02020603050405020304" pitchFamily="18" charset="0"/>
-              </a:rPr>
-              <a:t>Selenium: Selenium </a:t>
-            </a:r>
-            <a:r>
-              <a:rPr lang="en-US" sz="1900" b="0" i="1" dirty="0" err="1">
-                <a:effectLst/>
-                <a:latin typeface="Times New Roman" panose="02020603050405020304" pitchFamily="18" charset="0"/>
-                <a:cs typeface="Times New Roman" panose="02020603050405020304" pitchFamily="18" charset="0"/>
-              </a:rPr>
-              <a:t>Libraies</a:t>
-            </a:r>
-            <a:endParaRPr lang="en-IN" sz="1900" b="1" dirty="0">
-              <a:effectLst/>
-              <a:latin typeface="Arial" panose="020B0604020202020204" pitchFamily="34" charset="0"/>
-              <a:cs typeface="Times New Roman" panose="02020603050405020304" pitchFamily="18" charset="0"/>
-            </a:endParaRPr>
-          </a:p>
-          <a:p>
-            <a:pPr lvl="0">
-              <a:spcBef>
-                <a:spcPts val="275"/>
-              </a:spcBef>
-              <a:spcAft>
-                <a:spcPts val="0"/>
-              </a:spcAft>
-              <a:buFont typeface="Wingdings" panose="05000000000000000000" pitchFamily="2" charset="2"/>
-              <a:buChar char="v"/>
-              <a:tabLst>
-                <a:tab pos="228600" algn="l"/>
-                <a:tab pos="673735" algn="l"/>
-              </a:tabLst>
-            </a:pPr>
-            <a:r>
-              <a:rPr lang="en-US" sz="1900" b="0" i="1" dirty="0" err="1">
-                <a:effectLst/>
-                <a:latin typeface="Times New Roman" panose="02020603050405020304" pitchFamily="18" charset="0"/>
-                <a:cs typeface="Times New Roman" panose="02020603050405020304" pitchFamily="18" charset="0"/>
-              </a:rPr>
-              <a:t>Pyest</a:t>
-            </a:r>
-            <a:r>
-              <a:rPr lang="en-US" sz="1900" b="0" i="1" dirty="0">
-                <a:effectLst/>
-                <a:latin typeface="Times New Roman" panose="02020603050405020304" pitchFamily="18" charset="0"/>
-                <a:cs typeface="Times New Roman" panose="02020603050405020304" pitchFamily="18" charset="0"/>
-              </a:rPr>
-              <a:t>: Python </a:t>
-            </a:r>
-            <a:r>
-              <a:rPr lang="en-US" sz="1900" b="0" i="1" dirty="0" err="1">
-                <a:effectLst/>
-                <a:latin typeface="Times New Roman" panose="02020603050405020304" pitchFamily="18" charset="0"/>
-                <a:cs typeface="Times New Roman" panose="02020603050405020304" pitchFamily="18" charset="0"/>
-              </a:rPr>
-              <a:t>UnitTest</a:t>
-            </a:r>
-            <a:r>
-              <a:rPr lang="en-US" sz="1900" b="0" i="1" dirty="0">
-                <a:effectLst/>
-                <a:latin typeface="Times New Roman" panose="02020603050405020304" pitchFamily="18" charset="0"/>
-                <a:cs typeface="Times New Roman" panose="02020603050405020304" pitchFamily="18" charset="0"/>
-              </a:rPr>
-              <a:t> Framework </a:t>
-            </a:r>
-            <a:endParaRPr lang="en-IN" sz="1900" b="1" dirty="0">
-              <a:effectLst/>
-              <a:latin typeface="Arial" panose="020B0604020202020204" pitchFamily="34" charset="0"/>
-              <a:cs typeface="Times New Roman" panose="02020603050405020304" pitchFamily="18" charset="0"/>
-            </a:endParaRPr>
-          </a:p>
-          <a:p>
-            <a:pPr lvl="0">
-              <a:spcBef>
-                <a:spcPts val="275"/>
-              </a:spcBef>
-              <a:spcAft>
-                <a:spcPts val="0"/>
-              </a:spcAft>
-              <a:buFont typeface="Wingdings" panose="05000000000000000000" pitchFamily="2" charset="2"/>
-              <a:buChar char="v"/>
-              <a:tabLst>
-                <a:tab pos="228600" algn="l"/>
-                <a:tab pos="673735" algn="l"/>
-              </a:tabLst>
-            </a:pPr>
-            <a:r>
-              <a:rPr lang="en-US" sz="1900" b="0" i="1" dirty="0" err="1">
-                <a:effectLst/>
-                <a:latin typeface="Times New Roman" panose="02020603050405020304" pitchFamily="18" charset="0"/>
-                <a:cs typeface="Times New Roman" panose="02020603050405020304" pitchFamily="18" charset="0"/>
-              </a:rPr>
-              <a:t>Pytest</a:t>
-            </a:r>
-            <a:r>
-              <a:rPr lang="en-US" sz="1900" b="0" i="1" dirty="0">
-                <a:effectLst/>
-                <a:latin typeface="Times New Roman" panose="02020603050405020304" pitchFamily="18" charset="0"/>
-                <a:cs typeface="Times New Roman" panose="02020603050405020304" pitchFamily="18" charset="0"/>
-              </a:rPr>
-              <a:t>-html: </a:t>
-            </a:r>
-            <a:r>
-              <a:rPr lang="en-US" sz="1900" b="0" i="1" dirty="0" err="1">
-                <a:effectLst/>
-                <a:latin typeface="Times New Roman" panose="02020603050405020304" pitchFamily="18" charset="0"/>
-                <a:cs typeface="Times New Roman" panose="02020603050405020304" pitchFamily="18" charset="0"/>
-              </a:rPr>
-              <a:t>Pyest</a:t>
-            </a:r>
-            <a:r>
-              <a:rPr lang="en-US" sz="1900" b="0" i="1" dirty="0">
-                <a:effectLst/>
-                <a:latin typeface="Times New Roman" panose="02020603050405020304" pitchFamily="18" charset="0"/>
-                <a:cs typeface="Times New Roman" panose="02020603050405020304" pitchFamily="18" charset="0"/>
-              </a:rPr>
-              <a:t> Html Report</a:t>
-            </a:r>
-            <a:endParaRPr lang="en-IN" sz="1900" b="1" dirty="0">
-              <a:effectLst/>
-              <a:latin typeface="Arial" panose="020B0604020202020204" pitchFamily="34" charset="0"/>
-              <a:cs typeface="Times New Roman" panose="02020603050405020304" pitchFamily="18" charset="0"/>
-            </a:endParaRPr>
-          </a:p>
-          <a:p>
-            <a:pPr lvl="0">
-              <a:spcBef>
-                <a:spcPts val="275"/>
-              </a:spcBef>
-              <a:spcAft>
-                <a:spcPts val="0"/>
-              </a:spcAft>
-              <a:buFont typeface="Wingdings" panose="05000000000000000000" pitchFamily="2" charset="2"/>
-              <a:buChar char="v"/>
-              <a:tabLst>
-                <a:tab pos="228600" algn="l"/>
-                <a:tab pos="673735" algn="l"/>
-              </a:tabLst>
-            </a:pPr>
-            <a:r>
-              <a:rPr lang="en-US" sz="1900" b="0" i="1" dirty="0" err="1">
-                <a:effectLst/>
-                <a:latin typeface="Times New Roman" panose="02020603050405020304" pitchFamily="18" charset="0"/>
-                <a:cs typeface="Times New Roman" panose="02020603050405020304" pitchFamily="18" charset="0"/>
-              </a:rPr>
-              <a:t>Openpyxl</a:t>
-            </a:r>
-            <a:r>
-              <a:rPr lang="en-US" sz="1900" b="0" i="1" dirty="0">
-                <a:effectLst/>
-                <a:latin typeface="Times New Roman" panose="02020603050405020304" pitchFamily="18" charset="0"/>
-                <a:cs typeface="Times New Roman" panose="02020603050405020304" pitchFamily="18" charset="0"/>
-              </a:rPr>
-              <a:t>: Run test parallel.</a:t>
-            </a:r>
-            <a:endParaRPr lang="en-IN" sz="1900" b="1" dirty="0">
-              <a:effectLst/>
-              <a:latin typeface="Arial" panose="020B0604020202020204" pitchFamily="34" charset="0"/>
-              <a:cs typeface="Times New Roman" panose="02020603050405020304" pitchFamily="18" charset="0"/>
-            </a:endParaRPr>
-          </a:p>
-          <a:p>
-            <a:pPr lvl="0">
-              <a:spcBef>
-                <a:spcPts val="275"/>
-              </a:spcBef>
-              <a:spcAft>
-                <a:spcPts val="0"/>
-              </a:spcAft>
-              <a:buFont typeface="Wingdings" panose="05000000000000000000" pitchFamily="2" charset="2"/>
-              <a:buChar char="v"/>
-              <a:tabLst>
-                <a:tab pos="228600" algn="l"/>
-                <a:tab pos="673735" algn="l"/>
-              </a:tabLst>
-            </a:pPr>
-            <a:r>
-              <a:rPr lang="en-US" sz="1900" b="0" i="1" dirty="0">
-                <a:effectLst/>
-                <a:latin typeface="Times New Roman" panose="02020603050405020304" pitchFamily="18" charset="0"/>
-                <a:cs typeface="Times New Roman" panose="02020603050405020304" pitchFamily="18" charset="0"/>
-              </a:rPr>
-              <a:t>Allure-</a:t>
-            </a:r>
-            <a:r>
-              <a:rPr lang="en-US" sz="1900" b="0" i="1" dirty="0" err="1">
-                <a:effectLst/>
-                <a:latin typeface="Times New Roman" panose="02020603050405020304" pitchFamily="18" charset="0"/>
-                <a:cs typeface="Times New Roman" panose="02020603050405020304" pitchFamily="18" charset="0"/>
-              </a:rPr>
-              <a:t>pytest</a:t>
-            </a:r>
-            <a:r>
-              <a:rPr lang="en-US" sz="1900" b="0" i="1" dirty="0">
-                <a:effectLst/>
-                <a:latin typeface="Times New Roman" panose="02020603050405020304" pitchFamily="18" charset="0"/>
-                <a:cs typeface="Times New Roman" panose="02020603050405020304" pitchFamily="18" charset="0"/>
-              </a:rPr>
-              <a:t>: to generate allure reports</a:t>
-            </a:r>
-          </a:p>
-          <a:p>
-            <a:pPr marL="0" lvl="0" indent="0">
-              <a:spcBef>
-                <a:spcPts val="275"/>
-              </a:spcBef>
-              <a:spcAft>
-                <a:spcPts val="0"/>
-              </a:spcAft>
-              <a:buNone/>
-              <a:tabLst>
-                <a:tab pos="228600" algn="l"/>
-                <a:tab pos="673735" algn="l"/>
-              </a:tabLst>
-            </a:pPr>
-            <a:endParaRPr lang="en-IN" sz="1900" b="1" dirty="0">
-              <a:effectLst/>
-              <a:latin typeface="Arial" panose="020B0604020202020204" pitchFamily="34" charset="0"/>
-              <a:cs typeface="Times New Roman" panose="02020603050405020304" pitchFamily="18" charset="0"/>
-            </a:endParaRPr>
-          </a:p>
-          <a:p>
-            <a:r>
-              <a:rPr lang="en-US" sz="1900" dirty="0">
-                <a:latin typeface="Times New Roman" panose="02020603050405020304" pitchFamily="18" charset="0"/>
-                <a:cs typeface="Times New Roman" panose="02020603050405020304" pitchFamily="18" charset="0"/>
-              </a:rPr>
-              <a:t>Nex step to c</a:t>
-            </a:r>
-            <a:r>
-              <a:rPr lang="en-US" sz="1900" b="0" dirty="0">
-                <a:effectLst/>
-                <a:latin typeface="Times New Roman" panose="02020603050405020304" pitchFamily="18" charset="0"/>
-                <a:cs typeface="Times New Roman" panose="02020603050405020304" pitchFamily="18" charset="0"/>
-              </a:rPr>
-              <a:t>reate a Project folder structure in </a:t>
-            </a:r>
-            <a:r>
-              <a:rPr lang="en-US" sz="1900" b="0" dirty="0" err="1">
-                <a:effectLst/>
-                <a:latin typeface="Times New Roman" panose="02020603050405020304" pitchFamily="18" charset="0"/>
-                <a:cs typeface="Times New Roman" panose="02020603050405020304" pitchFamily="18" charset="0"/>
-              </a:rPr>
-              <a:t>Pycharm</a:t>
-            </a:r>
-            <a:r>
-              <a:rPr lang="en-US" sz="1900" b="0" dirty="0">
-                <a:effectLst/>
-                <a:latin typeface="Times New Roman" panose="02020603050405020304" pitchFamily="18" charset="0"/>
-                <a:cs typeface="Times New Roman" panose="02020603050405020304" pitchFamily="18" charset="0"/>
-              </a:rPr>
-              <a:t> (STAF Framework Design) and start coding the respective modules.</a:t>
-            </a:r>
-          </a:p>
-          <a:p>
-            <a:endParaRPr lang="en-US" dirty="0"/>
+            <a:r>
+              <a:rPr lang="en-US" dirty="0"/>
+              <a:t>A</a:t>
+            </a:r>
           </a:p>
           <a:p>
             <a:endParaRPr lang="en-IN" dirty="0"/>
@@ -11272,7 +9914,7 @@
     </p:spTree>
     <p:extLst>
       <p:ext uri="{BB962C8B-B14F-4D97-AF65-F5344CB8AC3E}">
-        <p14:creationId xmlns:p14="http://schemas.microsoft.com/office/powerpoint/2010/main" val="1700276650"/>
+        <p14:creationId xmlns:p14="http://schemas.microsoft.com/office/powerpoint/2010/main" val="3624665028"/>
       </p:ext>
     </p:extLst>
   </p:cSld>
@@ -11322,7 +9964,7 @@
           <a:p>
             <a:r>
               <a:rPr lang="en-US" dirty="0"/>
-              <a:t>Project Structure in IDE</a:t>
+              <a:t>Implementation &amp; Working</a:t>
             </a:r>
           </a:p>
         </p:txBody>
@@ -11344,9 +9986,9 @@
           </p:nvPr>
         </p:nvSpPr>
         <p:spPr>
-          <a:xfrm flipH="1">
-            <a:off x="6543674" y="2038350"/>
-            <a:ext cx="3467099" cy="4648199"/>
+          <a:xfrm>
+            <a:off x="295275" y="2038350"/>
+            <a:ext cx="10382250" cy="4648199"/>
           </a:xfrm>
         </p:spPr>
         <p:txBody>
@@ -11355,65 +9997,37 @@
           </a:bodyPr>
           <a:lstStyle/>
           <a:p>
-            <a:endParaRPr lang="en-US" sz="1800" b="1" dirty="0">
-              <a:latin typeface="Times New Roman" panose="02020603050405020304" pitchFamily="18" charset="0"/>
-            </a:endParaRPr>
+            <a:pPr lvl="1"/>
+            <a:r>
+              <a:rPr lang="en-US" dirty="0" err="1"/>
+              <a:t>PowerBI</a:t>
+            </a:r>
+            <a:r>
+              <a:rPr lang="en-US" dirty="0"/>
+              <a:t> Dashboards</a:t>
+            </a:r>
           </a:p>
           <a:p>
             <a:endParaRPr lang="en-US" dirty="0"/>
           </a:p>
           <a:p>
+            <a:r>
+              <a:rPr lang="en-US" dirty="0"/>
+              <a:t>A</a:t>
+            </a:r>
+          </a:p>
+          <a:p>
             <a:endParaRPr lang="en-IN" dirty="0"/>
           </a:p>
           <a:p>
-            <a:pPr marL="0" indent="0">
-              <a:buNone/>
-            </a:pPr>
-            <a:r>
-              <a:rPr lang="en-IN" sz="1800" dirty="0"/>
-              <a:t>Fig 2. PyCharm Project Structure Directory</a:t>
-            </a:r>
-            <a:r>
-              <a:rPr lang="en-IN" dirty="0"/>
-              <a:t>.</a:t>
-            </a:r>
-          </a:p>
-        </p:txBody>
-      </p:sp>
-      <p:pic>
-        <p:nvPicPr>
-          <p:cNvPr id="4" name="Picture 3" descr="A picture containing table&#10;&#10;Description automatically generated">
-            <a:extLst>
-              <a:ext uri="{FF2B5EF4-FFF2-40B4-BE49-F238E27FC236}">
-                <a16:creationId xmlns:a16="http://schemas.microsoft.com/office/drawing/2014/main" id="{B8C5E148-18BE-ADDE-346D-0A173B190D3A}"/>
-              </a:ext>
-            </a:extLst>
-          </p:cNvPr>
-          <p:cNvPicPr>
-            <a:picLocks noChangeAspect="1"/>
-          </p:cNvPicPr>
-          <p:nvPr/>
-        </p:nvPicPr>
-        <p:blipFill>
-          <a:blip r:embed="rId2"/>
-          <a:stretch>
-            <a:fillRect/>
-          </a:stretch>
-        </p:blipFill>
-        <p:spPr>
-          <a:xfrm>
-            <a:off x="883601" y="2143125"/>
-            <a:ext cx="5117145" cy="4543424"/>
-          </a:xfrm>
-          <a:prstGeom prst="rect">
-            <a:avLst/>
-          </a:prstGeom>
-        </p:spPr>
-      </p:pic>
+            <a:endParaRPr lang="en-IN" dirty="0"/>
+          </a:p>
+        </p:txBody>
+      </p:sp>
     </p:spTree>
     <p:extLst>
       <p:ext uri="{BB962C8B-B14F-4D97-AF65-F5344CB8AC3E}">
-        <p14:creationId xmlns:p14="http://schemas.microsoft.com/office/powerpoint/2010/main" val="763868137"/>
+        <p14:creationId xmlns:p14="http://schemas.microsoft.com/office/powerpoint/2010/main" val="2787504626"/>
       </p:ext>
     </p:extLst>
   </p:cSld>

--- a/7_Reports/3_Final_PPT/2022mt93331.pptx
+++ b/7_Reports/3_Final_PPT/2022mt93331.pptx
@@ -126,7 +126,7 @@
 <file path=ppt/revisionInfo.xml><?xml version="1.0" encoding="utf-8"?>
 <p1510:revInfo xmlns:a="http://schemas.openxmlformats.org/drawingml/2006/main" xmlns:r="http://schemas.openxmlformats.org/officeDocument/2006/relationships" xmlns:p1510="http://schemas.microsoft.com/office/powerpoint/2015/10/main">
   <p1510:revLst>
-    <p1510:client id="{32BB01D8-60B0-44F8-A0A0-CB957A1508C5}" v="4" dt="2024-04-29T17:37:51.520"/>
+    <p1510:client id="{32BB01D8-60B0-44F8-A0A0-CB957A1508C5}" v="5" dt="2024-04-29T17:41:02.192"/>
   </p1510:revLst>
 </p1510:revInfo>
 </file>
@@ -136,12 +136,12 @@
   <pc:docChgLst>
     <pc:chgData name="akhomepc123@outlook.com" userId="ce93629bd4034a19" providerId="LiveId" clId="{32BB01D8-60B0-44F8-A0A0-CB957A1508C5}"/>
     <pc:docChg chg="undo custSel addSld delSld modSld">
-      <pc:chgData name="akhomepc123@outlook.com" userId="ce93629bd4034a19" providerId="LiveId" clId="{32BB01D8-60B0-44F8-A0A0-CB957A1508C5}" dt="2024-04-29T17:38:21.978" v="282" actId="47"/>
+      <pc:chgData name="akhomepc123@outlook.com" userId="ce93629bd4034a19" providerId="LiveId" clId="{32BB01D8-60B0-44F8-A0A0-CB957A1508C5}" dt="2024-04-29T17:41:38.573" v="295" actId="20577"/>
       <pc:docMkLst>
         <pc:docMk/>
       </pc:docMkLst>
       <pc:sldChg chg="modSp mod">
-        <pc:chgData name="akhomepc123@outlook.com" userId="ce93629bd4034a19" providerId="LiveId" clId="{32BB01D8-60B0-44F8-A0A0-CB957A1508C5}" dt="2024-04-29T17:00:40.902" v="45" actId="123"/>
+        <pc:chgData name="akhomepc123@outlook.com" userId="ce93629bd4034a19" providerId="LiveId" clId="{32BB01D8-60B0-44F8-A0A0-CB957A1508C5}" dt="2024-04-29T17:41:38.573" v="295" actId="20577"/>
         <pc:sldMkLst>
           <pc:docMk/>
           <pc:sldMk cId="4056070997" sldId="256"/>
@@ -160,6 +160,14 @@
             <pc:docMk/>
             <pc:sldMk cId="4056070997" sldId="256"/>
             <ac:spMk id="3" creationId="{CFD84081-B1E0-A612-0543-02B7FD492007}"/>
+          </ac:spMkLst>
+        </pc:spChg>
+        <pc:spChg chg="mod">
+          <ac:chgData name="akhomepc123@outlook.com" userId="ce93629bd4034a19" providerId="LiveId" clId="{32BB01D8-60B0-44F8-A0A0-CB957A1508C5}" dt="2024-04-29T17:41:38.573" v="295" actId="20577"/>
+          <ac:spMkLst>
+            <pc:docMk/>
+            <pc:sldMk cId="4056070997" sldId="256"/>
+            <ac:spMk id="7" creationId="{DC780F5E-A219-87A4-5FB7-6E07654BF3BB}"/>
           </ac:spMkLst>
         </pc:spChg>
         <pc:spChg chg="mod">
@@ -388,13 +396,13 @@
         </pc:spChg>
       </pc:sldChg>
       <pc:sldChg chg="modSp add mod">
-        <pc:chgData name="akhomepc123@outlook.com" userId="ce93629bd4034a19" providerId="LiveId" clId="{32BB01D8-60B0-44F8-A0A0-CB957A1508C5}" dt="2024-04-29T17:37:48.665" v="272"/>
+        <pc:chgData name="akhomepc123@outlook.com" userId="ce93629bd4034a19" providerId="LiveId" clId="{32BB01D8-60B0-44F8-A0A0-CB957A1508C5}" dt="2024-04-29T17:41:17.220" v="294" actId="255"/>
         <pc:sldMkLst>
           <pc:docMk/>
           <pc:sldMk cId="4000738222" sldId="276"/>
         </pc:sldMkLst>
         <pc:spChg chg="mod">
-          <ac:chgData name="akhomepc123@outlook.com" userId="ce93629bd4034a19" providerId="LiveId" clId="{32BB01D8-60B0-44F8-A0A0-CB957A1508C5}" dt="2024-04-29T17:37:48.665" v="272"/>
+          <ac:chgData name="akhomepc123@outlook.com" userId="ce93629bd4034a19" providerId="LiveId" clId="{32BB01D8-60B0-44F8-A0A0-CB957A1508C5}" dt="2024-04-29T17:41:17.220" v="294" actId="255"/>
           <ac:spMkLst>
             <pc:docMk/>
             <pc:sldMk cId="4000738222" sldId="276"/>
@@ -8129,7 +8137,7 @@
           <a:p>
             <a:r>
               <a:rPr lang="en-US" sz="2800" dirty="0"/>
-              <a:t>BIRLA INSTITITUE OF TECHNOLOGY &amp; SCIENCE PILANI (RAJASTHAN)</a:t>
+              <a:t>BIRLA INSTITITUE OF TECHNOLOGY &amp; SCIENCE, PILANI (RAJASTHAN)</a:t>
             </a:r>
             <a:endParaRPr lang="en-IN" sz="2800" dirty="0"/>
           </a:p>
@@ -8303,11 +8311,11 @@
           <a:p>
             <a:pPr lvl="1"/>
             <a:r>
-              <a:rPr lang="en-US" dirty="0" err="1"/>
+              <a:rPr lang="en-US" sz="2400" dirty="0" err="1"/>
               <a:t>Github</a:t>
             </a:r>
             <a:r>
-              <a:rPr lang="en-US" dirty="0"/>
+              <a:rPr lang="en-US" sz="2400" dirty="0"/>
               <a:t> code repository</a:t>
             </a:r>
           </a:p>
@@ -8316,8 +8324,18 @@
           </a:p>
           <a:p>
             <a:r>
-              <a:rPr lang="en-US" dirty="0"/>
-              <a:t>A</a:t>
+              <a:rPr lang="en-US" sz="2000" dirty="0"/>
+              <a:t>Link : </a:t>
+            </a:r>
+            <a:r>
+              <a:rPr lang="en-US" sz="2000" dirty="0">
+                <a:hlinkClick r:id="rId2"/>
+              </a:rPr>
+              <a:t>https://github.com/ShelkeAkshay-2022mt93331/dissertation</a:t>
+            </a:r>
+            <a:r>
+              <a:rPr lang="en-US" sz="2000" dirty="0"/>
+              <a:t> </a:t>
             </a:r>
           </a:p>
           <a:p>

--- a/7_Reports/3_Final_PPT/2022mt93331.pptx
+++ b/7_Reports/3_Final_PPT/2022mt93331.pptx
@@ -11,12 +11,18 @@
     <p:sldId id="259" r:id="rId5"/>
     <p:sldId id="261" r:id="rId6"/>
     <p:sldId id="260" r:id="rId7"/>
-    <p:sldId id="265" r:id="rId8"/>
-    <p:sldId id="274" r:id="rId9"/>
-    <p:sldId id="275" r:id="rId10"/>
-    <p:sldId id="276" r:id="rId11"/>
-    <p:sldId id="277" r:id="rId12"/>
-    <p:sldId id="273" r:id="rId13"/>
+    <p:sldId id="278" r:id="rId8"/>
+    <p:sldId id="265" r:id="rId9"/>
+    <p:sldId id="274" r:id="rId10"/>
+    <p:sldId id="279" r:id="rId11"/>
+    <p:sldId id="276" r:id="rId12"/>
+    <p:sldId id="275" r:id="rId13"/>
+    <p:sldId id="280" r:id="rId14"/>
+    <p:sldId id="277" r:id="rId15"/>
+    <p:sldId id="273" r:id="rId16"/>
+    <p:sldId id="281" r:id="rId17"/>
+    <p:sldId id="282" r:id="rId18"/>
+    <p:sldId id="283" r:id="rId19"/>
   </p:sldIdLst>
   <p:sldSz cx="12192000" cy="6858000"/>
   <p:notesSz cx="6858000" cy="9144000"/>
@@ -126,7 +132,7 @@
 <file path=ppt/revisionInfo.xml><?xml version="1.0" encoding="utf-8"?>
 <p1510:revInfo xmlns:a="http://schemas.openxmlformats.org/drawingml/2006/main" xmlns:r="http://schemas.openxmlformats.org/officeDocument/2006/relationships" xmlns:p1510="http://schemas.microsoft.com/office/powerpoint/2015/10/main">
   <p1510:revLst>
-    <p1510:client id="{32BB01D8-60B0-44F8-A0A0-CB957A1508C5}" v="5" dt="2024-04-29T17:41:02.192"/>
+    <p1510:client id="{32BB01D8-60B0-44F8-A0A0-CB957A1508C5}" v="20" dt="2024-04-30T17:52:53.434"/>
   </p1510:revLst>
 </p1510:revInfo>
 </file>
@@ -135,8 +141,8 @@
 <pc:chgInfo xmlns:a="http://schemas.openxmlformats.org/drawingml/2006/main" xmlns:r="http://schemas.openxmlformats.org/officeDocument/2006/relationships" xmlns:ac="http://schemas.microsoft.com/office/drawing/2013/main/command" xmlns:pc="http://schemas.microsoft.com/office/powerpoint/2013/main/command">
   <pc:docChgLst>
     <pc:chgData name="akhomepc123@outlook.com" userId="ce93629bd4034a19" providerId="LiveId" clId="{32BB01D8-60B0-44F8-A0A0-CB957A1508C5}"/>
-    <pc:docChg chg="undo custSel addSld delSld modSld">
-      <pc:chgData name="akhomepc123@outlook.com" userId="ce93629bd4034a19" providerId="LiveId" clId="{32BB01D8-60B0-44F8-A0A0-CB957A1508C5}" dt="2024-04-29T17:41:38.573" v="295" actId="20577"/>
+    <pc:docChg chg="undo custSel addSld delSld modSld sldOrd">
+      <pc:chgData name="akhomepc123@outlook.com" userId="ce93629bd4034a19" providerId="LiveId" clId="{32BB01D8-60B0-44F8-A0A0-CB957A1508C5}" dt="2024-04-30T17:53:29.263" v="899" actId="27636"/>
       <pc:docMkLst>
         <pc:docMk/>
       </pc:docMkLst>
@@ -188,13 +194,13 @@
         </pc:spChg>
       </pc:sldChg>
       <pc:sldChg chg="modSp mod">
-        <pc:chgData name="akhomepc123@outlook.com" userId="ce93629bd4034a19" providerId="LiveId" clId="{32BB01D8-60B0-44F8-A0A0-CB957A1508C5}" dt="2024-04-29T17:31:15.184" v="181" actId="27636"/>
+        <pc:chgData name="akhomepc123@outlook.com" userId="ce93629bd4034a19" providerId="LiveId" clId="{32BB01D8-60B0-44F8-A0A0-CB957A1508C5}" dt="2024-04-30T17:53:29.263" v="899" actId="27636"/>
         <pc:sldMkLst>
           <pc:docMk/>
           <pc:sldMk cId="1902124935" sldId="257"/>
         </pc:sldMkLst>
         <pc:spChg chg="mod">
-          <ac:chgData name="akhomepc123@outlook.com" userId="ce93629bd4034a19" providerId="LiveId" clId="{32BB01D8-60B0-44F8-A0A0-CB957A1508C5}" dt="2024-04-29T17:31:15.184" v="181" actId="27636"/>
+          <ac:chgData name="akhomepc123@outlook.com" userId="ce93629bd4034a19" providerId="LiveId" clId="{32BB01D8-60B0-44F8-A0A0-CB957A1508C5}" dt="2024-04-30T17:53:29.263" v="899" actId="27636"/>
           <ac:spMkLst>
             <pc:docMk/>
             <pc:sldMk cId="1902124935" sldId="257"/>
@@ -203,13 +209,28 @@
         </pc:spChg>
       </pc:sldChg>
       <pc:sldChg chg="modSp mod">
-        <pc:chgData name="akhomepc123@outlook.com" userId="ce93629bd4034a19" providerId="LiveId" clId="{32BB01D8-60B0-44F8-A0A0-CB957A1508C5}" dt="2024-04-29T17:31:40.588" v="197" actId="20577"/>
+        <pc:chgData name="akhomepc123@outlook.com" userId="ce93629bd4034a19" providerId="LiveId" clId="{32BB01D8-60B0-44F8-A0A0-CB957A1508C5}" dt="2024-04-30T17:35:07.614" v="298"/>
+        <pc:sldMkLst>
+          <pc:docMk/>
+          <pc:sldMk cId="407793502" sldId="258"/>
+        </pc:sldMkLst>
+        <pc:spChg chg="mod">
+          <ac:chgData name="akhomepc123@outlook.com" userId="ce93629bd4034a19" providerId="LiveId" clId="{32BB01D8-60B0-44F8-A0A0-CB957A1508C5}" dt="2024-04-30T17:35:07.614" v="298"/>
+          <ac:spMkLst>
+            <pc:docMk/>
+            <pc:sldMk cId="407793502" sldId="258"/>
+            <ac:spMk id="3" creationId="{70B6563F-C9BC-8EC0-B611-9FFC088AFF08}"/>
+          </ac:spMkLst>
+        </pc:spChg>
+      </pc:sldChg>
+      <pc:sldChg chg="modSp mod">
+        <pc:chgData name="akhomepc123@outlook.com" userId="ce93629bd4034a19" providerId="LiveId" clId="{32BB01D8-60B0-44F8-A0A0-CB957A1508C5}" dt="2024-04-30T17:37:04.634" v="424" actId="20577"/>
         <pc:sldMkLst>
           <pc:docMk/>
           <pc:sldMk cId="3018499417" sldId="259"/>
         </pc:sldMkLst>
         <pc:spChg chg="mod">
-          <ac:chgData name="akhomepc123@outlook.com" userId="ce93629bd4034a19" providerId="LiveId" clId="{32BB01D8-60B0-44F8-A0A0-CB957A1508C5}" dt="2024-04-29T17:31:40.588" v="197" actId="20577"/>
+          <ac:chgData name="akhomepc123@outlook.com" userId="ce93629bd4034a19" providerId="LiveId" clId="{32BB01D8-60B0-44F8-A0A0-CB957A1508C5}" dt="2024-04-30T17:37:04.634" v="424" actId="20577"/>
           <ac:spMkLst>
             <pc:docMk/>
             <pc:sldMk cId="3018499417" sldId="259"/>
@@ -218,7 +239,7 @@
         </pc:spChg>
       </pc:sldChg>
       <pc:sldChg chg="addSp delSp modSp mod">
-        <pc:chgData name="akhomepc123@outlook.com" userId="ce93629bd4034a19" providerId="LiveId" clId="{32BB01D8-60B0-44F8-A0A0-CB957A1508C5}" dt="2024-04-29T17:36:20.714" v="241" actId="478"/>
+        <pc:chgData name="akhomepc123@outlook.com" userId="ce93629bd4034a19" providerId="LiveId" clId="{32BB01D8-60B0-44F8-A0A0-CB957A1508C5}" dt="2024-04-30T17:38:10.435" v="431" actId="1076"/>
         <pc:sldMkLst>
           <pc:docMk/>
           <pc:sldMk cId="2627836616" sldId="260"/>
@@ -239,17 +260,25 @@
             <ac:spMk id="3" creationId="{70B6563F-C9BC-8EC0-B611-9FFC088AFF08}"/>
           </ac:spMkLst>
         </pc:spChg>
-        <pc:spChg chg="add mod">
-          <ac:chgData name="akhomepc123@outlook.com" userId="ce93629bd4034a19" providerId="LiveId" clId="{32BB01D8-60B0-44F8-A0A0-CB957A1508C5}" dt="2024-04-29T17:36:20.714" v="241" actId="478"/>
+        <pc:spChg chg="add del mod">
+          <ac:chgData name="akhomepc123@outlook.com" userId="ce93629bd4034a19" providerId="LiveId" clId="{32BB01D8-60B0-44F8-A0A0-CB957A1508C5}" dt="2024-04-30T17:38:05.182" v="426"/>
           <ac:spMkLst>
             <pc:docMk/>
             <pc:sldMk cId="2627836616" sldId="260"/>
             <ac:spMk id="5" creationId="{05A72281-A374-5A61-2CD2-EBC9E725BD3B}"/>
           </ac:spMkLst>
         </pc:spChg>
+        <pc:picChg chg="add mod">
+          <ac:chgData name="akhomepc123@outlook.com" userId="ce93629bd4034a19" providerId="LiveId" clId="{32BB01D8-60B0-44F8-A0A0-CB957A1508C5}" dt="2024-04-30T17:38:10.435" v="431" actId="1076"/>
+          <ac:picMkLst>
+            <pc:docMk/>
+            <pc:sldMk cId="2627836616" sldId="260"/>
+            <ac:picMk id="4" creationId="{34291B53-162C-B85C-2CF5-4A5FC9442FE9}"/>
+          </ac:picMkLst>
+        </pc:picChg>
       </pc:sldChg>
       <pc:sldChg chg="addSp delSp modSp mod">
-        <pc:chgData name="akhomepc123@outlook.com" userId="ce93629bd4034a19" providerId="LiveId" clId="{32BB01D8-60B0-44F8-A0A0-CB957A1508C5}" dt="2024-04-29T17:32:41.266" v="239" actId="1076"/>
+        <pc:chgData name="akhomepc123@outlook.com" userId="ce93629bd4034a19" providerId="LiveId" clId="{32BB01D8-60B0-44F8-A0A0-CB957A1508C5}" dt="2024-04-30T17:37:40.715" v="425"/>
         <pc:sldMkLst>
           <pc:docMk/>
           <pc:sldMk cId="1852740465" sldId="261"/>
@@ -271,7 +300,7 @@
           </ac:spMkLst>
         </pc:spChg>
         <pc:spChg chg="mod">
-          <ac:chgData name="akhomepc123@outlook.com" userId="ce93629bd4034a19" providerId="LiveId" clId="{32BB01D8-60B0-44F8-A0A0-CB957A1508C5}" dt="2024-04-29T17:32:41.266" v="239" actId="1076"/>
+          <ac:chgData name="akhomepc123@outlook.com" userId="ce93629bd4034a19" providerId="LiveId" clId="{32BB01D8-60B0-44F8-A0A0-CB957A1508C5}" dt="2024-04-30T17:37:40.715" v="425"/>
           <ac:spMkLst>
             <pc:docMk/>
             <pc:sldMk cId="1852740465" sldId="261"/>
@@ -301,7 +330,7 @@
         </pc:sldMkLst>
       </pc:sldChg>
       <pc:sldChg chg="modSp mod">
-        <pc:chgData name="akhomepc123@outlook.com" userId="ce93629bd4034a19" providerId="LiveId" clId="{32BB01D8-60B0-44F8-A0A0-CB957A1508C5}" dt="2024-04-29T17:37:02.512" v="264" actId="20577"/>
+        <pc:chgData name="akhomepc123@outlook.com" userId="ce93629bd4034a19" providerId="LiveId" clId="{32BB01D8-60B0-44F8-A0A0-CB957A1508C5}" dt="2024-04-30T17:39:48.038" v="622" actId="255"/>
         <pc:sldMkLst>
           <pc:docMk/>
           <pc:sldMk cId="1700276650" sldId="265"/>
@@ -315,7 +344,7 @@
           </ac:spMkLst>
         </pc:spChg>
         <pc:spChg chg="mod">
-          <ac:chgData name="akhomepc123@outlook.com" userId="ce93629bd4034a19" providerId="LiveId" clId="{32BB01D8-60B0-44F8-A0A0-CB957A1508C5}" dt="2024-04-29T17:37:02.512" v="264" actId="20577"/>
+          <ac:chgData name="akhomepc123@outlook.com" userId="ce93629bd4034a19" providerId="LiveId" clId="{32BB01D8-60B0-44F8-A0A0-CB957A1508C5}" dt="2024-04-30T17:39:48.038" v="622" actId="255"/>
           <ac:spMkLst>
             <pc:docMk/>
             <pc:sldMk cId="1700276650" sldId="265"/>
@@ -365,38 +394,69 @@
           <pc:sldMk cId="170245545" sldId="272"/>
         </pc:sldMkLst>
       </pc:sldChg>
-      <pc:sldChg chg="modSp add mod">
-        <pc:chgData name="akhomepc123@outlook.com" userId="ce93629bd4034a19" providerId="LiveId" clId="{32BB01D8-60B0-44F8-A0A0-CB957A1508C5}" dt="2024-04-29T17:37:25.447" v="270" actId="20577"/>
+      <pc:sldChg chg="modSp mod">
+        <pc:chgData name="akhomepc123@outlook.com" userId="ce93629bd4034a19" providerId="LiveId" clId="{32BB01D8-60B0-44F8-A0A0-CB957A1508C5}" dt="2024-04-30T17:47:24.428" v="768" actId="27636"/>
+        <pc:sldMkLst>
+          <pc:docMk/>
+          <pc:sldMk cId="341101040" sldId="273"/>
+        </pc:sldMkLst>
+        <pc:spChg chg="mod">
+          <ac:chgData name="akhomepc123@outlook.com" userId="ce93629bd4034a19" providerId="LiveId" clId="{32BB01D8-60B0-44F8-A0A0-CB957A1508C5}" dt="2024-04-30T17:47:24.428" v="768" actId="27636"/>
+          <ac:spMkLst>
+            <pc:docMk/>
+            <pc:sldMk cId="341101040" sldId="273"/>
+            <ac:spMk id="3" creationId="{70B6563F-C9BC-8EC0-B611-9FFC088AFF08}"/>
+          </ac:spMkLst>
+        </pc:spChg>
+      </pc:sldChg>
+      <pc:sldChg chg="addSp modSp add mod">
+        <pc:chgData name="akhomepc123@outlook.com" userId="ce93629bd4034a19" providerId="LiveId" clId="{32BB01D8-60B0-44F8-A0A0-CB957A1508C5}" dt="2024-04-30T17:41:13.923" v="651" actId="1076"/>
         <pc:sldMkLst>
           <pc:docMk/>
           <pc:sldMk cId="3624665028" sldId="274"/>
         </pc:sldMkLst>
         <pc:spChg chg="mod">
-          <ac:chgData name="akhomepc123@outlook.com" userId="ce93629bd4034a19" providerId="LiveId" clId="{32BB01D8-60B0-44F8-A0A0-CB957A1508C5}" dt="2024-04-29T17:37:25.447" v="270" actId="20577"/>
+          <ac:chgData name="akhomepc123@outlook.com" userId="ce93629bd4034a19" providerId="LiveId" clId="{32BB01D8-60B0-44F8-A0A0-CB957A1508C5}" dt="2024-04-30T17:40:15.450" v="646" actId="255"/>
           <ac:spMkLst>
             <pc:docMk/>
             <pc:sldMk cId="3624665028" sldId="274"/>
             <ac:spMk id="3" creationId="{70B6563F-C9BC-8EC0-B611-9FFC088AFF08}"/>
           </ac:spMkLst>
         </pc:spChg>
+        <pc:picChg chg="add mod">
+          <ac:chgData name="akhomepc123@outlook.com" userId="ce93629bd4034a19" providerId="LiveId" clId="{32BB01D8-60B0-44F8-A0A0-CB957A1508C5}" dt="2024-04-30T17:41:13.923" v="651" actId="1076"/>
+          <ac:picMkLst>
+            <pc:docMk/>
+            <pc:sldMk cId="3624665028" sldId="274"/>
+            <ac:picMk id="5" creationId="{86DEA56D-4B10-9B3C-BD87-AC481117EEEE}"/>
+          </ac:picMkLst>
+        </pc:picChg>
       </pc:sldChg>
-      <pc:sldChg chg="modSp add mod">
-        <pc:chgData name="akhomepc123@outlook.com" userId="ce93629bd4034a19" providerId="LiveId" clId="{32BB01D8-60B0-44F8-A0A0-CB957A1508C5}" dt="2024-04-29T17:37:37.185" v="271"/>
+      <pc:sldChg chg="addSp modSp add mod">
+        <pc:chgData name="akhomepc123@outlook.com" userId="ce93629bd4034a19" providerId="LiveId" clId="{32BB01D8-60B0-44F8-A0A0-CB957A1508C5}" dt="2024-04-30T17:42:43.298" v="666" actId="1076"/>
         <pc:sldMkLst>
           <pc:docMk/>
           <pc:sldMk cId="2787504626" sldId="275"/>
         </pc:sldMkLst>
         <pc:spChg chg="mod">
-          <ac:chgData name="akhomepc123@outlook.com" userId="ce93629bd4034a19" providerId="LiveId" clId="{32BB01D8-60B0-44F8-A0A0-CB957A1508C5}" dt="2024-04-29T17:37:37.185" v="271"/>
+          <ac:chgData name="akhomepc123@outlook.com" userId="ce93629bd4034a19" providerId="LiveId" clId="{32BB01D8-60B0-44F8-A0A0-CB957A1508C5}" dt="2024-04-30T17:42:11.468" v="661" actId="20577"/>
           <ac:spMkLst>
             <pc:docMk/>
             <pc:sldMk cId="2787504626" sldId="275"/>
             <ac:spMk id="3" creationId="{70B6563F-C9BC-8EC0-B611-9FFC088AFF08}"/>
           </ac:spMkLst>
         </pc:spChg>
+        <pc:picChg chg="add mod">
+          <ac:chgData name="akhomepc123@outlook.com" userId="ce93629bd4034a19" providerId="LiveId" clId="{32BB01D8-60B0-44F8-A0A0-CB957A1508C5}" dt="2024-04-30T17:42:43.298" v="666" actId="1076"/>
+          <ac:picMkLst>
+            <pc:docMk/>
+            <pc:sldMk cId="2787504626" sldId="275"/>
+            <ac:picMk id="5" creationId="{8913E27B-AFC0-BDE8-B817-80A1BC53392D}"/>
+          </ac:picMkLst>
+        </pc:picChg>
       </pc:sldChg>
-      <pc:sldChg chg="modSp add mod">
-        <pc:chgData name="akhomepc123@outlook.com" userId="ce93629bd4034a19" providerId="LiveId" clId="{32BB01D8-60B0-44F8-A0A0-CB957A1508C5}" dt="2024-04-29T17:41:17.220" v="294" actId="255"/>
+      <pc:sldChg chg="modSp add mod ord">
+        <pc:chgData name="akhomepc123@outlook.com" userId="ce93629bd4034a19" providerId="LiveId" clId="{32BB01D8-60B0-44F8-A0A0-CB957A1508C5}" dt="2024-04-30T17:42:04.152" v="658"/>
         <pc:sldMkLst>
           <pc:docMk/>
           <pc:sldMk cId="4000738222" sldId="276"/>
@@ -411,19 +471,173 @@
         </pc:spChg>
       </pc:sldChg>
       <pc:sldChg chg="modSp add mod">
-        <pc:chgData name="akhomepc123@outlook.com" userId="ce93629bd4034a19" providerId="LiveId" clId="{32BB01D8-60B0-44F8-A0A0-CB957A1508C5}" dt="2024-04-29T17:38:04.137" v="274"/>
+        <pc:chgData name="akhomepc123@outlook.com" userId="ce93629bd4034a19" providerId="LiveId" clId="{32BB01D8-60B0-44F8-A0A0-CB957A1508C5}" dt="2024-04-30T17:51:28.073" v="867" actId="20577"/>
         <pc:sldMkLst>
           <pc:docMk/>
           <pc:sldMk cId="2160299587" sldId="277"/>
         </pc:sldMkLst>
         <pc:spChg chg="mod">
-          <ac:chgData name="akhomepc123@outlook.com" userId="ce93629bd4034a19" providerId="LiveId" clId="{32BB01D8-60B0-44F8-A0A0-CB957A1508C5}" dt="2024-04-29T17:38:04.137" v="274"/>
+          <ac:chgData name="akhomepc123@outlook.com" userId="ce93629bd4034a19" providerId="LiveId" clId="{32BB01D8-60B0-44F8-A0A0-CB957A1508C5}" dt="2024-04-30T17:51:28.073" v="867" actId="20577"/>
           <ac:spMkLst>
             <pc:docMk/>
             <pc:sldMk cId="2160299587" sldId="277"/>
             <ac:spMk id="3" creationId="{70B6563F-C9BC-8EC0-B611-9FFC088AFF08}"/>
           </ac:spMkLst>
         </pc:spChg>
+      </pc:sldChg>
+      <pc:sldChg chg="addSp delSp modSp add mod">
+        <pc:chgData name="akhomepc123@outlook.com" userId="ce93629bd4034a19" providerId="LiveId" clId="{32BB01D8-60B0-44F8-A0A0-CB957A1508C5}" dt="2024-04-30T17:38:37.128" v="438" actId="1076"/>
+        <pc:sldMkLst>
+          <pc:docMk/>
+          <pc:sldMk cId="576732271" sldId="278"/>
+        </pc:sldMkLst>
+        <pc:spChg chg="add del mod">
+          <ac:chgData name="akhomepc123@outlook.com" userId="ce93629bd4034a19" providerId="LiveId" clId="{32BB01D8-60B0-44F8-A0A0-CB957A1508C5}" dt="2024-04-30T17:38:31.706" v="434"/>
+          <ac:spMkLst>
+            <pc:docMk/>
+            <pc:sldMk cId="576732271" sldId="278"/>
+            <ac:spMk id="5" creationId="{CB5F959A-9DC4-E2CA-24EF-6B89A5DBF4C4}"/>
+          </ac:spMkLst>
+        </pc:spChg>
+        <pc:picChg chg="del">
+          <ac:chgData name="akhomepc123@outlook.com" userId="ce93629bd4034a19" providerId="LiveId" clId="{32BB01D8-60B0-44F8-A0A0-CB957A1508C5}" dt="2024-04-30T17:38:31.390" v="433" actId="478"/>
+          <ac:picMkLst>
+            <pc:docMk/>
+            <pc:sldMk cId="576732271" sldId="278"/>
+            <ac:picMk id="4" creationId="{34291B53-162C-B85C-2CF5-4A5FC9442FE9}"/>
+          </ac:picMkLst>
+        </pc:picChg>
+        <pc:picChg chg="add mod">
+          <ac:chgData name="akhomepc123@outlook.com" userId="ce93629bd4034a19" providerId="LiveId" clId="{32BB01D8-60B0-44F8-A0A0-CB957A1508C5}" dt="2024-04-30T17:38:37.128" v="438" actId="1076"/>
+          <ac:picMkLst>
+            <pc:docMk/>
+            <pc:sldMk cId="576732271" sldId="278"/>
+            <ac:picMk id="7" creationId="{2353CC24-5ABE-C057-616A-5C3B292B08B3}"/>
+          </ac:picMkLst>
+        </pc:picChg>
+      </pc:sldChg>
+      <pc:sldChg chg="addSp delSp modSp add mod">
+        <pc:chgData name="akhomepc123@outlook.com" userId="ce93629bd4034a19" providerId="LiveId" clId="{32BB01D8-60B0-44F8-A0A0-CB957A1508C5}" dt="2024-04-30T17:41:51.699" v="655" actId="1076"/>
+        <pc:sldMkLst>
+          <pc:docMk/>
+          <pc:sldMk cId="2848167313" sldId="279"/>
+        </pc:sldMkLst>
+        <pc:picChg chg="del">
+          <ac:chgData name="akhomepc123@outlook.com" userId="ce93629bd4034a19" providerId="LiveId" clId="{32BB01D8-60B0-44F8-A0A0-CB957A1508C5}" dt="2024-04-30T17:41:19.163" v="653" actId="478"/>
+          <ac:picMkLst>
+            <pc:docMk/>
+            <pc:sldMk cId="2848167313" sldId="279"/>
+            <ac:picMk id="5" creationId="{86DEA56D-4B10-9B3C-BD87-AC481117EEEE}"/>
+          </ac:picMkLst>
+        </pc:picChg>
+        <pc:picChg chg="add mod">
+          <ac:chgData name="akhomepc123@outlook.com" userId="ce93629bd4034a19" providerId="LiveId" clId="{32BB01D8-60B0-44F8-A0A0-CB957A1508C5}" dt="2024-04-30T17:41:51.699" v="655" actId="1076"/>
+          <ac:picMkLst>
+            <pc:docMk/>
+            <pc:sldMk cId="2848167313" sldId="279"/>
+            <ac:picMk id="6" creationId="{41A8E72F-958E-9EC4-2E8A-911ABD3E62F3}"/>
+          </ac:picMkLst>
+        </pc:picChg>
+      </pc:sldChg>
+      <pc:sldChg chg="addSp delSp modSp add mod">
+        <pc:chgData name="akhomepc123@outlook.com" userId="ce93629bd4034a19" providerId="LiveId" clId="{32BB01D8-60B0-44F8-A0A0-CB957A1508C5}" dt="2024-04-30T17:43:15.937" v="673" actId="1076"/>
+        <pc:sldMkLst>
+          <pc:docMk/>
+          <pc:sldMk cId="1862635283" sldId="280"/>
+        </pc:sldMkLst>
+        <pc:picChg chg="del">
+          <ac:chgData name="akhomepc123@outlook.com" userId="ce93629bd4034a19" providerId="LiveId" clId="{32BB01D8-60B0-44F8-A0A0-CB957A1508C5}" dt="2024-04-30T17:43:04.274" v="668" actId="478"/>
+          <ac:picMkLst>
+            <pc:docMk/>
+            <pc:sldMk cId="1862635283" sldId="280"/>
+            <ac:picMk id="5" creationId="{8913E27B-AFC0-BDE8-B817-80A1BC53392D}"/>
+          </ac:picMkLst>
+        </pc:picChg>
+        <pc:picChg chg="add mod">
+          <ac:chgData name="akhomepc123@outlook.com" userId="ce93629bd4034a19" providerId="LiveId" clId="{32BB01D8-60B0-44F8-A0A0-CB957A1508C5}" dt="2024-04-30T17:43:15.937" v="673" actId="1076"/>
+          <ac:picMkLst>
+            <pc:docMk/>
+            <pc:sldMk cId="1862635283" sldId="280"/>
+            <ac:picMk id="6" creationId="{7C982F2B-9E7A-6A2A-B8E3-AD062107C5E4}"/>
+          </ac:picMkLst>
+        </pc:picChg>
+      </pc:sldChg>
+      <pc:sldChg chg="modSp add mod">
+        <pc:chgData name="akhomepc123@outlook.com" userId="ce93629bd4034a19" providerId="LiveId" clId="{32BB01D8-60B0-44F8-A0A0-CB957A1508C5}" dt="2024-04-30T17:49:56.786" v="821" actId="20577"/>
+        <pc:sldMkLst>
+          <pc:docMk/>
+          <pc:sldMk cId="4254565118" sldId="281"/>
+        </pc:sldMkLst>
+        <pc:spChg chg="mod">
+          <ac:chgData name="akhomepc123@outlook.com" userId="ce93629bd4034a19" providerId="LiveId" clId="{32BB01D8-60B0-44F8-A0A0-CB957A1508C5}" dt="2024-04-30T17:49:56.786" v="821" actId="20577"/>
+          <ac:spMkLst>
+            <pc:docMk/>
+            <pc:sldMk cId="4254565118" sldId="281"/>
+            <ac:spMk id="3" creationId="{70B6563F-C9BC-8EC0-B611-9FFC088AFF08}"/>
+          </ac:spMkLst>
+        </pc:spChg>
+      </pc:sldChg>
+      <pc:sldChg chg="addSp modSp add mod">
+        <pc:chgData name="akhomepc123@outlook.com" userId="ce93629bd4034a19" providerId="LiveId" clId="{32BB01D8-60B0-44F8-A0A0-CB957A1508C5}" dt="2024-04-30T17:52:10.697" v="869" actId="1076"/>
+        <pc:sldMkLst>
+          <pc:docMk/>
+          <pc:sldMk cId="3198030597" sldId="282"/>
+        </pc:sldMkLst>
+        <pc:spChg chg="mod">
+          <ac:chgData name="akhomepc123@outlook.com" userId="ce93629bd4034a19" providerId="LiveId" clId="{32BB01D8-60B0-44F8-A0A0-CB957A1508C5}" dt="2024-04-30T17:50:13.137" v="827" actId="20577"/>
+          <ac:spMkLst>
+            <pc:docMk/>
+            <pc:sldMk cId="3198030597" sldId="282"/>
+            <ac:spMk id="2" creationId="{C867E095-0C52-871E-0F9B-66057EA69166}"/>
+          </ac:spMkLst>
+        </pc:spChg>
+        <pc:spChg chg="mod">
+          <ac:chgData name="akhomepc123@outlook.com" userId="ce93629bd4034a19" providerId="LiveId" clId="{32BB01D8-60B0-44F8-A0A0-CB957A1508C5}" dt="2024-04-30T17:50:15.796" v="828" actId="6549"/>
+          <ac:spMkLst>
+            <pc:docMk/>
+            <pc:sldMk cId="3198030597" sldId="282"/>
+            <ac:spMk id="3" creationId="{70B6563F-C9BC-8EC0-B611-9FFC088AFF08}"/>
+          </ac:spMkLst>
+        </pc:spChg>
+        <pc:picChg chg="add mod">
+          <ac:chgData name="akhomepc123@outlook.com" userId="ce93629bd4034a19" providerId="LiveId" clId="{32BB01D8-60B0-44F8-A0A0-CB957A1508C5}" dt="2024-04-30T17:52:10.697" v="869" actId="1076"/>
+          <ac:picMkLst>
+            <pc:docMk/>
+            <pc:sldMk cId="3198030597" sldId="282"/>
+            <ac:picMk id="5" creationId="{CE867BA5-4016-A837-DEAA-523B8B155A89}"/>
+          </ac:picMkLst>
+        </pc:picChg>
+      </pc:sldChg>
+      <pc:sldChg chg="addSp delSp modSp add mod">
+        <pc:chgData name="akhomepc123@outlook.com" userId="ce93629bd4034a19" providerId="LiveId" clId="{32BB01D8-60B0-44F8-A0A0-CB957A1508C5}" dt="2024-04-30T17:52:53.433" v="892" actId="1076"/>
+        <pc:sldMkLst>
+          <pc:docMk/>
+          <pc:sldMk cId="3296789435" sldId="283"/>
+        </pc:sldMkLst>
+        <pc:spChg chg="mod">
+          <ac:chgData name="akhomepc123@outlook.com" userId="ce93629bd4034a19" providerId="LiveId" clId="{32BB01D8-60B0-44F8-A0A0-CB957A1508C5}" dt="2024-04-30T17:52:23.129" v="887" actId="20577"/>
+          <ac:spMkLst>
+            <pc:docMk/>
+            <pc:sldMk cId="3296789435" sldId="283"/>
+            <ac:spMk id="2" creationId="{C867E095-0C52-871E-0F9B-66057EA69166}"/>
+          </ac:spMkLst>
+        </pc:spChg>
+        <pc:picChg chg="del">
+          <ac:chgData name="akhomepc123@outlook.com" userId="ce93629bd4034a19" providerId="LiveId" clId="{32BB01D8-60B0-44F8-A0A0-CB957A1508C5}" dt="2024-04-30T17:52:41.332" v="888" actId="478"/>
+          <ac:picMkLst>
+            <pc:docMk/>
+            <pc:sldMk cId="3296789435" sldId="283"/>
+            <ac:picMk id="5" creationId="{CE867BA5-4016-A837-DEAA-523B8B155A89}"/>
+          </ac:picMkLst>
+        </pc:picChg>
+        <pc:picChg chg="add mod">
+          <ac:chgData name="akhomepc123@outlook.com" userId="ce93629bd4034a19" providerId="LiveId" clId="{32BB01D8-60B0-44F8-A0A0-CB957A1508C5}" dt="2024-04-30T17:52:53.433" v="892" actId="1076"/>
+          <ac:picMkLst>
+            <pc:docMk/>
+            <pc:sldMk cId="3296789435" sldId="283"/>
+            <ac:picMk id="1026" creationId="{50706EE7-9848-31E1-1823-8478EC17098B}"/>
+          </ac:picMkLst>
+        </pc:picChg>
       </pc:sldChg>
     </pc:docChg>
   </pc:docChgLst>
@@ -704,7 +918,7 @@
           <a:p>
             <a:fld id="{78ABE3C1-DBE1-495D-B57B-2849774B866A}" type="datetimeFigureOut">
               <a:rPr lang="en-US" dirty="0"/>
-              <a:t>4/29/2024</a:t>
+              <a:t>4/30/2024</a:t>
             </a:fld>
             <a:endParaRPr lang="en-US" dirty="0"/>
           </a:p>
@@ -1113,7 +1327,7 @@
           <a:p>
             <a:fld id="{446C117F-5CCF-4837-BE5F-2B92066CAFAF}" type="datetimeFigureOut">
               <a:rPr lang="en-US" dirty="0"/>
-              <a:t>4/29/2024</a:t>
+              <a:t>4/30/2024</a:t>
             </a:fld>
             <a:endParaRPr lang="en-US" dirty="0"/>
           </a:p>
@@ -1444,7 +1658,7 @@
           <a:p>
             <a:fld id="{84EB90BD-B6CE-46B7-997F-7313B992CCDC}" type="datetimeFigureOut">
               <a:rPr lang="en-US" dirty="0"/>
-              <a:t>4/29/2024</a:t>
+              <a:t>4/30/2024</a:t>
             </a:fld>
             <a:endParaRPr lang="en-US" dirty="0"/>
           </a:p>
@@ -1844,7 +2058,7 @@
           <a:p>
             <a:fld id="{CDB9D11F-B188-461D-B23F-39381795C052}" type="datetimeFigureOut">
               <a:rPr lang="en-US" dirty="0"/>
-              <a:t>4/29/2024</a:t>
+              <a:t>4/30/2024</a:t>
             </a:fld>
             <a:endParaRPr lang="en-US" dirty="0"/>
           </a:p>
@@ -2407,7 +2621,7 @@
           <a:p>
             <a:fld id="{52E6D8D9-55A2-4063-B0F3-121F44549695}" type="datetimeFigureOut">
               <a:rPr lang="en-US" dirty="0"/>
-              <a:t>4/29/2024</a:t>
+              <a:t>4/30/2024</a:t>
             </a:fld>
             <a:endParaRPr lang="en-US" dirty="0"/>
           </a:p>
@@ -3083,7 +3297,7 @@
           <a:p>
             <a:fld id="{D4B24536-994D-4021-A283-9F449C0DB509}" type="datetimeFigureOut">
               <a:rPr lang="en-US" dirty="0"/>
-              <a:t>4/29/2024</a:t>
+              <a:t>4/30/2024</a:t>
             </a:fld>
             <a:endParaRPr lang="en-US" dirty="0"/>
           </a:p>
@@ -3991,7 +4205,7 @@
           <a:p>
             <a:fld id="{3CBBBB78-C96F-47B7-AB17-D852CA960AC9}" type="datetimeFigureOut">
               <a:rPr lang="en-US" dirty="0"/>
-              <a:t>4/29/2024</a:t>
+              <a:t>4/30/2024</a:t>
             </a:fld>
             <a:endParaRPr lang="en-US" dirty="0"/>
           </a:p>
@@ -4299,7 +4513,7 @@
           <a:p>
             <a:fld id="{1FA3F48C-C7C6-4055-9F49-3777875E72AE}" type="datetimeFigureOut">
               <a:rPr lang="en-US" dirty="0"/>
-              <a:t>4/29/2024</a:t>
+              <a:t>4/30/2024</a:t>
             </a:fld>
             <a:endParaRPr lang="en-US" dirty="0"/>
           </a:p>
@@ -4558,7 +4772,7 @@
           <a:p>
             <a:fld id="{6178E61D-D431-422C-9764-11DAFE33AB63}" type="datetimeFigureOut">
               <a:rPr lang="en-US" dirty="0"/>
-              <a:t>4/29/2024</a:t>
+              <a:t>4/30/2024</a:t>
             </a:fld>
             <a:endParaRPr lang="en-US" dirty="0"/>
           </a:p>
@@ -4877,7 +5091,7 @@
           <a:p>
             <a:fld id="{12DE42F4-6EEF-4EF7-8ED4-2208F0F89A08}" type="datetimeFigureOut">
               <a:rPr lang="en-US" dirty="0"/>
-              <a:t>4/29/2024</a:t>
+              <a:t>4/30/2024</a:t>
             </a:fld>
             <a:endParaRPr lang="en-US" dirty="0"/>
           </a:p>
@@ -5261,7 +5475,7 @@
           <a:p>
             <a:fld id="{30578ACC-22D6-47C1-A373-4FD133E34F3C}" type="datetimeFigureOut">
               <a:rPr lang="en-US" dirty="0"/>
-              <a:t>4/29/2024</a:t>
+              <a:t>4/30/2024</a:t>
             </a:fld>
             <a:endParaRPr lang="en-US" dirty="0"/>
           </a:p>
@@ -5632,7 +5846,7 @@
           <a:p>
             <a:fld id="{4E5A6C69-6797-4E8A-BF37-F2C3751466E9}" type="datetimeFigureOut">
               <a:rPr lang="en-US" dirty="0"/>
-              <a:t>4/29/2024</a:t>
+              <a:t>4/30/2024</a:t>
             </a:fld>
             <a:endParaRPr lang="en-US" dirty="0"/>
           </a:p>
@@ -6133,7 +6347,7 @@
           <a:p>
             <a:fld id="{D82014A1-A632-4878-A0D3-F52BA7563730}" type="datetimeFigureOut">
               <a:rPr lang="en-US" dirty="0"/>
-              <a:t>4/29/2024</a:t>
+              <a:t>4/30/2024</a:t>
             </a:fld>
             <a:endParaRPr lang="en-US" dirty="0"/>
           </a:p>
@@ -6385,7 +6599,7 @@
           <a:p>
             <a:fld id="{CE99F462-093F-4566-844B-4C71F2739DA5}" type="datetimeFigureOut">
               <a:rPr lang="en-US" dirty="0"/>
-              <a:t>4/29/2024</a:t>
+              <a:t>4/30/2024</a:t>
             </a:fld>
             <a:endParaRPr lang="en-US" dirty="0"/>
           </a:p>
@@ -6543,7 +6757,7 @@
           <a:p>
             <a:fld id="{3D24A7AC-904D-4781-85BA-7D10C17ED021}" type="datetimeFigureOut">
               <a:rPr lang="en-US" dirty="0"/>
-              <a:t>4/29/2024</a:t>
+              <a:t>4/30/2024</a:t>
             </a:fld>
             <a:endParaRPr lang="en-US" dirty="0"/>
           </a:p>
@@ -6928,7 +7142,7 @@
           <a:p>
             <a:fld id="{E331444B-B92B-4E27-8C94-BB93EAF5CB18}" type="datetimeFigureOut">
               <a:rPr lang="en-US" dirty="0"/>
-              <a:t>4/29/2024</a:t>
+              <a:t>4/30/2024</a:t>
             </a:fld>
             <a:endParaRPr lang="en-US" dirty="0"/>
           </a:p>
@@ -7332,7 +7546,7 @@
           <a:p>
             <a:fld id="{363EFA5E-FA76-400D-B3DC-F0BA90E6D107}" type="datetimeFigureOut">
               <a:rPr lang="en-US" dirty="0"/>
-              <a:t>4/29/2024</a:t>
+              <a:t>4/30/2024</a:t>
             </a:fld>
             <a:endParaRPr lang="en-US" dirty="0"/>
           </a:p>
@@ -7571,7 +7785,7 @@
           <a:p>
             <a:fld id="{9D6E9DEC-419B-4CC5-A080-3B06BD5A8291}" type="datetimeFigureOut">
               <a:rPr lang="en-US" dirty="0"/>
-              <a:t>4/29/2024</a:t>
+              <a:t>4/30/2024</a:t>
             </a:fld>
             <a:endParaRPr lang="en-US" dirty="0"/>
           </a:p>
@@ -8311,32 +8525,15 @@
           <a:p>
             <a:pPr lvl="1"/>
             <a:r>
-              <a:rPr lang="en-US" sz="2400" dirty="0" err="1"/>
-              <a:t>Github</a:t>
-            </a:r>
-            <a:r>
               <a:rPr lang="en-US" sz="2400" dirty="0"/>
-              <a:t> code repository</a:t>
+              <a:t>Code Snippets</a:t>
             </a:r>
           </a:p>
           <a:p>
             <a:endParaRPr lang="en-US" dirty="0"/>
           </a:p>
           <a:p>
-            <a:r>
-              <a:rPr lang="en-US" sz="2000" dirty="0"/>
-              <a:t>Link : </a:t>
-            </a:r>
-            <a:r>
-              <a:rPr lang="en-US" sz="2000" dirty="0">
-                <a:hlinkClick r:id="rId2"/>
-              </a:rPr>
-              <a:t>https://github.com/ShelkeAkshay-2022mt93331/dissertation</a:t>
-            </a:r>
-            <a:r>
-              <a:rPr lang="en-US" sz="2000" dirty="0"/>
-              <a:t> </a:t>
-            </a:r>
+            <a:endParaRPr lang="en-US" dirty="0"/>
           </a:p>
           <a:p>
             <a:endParaRPr lang="en-IN" dirty="0"/>
@@ -8346,10 +8543,40 @@
           </a:p>
         </p:txBody>
       </p:sp>
+      <p:pic>
+        <p:nvPicPr>
+          <p:cNvPr id="6" name="Picture 5">
+            <a:extLst>
+              <a:ext uri="{FF2B5EF4-FFF2-40B4-BE49-F238E27FC236}">
+                <a16:creationId xmlns:a16="http://schemas.microsoft.com/office/drawing/2014/main" id="{41A8E72F-958E-9EC4-2E8A-911ABD3E62F3}"/>
+              </a:ext>
+            </a:extLst>
+          </p:cNvPr>
+          <p:cNvPicPr>
+            <a:picLocks noChangeAspect="1"/>
+          </p:cNvPicPr>
+          <p:nvPr/>
+        </p:nvPicPr>
+        <p:blipFill>
+          <a:blip r:embed="rId2"/>
+          <a:stretch>
+            <a:fillRect/>
+          </a:stretch>
+        </p:blipFill>
+        <p:spPr>
+          <a:xfrm>
+            <a:off x="866775" y="2581274"/>
+            <a:ext cx="10458450" cy="4105275"/>
+          </a:xfrm>
+          <a:prstGeom prst="rect">
+            <a:avLst/>
+          </a:prstGeom>
+        </p:spPr>
+      </p:pic>
     </p:spTree>
     <p:extLst>
       <p:ext uri="{BB962C8B-B14F-4D97-AF65-F5344CB8AC3E}">
-        <p14:creationId xmlns:p14="http://schemas.microsoft.com/office/powerpoint/2010/main" val="4000738222"/>
+        <p14:creationId xmlns:p14="http://schemas.microsoft.com/office/powerpoint/2010/main" val="2848167313"/>
       </p:ext>
     </p:extLst>
   </p:cSld>
@@ -8434,8 +8661,12 @@
           <a:p>
             <a:pPr lvl="1"/>
             <a:r>
-              <a:rPr lang="en-US" dirty="0"/>
-              <a:t>Demo video of working solution</a:t>
+              <a:rPr lang="en-US" sz="2400" dirty="0" err="1"/>
+              <a:t>Github</a:t>
+            </a:r>
+            <a:r>
+              <a:rPr lang="en-US" sz="2400" dirty="0"/>
+              <a:t> code repository</a:t>
             </a:r>
           </a:p>
           <a:p>
@@ -8443,8 +8674,18 @@
           </a:p>
           <a:p>
             <a:r>
-              <a:rPr lang="en-US" dirty="0"/>
-              <a:t>A</a:t>
+              <a:rPr lang="en-US" sz="2000" dirty="0"/>
+              <a:t>Link : </a:t>
+            </a:r>
+            <a:r>
+              <a:rPr lang="en-US" sz="2000" dirty="0">
+                <a:hlinkClick r:id="rId2"/>
+              </a:rPr>
+              <a:t>https://github.com/ShelkeAkshay-2022mt93331/dissertation</a:t>
+            </a:r>
+            <a:r>
+              <a:rPr lang="en-US" sz="2000" dirty="0"/>
+              <a:t> </a:t>
             </a:r>
           </a:p>
           <a:p>
@@ -8458,7 +8699,7 @@
     </p:spTree>
     <p:extLst>
       <p:ext uri="{BB962C8B-B14F-4D97-AF65-F5344CB8AC3E}">
-        <p14:creationId xmlns:p14="http://schemas.microsoft.com/office/powerpoint/2010/main" val="2160299587"/>
+        <p14:creationId xmlns:p14="http://schemas.microsoft.com/office/powerpoint/2010/main" val="4000738222"/>
       </p:ext>
     </p:extLst>
   </p:cSld>
@@ -8508,7 +8749,7 @@
           <a:p>
             <a:r>
               <a:rPr lang="en-US" dirty="0"/>
-              <a:t>Future Scope &amp; Limitations</a:t>
+              <a:t>Implementation &amp; Working</a:t>
             </a:r>
           </a:p>
         </p:txBody>
@@ -8541,135 +8782,469 @@
           </a:bodyPr>
           <a:lstStyle/>
           <a:p>
+            <a:pPr lvl="1"/>
+            <a:r>
+              <a:rPr lang="en-US" sz="2400" dirty="0" err="1"/>
+              <a:t>PowerBI</a:t>
+            </a:r>
+            <a:r>
+              <a:rPr lang="en-US" sz="2400" dirty="0"/>
+              <a:t> Dashboards</a:t>
+            </a:r>
+          </a:p>
+          <a:p>
             <a:pPr marL="0" indent="0">
               <a:buNone/>
             </a:pPr>
             <a:endParaRPr lang="en-US" dirty="0"/>
           </a:p>
           <a:p>
+            <a:endParaRPr lang="en-IN" dirty="0"/>
+          </a:p>
+          <a:p>
+            <a:endParaRPr lang="en-IN" dirty="0"/>
+          </a:p>
+        </p:txBody>
+      </p:sp>
+      <p:pic>
+        <p:nvPicPr>
+          <p:cNvPr id="5" name="Picture 4">
+            <a:extLst>
+              <a:ext uri="{FF2B5EF4-FFF2-40B4-BE49-F238E27FC236}">
+                <a16:creationId xmlns:a16="http://schemas.microsoft.com/office/drawing/2014/main" id="{8913E27B-AFC0-BDE8-B817-80A1BC53392D}"/>
+              </a:ext>
+            </a:extLst>
+          </p:cNvPr>
+          <p:cNvPicPr>
+            <a:picLocks noChangeAspect="1"/>
+          </p:cNvPicPr>
+          <p:nvPr/>
+        </p:nvPicPr>
+        <p:blipFill>
+          <a:blip r:embed="rId2"/>
+          <a:stretch>
+            <a:fillRect/>
+          </a:stretch>
+        </p:blipFill>
+        <p:spPr>
+          <a:xfrm>
+            <a:off x="2416205" y="2546780"/>
+            <a:ext cx="7359589" cy="4139769"/>
+          </a:xfrm>
+          <a:prstGeom prst="rect">
+            <a:avLst/>
+          </a:prstGeom>
+        </p:spPr>
+      </p:pic>
+    </p:spTree>
+    <p:extLst>
+      <p:ext uri="{BB962C8B-B14F-4D97-AF65-F5344CB8AC3E}">
+        <p14:creationId xmlns:p14="http://schemas.microsoft.com/office/powerpoint/2010/main" val="2787504626"/>
+      </p:ext>
+    </p:extLst>
+  </p:cSld>
+  <p:clrMapOvr>
+    <a:masterClrMapping/>
+  </p:clrMapOvr>
+</p:sld>
+</file>
+
+<file path=ppt/slides/slide13.xml><?xml version="1.0" encoding="utf-8"?>
+<p:sld xmlns:a="http://schemas.openxmlformats.org/drawingml/2006/main" xmlns:r="http://schemas.openxmlformats.org/officeDocument/2006/relationships" xmlns:p="http://schemas.openxmlformats.org/presentationml/2006/main">
+  <p:cSld>
+    <p:spTree>
+      <p:nvGrpSpPr>
+        <p:cNvPr id="1" name=""/>
+        <p:cNvGrpSpPr/>
+        <p:nvPr/>
+      </p:nvGrpSpPr>
+      <p:grpSpPr>
+        <a:xfrm>
+          <a:off x="0" y="0"/>
+          <a:ext cx="0" cy="0"/>
+          <a:chOff x="0" y="0"/>
+          <a:chExt cx="0" cy="0"/>
+        </a:xfrm>
+      </p:grpSpPr>
+      <p:sp>
+        <p:nvSpPr>
+          <p:cNvPr id="2" name="Title 1">
+            <a:extLst>
+              <a:ext uri="{FF2B5EF4-FFF2-40B4-BE49-F238E27FC236}">
+                <a16:creationId xmlns:a16="http://schemas.microsoft.com/office/drawing/2014/main" id="{C867E095-0C52-871E-0F9B-66057EA69166}"/>
+              </a:ext>
+            </a:extLst>
+          </p:cNvPr>
+          <p:cNvSpPr>
+            <a:spLocks noGrp="1"/>
+          </p:cNvSpPr>
+          <p:nvPr>
+            <p:ph type="title"/>
+          </p:nvPr>
+        </p:nvSpPr>
+        <p:spPr/>
+        <p:txBody>
+          <a:bodyPr/>
+          <a:lstStyle/>
+          <a:p>
+            <a:r>
+              <a:rPr lang="en-US" dirty="0"/>
+              <a:t>Implementation &amp; Working</a:t>
+            </a:r>
+          </a:p>
+        </p:txBody>
+      </p:sp>
+      <p:sp>
+        <p:nvSpPr>
+          <p:cNvPr id="3" name="Content Placeholder 2">
+            <a:extLst>
+              <a:ext uri="{FF2B5EF4-FFF2-40B4-BE49-F238E27FC236}">
+                <a16:creationId xmlns:a16="http://schemas.microsoft.com/office/drawing/2014/main" id="{70B6563F-C9BC-8EC0-B611-9FFC088AFF08}"/>
+              </a:ext>
+            </a:extLst>
+          </p:cNvPr>
+          <p:cNvSpPr>
+            <a:spLocks noGrp="1"/>
+          </p:cNvSpPr>
+          <p:nvPr>
+            <p:ph idx="1"/>
+          </p:nvPr>
+        </p:nvSpPr>
+        <p:spPr>
+          <a:xfrm>
+            <a:off x="295275" y="2038350"/>
+            <a:ext cx="10382250" cy="4648199"/>
+          </a:xfrm>
+        </p:spPr>
+        <p:txBody>
+          <a:bodyPr>
+            <a:normAutofit/>
+          </a:bodyPr>
+          <a:lstStyle/>
+          <a:p>
+            <a:pPr lvl="1"/>
+            <a:r>
+              <a:rPr lang="en-US" sz="2400" dirty="0" err="1"/>
+              <a:t>PowerBI</a:t>
+            </a:r>
+            <a:r>
+              <a:rPr lang="en-US" sz="2400" dirty="0"/>
+              <a:t> Dashboards</a:t>
+            </a:r>
+          </a:p>
+          <a:p>
+            <a:pPr marL="0" indent="0">
+              <a:buNone/>
+            </a:pPr>
+            <a:endParaRPr lang="en-US" dirty="0"/>
+          </a:p>
+          <a:p>
+            <a:endParaRPr lang="en-IN" dirty="0"/>
+          </a:p>
+          <a:p>
+            <a:endParaRPr lang="en-IN" dirty="0"/>
+          </a:p>
+        </p:txBody>
+      </p:sp>
+      <p:pic>
+        <p:nvPicPr>
+          <p:cNvPr id="6" name="Picture 5">
+            <a:extLst>
+              <a:ext uri="{FF2B5EF4-FFF2-40B4-BE49-F238E27FC236}">
+                <a16:creationId xmlns:a16="http://schemas.microsoft.com/office/drawing/2014/main" id="{7C982F2B-9E7A-6A2A-B8E3-AD062107C5E4}"/>
+              </a:ext>
+            </a:extLst>
+          </p:cNvPr>
+          <p:cNvPicPr>
+            <a:picLocks noChangeAspect="1"/>
+          </p:cNvPicPr>
+          <p:nvPr/>
+        </p:nvPicPr>
+        <p:blipFill>
+          <a:blip r:embed="rId2"/>
+          <a:stretch>
+            <a:fillRect/>
+          </a:stretch>
+        </p:blipFill>
+        <p:spPr>
+          <a:xfrm>
+            <a:off x="2314113" y="2513490"/>
+            <a:ext cx="7563774" cy="4254623"/>
+          </a:xfrm>
+          <a:prstGeom prst="rect">
+            <a:avLst/>
+          </a:prstGeom>
+        </p:spPr>
+      </p:pic>
+    </p:spTree>
+    <p:extLst>
+      <p:ext uri="{BB962C8B-B14F-4D97-AF65-F5344CB8AC3E}">
+        <p14:creationId xmlns:p14="http://schemas.microsoft.com/office/powerpoint/2010/main" val="1862635283"/>
+      </p:ext>
+    </p:extLst>
+  </p:cSld>
+  <p:clrMapOvr>
+    <a:masterClrMapping/>
+  </p:clrMapOvr>
+</p:sld>
+</file>
+
+<file path=ppt/slides/slide14.xml><?xml version="1.0" encoding="utf-8"?>
+<p:sld xmlns:a="http://schemas.openxmlformats.org/drawingml/2006/main" xmlns:r="http://schemas.openxmlformats.org/officeDocument/2006/relationships" xmlns:p="http://schemas.openxmlformats.org/presentationml/2006/main">
+  <p:cSld>
+    <p:spTree>
+      <p:nvGrpSpPr>
+        <p:cNvPr id="1" name=""/>
+        <p:cNvGrpSpPr/>
+        <p:nvPr/>
+      </p:nvGrpSpPr>
+      <p:grpSpPr>
+        <a:xfrm>
+          <a:off x="0" y="0"/>
+          <a:ext cx="0" cy="0"/>
+          <a:chOff x="0" y="0"/>
+          <a:chExt cx="0" cy="0"/>
+        </a:xfrm>
+      </p:grpSpPr>
+      <p:sp>
+        <p:nvSpPr>
+          <p:cNvPr id="2" name="Title 1">
+            <a:extLst>
+              <a:ext uri="{FF2B5EF4-FFF2-40B4-BE49-F238E27FC236}">
+                <a16:creationId xmlns:a16="http://schemas.microsoft.com/office/drawing/2014/main" id="{C867E095-0C52-871E-0F9B-66057EA69166}"/>
+              </a:ext>
+            </a:extLst>
+          </p:cNvPr>
+          <p:cNvSpPr>
+            <a:spLocks noGrp="1"/>
+          </p:cNvSpPr>
+          <p:nvPr>
+            <p:ph type="title"/>
+          </p:nvPr>
+        </p:nvSpPr>
+        <p:spPr/>
+        <p:txBody>
+          <a:bodyPr/>
+          <a:lstStyle/>
+          <a:p>
+            <a:r>
+              <a:rPr lang="en-US" dirty="0"/>
+              <a:t>Implementation &amp; Working</a:t>
+            </a:r>
+          </a:p>
+        </p:txBody>
+      </p:sp>
+      <p:sp>
+        <p:nvSpPr>
+          <p:cNvPr id="3" name="Content Placeholder 2">
+            <a:extLst>
+              <a:ext uri="{FF2B5EF4-FFF2-40B4-BE49-F238E27FC236}">
+                <a16:creationId xmlns:a16="http://schemas.microsoft.com/office/drawing/2014/main" id="{70B6563F-C9BC-8EC0-B611-9FFC088AFF08}"/>
+              </a:ext>
+            </a:extLst>
+          </p:cNvPr>
+          <p:cNvSpPr>
+            <a:spLocks noGrp="1"/>
+          </p:cNvSpPr>
+          <p:nvPr>
+            <p:ph idx="1"/>
+          </p:nvPr>
+        </p:nvSpPr>
+        <p:spPr>
+          <a:xfrm>
+            <a:off x="295275" y="2038350"/>
+            <a:ext cx="10382250" cy="4648199"/>
+          </a:xfrm>
+        </p:spPr>
+        <p:txBody>
+          <a:bodyPr>
+            <a:normAutofit/>
+          </a:bodyPr>
+          <a:lstStyle/>
+          <a:p>
+            <a:pPr lvl="1"/>
+            <a:r>
+              <a:rPr lang="en-US" sz="2400" dirty="0"/>
+              <a:t>Demo video of working solution</a:t>
+            </a:r>
+          </a:p>
+          <a:p>
+            <a:endParaRPr lang="en-US" dirty="0"/>
+          </a:p>
+          <a:p>
+            <a:r>
+              <a:rPr lang="en-US" sz="1800" dirty="0"/>
+              <a:t>Google Drive Link : </a:t>
+            </a:r>
+            <a:r>
+              <a:rPr lang="en-US" sz="1800" dirty="0">
+                <a:hlinkClick r:id="rId2"/>
+              </a:rPr>
+              <a:t>https://drive.google.com/drive/folders/1qEwP5DDKlXF6vuxXq-6B8rs8iA8jmczB?usp=drive_link</a:t>
+            </a:r>
+            <a:r>
+              <a:rPr lang="en-US" sz="1800" dirty="0"/>
+              <a:t> </a:t>
+            </a:r>
+          </a:p>
+          <a:p>
+            <a:endParaRPr lang="en-US" sz="1800" dirty="0"/>
+          </a:p>
+          <a:p>
+            <a:r>
+              <a:rPr lang="en-US" sz="1800" dirty="0"/>
+              <a:t>Google Drive Video Link  : </a:t>
+            </a:r>
+            <a:r>
+              <a:rPr lang="en-US" sz="1800" dirty="0">
+                <a:hlinkClick r:id="rId3"/>
+              </a:rPr>
+              <a:t>https://drive.google.com/file/d/1F5PeEJjorfrCm4q3jTkJCXk6tYbLfKPZ/view?usp=sharing</a:t>
+            </a:r>
+            <a:r>
+              <a:rPr lang="en-US" sz="1800" dirty="0"/>
+              <a:t> </a:t>
+            </a:r>
+          </a:p>
+          <a:p>
+            <a:endParaRPr lang="en-IN" dirty="0"/>
+          </a:p>
+          <a:p>
+            <a:endParaRPr lang="en-IN" dirty="0"/>
+          </a:p>
+        </p:txBody>
+      </p:sp>
+    </p:spTree>
+    <p:extLst>
+      <p:ext uri="{BB962C8B-B14F-4D97-AF65-F5344CB8AC3E}">
+        <p14:creationId xmlns:p14="http://schemas.microsoft.com/office/powerpoint/2010/main" val="2160299587"/>
+      </p:ext>
+    </p:extLst>
+  </p:cSld>
+  <p:clrMapOvr>
+    <a:masterClrMapping/>
+  </p:clrMapOvr>
+</p:sld>
+</file>
+
+<file path=ppt/slides/slide15.xml><?xml version="1.0" encoding="utf-8"?>
+<p:sld xmlns:a="http://schemas.openxmlformats.org/drawingml/2006/main" xmlns:r="http://schemas.openxmlformats.org/officeDocument/2006/relationships" xmlns:p="http://schemas.openxmlformats.org/presentationml/2006/main">
+  <p:cSld>
+    <p:spTree>
+      <p:nvGrpSpPr>
+        <p:cNvPr id="1" name=""/>
+        <p:cNvGrpSpPr/>
+        <p:nvPr/>
+      </p:nvGrpSpPr>
+      <p:grpSpPr>
+        <a:xfrm>
+          <a:off x="0" y="0"/>
+          <a:ext cx="0" cy="0"/>
+          <a:chOff x="0" y="0"/>
+          <a:chExt cx="0" cy="0"/>
+        </a:xfrm>
+      </p:grpSpPr>
+      <p:sp>
+        <p:nvSpPr>
+          <p:cNvPr id="2" name="Title 1">
+            <a:extLst>
+              <a:ext uri="{FF2B5EF4-FFF2-40B4-BE49-F238E27FC236}">
+                <a16:creationId xmlns:a16="http://schemas.microsoft.com/office/drawing/2014/main" id="{C867E095-0C52-871E-0F9B-66057EA69166}"/>
+              </a:ext>
+            </a:extLst>
+          </p:cNvPr>
+          <p:cNvSpPr>
+            <a:spLocks noGrp="1"/>
+          </p:cNvSpPr>
+          <p:nvPr>
+            <p:ph type="title"/>
+          </p:nvPr>
+        </p:nvSpPr>
+        <p:spPr/>
+        <p:txBody>
+          <a:bodyPr/>
+          <a:lstStyle/>
+          <a:p>
+            <a:r>
+              <a:rPr lang="en-US" dirty="0"/>
+              <a:t>Future Scope &amp; Limitations</a:t>
+            </a:r>
+          </a:p>
+        </p:txBody>
+      </p:sp>
+      <p:sp>
+        <p:nvSpPr>
+          <p:cNvPr id="3" name="Content Placeholder 2">
+            <a:extLst>
+              <a:ext uri="{FF2B5EF4-FFF2-40B4-BE49-F238E27FC236}">
+                <a16:creationId xmlns:a16="http://schemas.microsoft.com/office/drawing/2014/main" id="{70B6563F-C9BC-8EC0-B611-9FFC088AFF08}"/>
+              </a:ext>
+            </a:extLst>
+          </p:cNvPr>
+          <p:cNvSpPr>
+            <a:spLocks noGrp="1"/>
+          </p:cNvSpPr>
+          <p:nvPr>
+            <p:ph idx="1"/>
+          </p:nvPr>
+        </p:nvSpPr>
+        <p:spPr>
+          <a:xfrm>
+            <a:off x="295275" y="2038350"/>
+            <a:ext cx="10382250" cy="4648199"/>
+          </a:xfrm>
+        </p:spPr>
+        <p:txBody>
+          <a:bodyPr>
+            <a:normAutofit/>
+          </a:bodyPr>
+          <a:lstStyle/>
+          <a:p>
+            <a:r>
+              <a:rPr lang="en-US" sz="2400" dirty="0"/>
+              <a:t>Future Scope : </a:t>
+            </a:r>
+          </a:p>
+          <a:p>
+            <a:pPr marL="0" indent="0">
+              <a:buNone/>
+            </a:pPr>
+            <a:endParaRPr lang="en-US" dirty="0"/>
+          </a:p>
+          <a:p>
             <a:pPr algn="just"/>
             <a:r>
-              <a:rPr lang="en-US" sz="1800" dirty="0">
-                <a:latin typeface="Times New Roman" panose="02020603050405020304" pitchFamily="18" charset="0"/>
-                <a:ea typeface="Times New Roman" panose="02020603050405020304" pitchFamily="18" charset="0"/>
-              </a:rPr>
-              <a:t>F</a:t>
-            </a:r>
-            <a:r>
-              <a:rPr lang="en-US" sz="1800" dirty="0">
-                <a:effectLst/>
-                <a:latin typeface="Times New Roman" panose="02020603050405020304" pitchFamily="18" charset="0"/>
-                <a:ea typeface="Times New Roman" panose="02020603050405020304" pitchFamily="18" charset="0"/>
-              </a:rPr>
-              <a:t>uture research could focus on optimizing the framework for larger or more complex web applications interconnected with multiple dependent system.</a:t>
+              <a:rPr lang="en-US" sz="1800" dirty="0"/>
+              <a:t>Extending the solution to support real-time data streaming and processing for low-latency analytics.</a:t>
             </a:r>
           </a:p>
           <a:p>
             <a:pPr algn="just"/>
             <a:r>
-              <a:rPr lang="en-US" sz="1800" dirty="0">
-                <a:effectLst/>
-                <a:latin typeface="Times New Roman" panose="02020603050405020304" pitchFamily="18" charset="0"/>
-                <a:ea typeface="Times New Roman" panose="02020603050405020304" pitchFamily="18" charset="0"/>
-              </a:rPr>
-              <a:t>Framework designed can also be integrated with backend testing by installing request package  and </a:t>
-            </a:r>
-            <a:r>
-              <a:rPr lang="en-US" sz="1800" dirty="0" err="1">
-                <a:effectLst/>
-                <a:latin typeface="Times New Roman" panose="02020603050405020304" pitchFamily="18" charset="0"/>
-                <a:ea typeface="Times New Roman" panose="02020603050405020304" pitchFamily="18" charset="0"/>
-              </a:rPr>
-              <a:t>db</a:t>
-            </a:r>
-            <a:r>
-              <a:rPr lang="en-US" sz="1800" dirty="0">
-                <a:effectLst/>
-                <a:latin typeface="Times New Roman" panose="02020603050405020304" pitchFamily="18" charset="0"/>
-                <a:ea typeface="Times New Roman" panose="02020603050405020304" pitchFamily="18" charset="0"/>
-              </a:rPr>
-              <a:t> connectors, used for backend </a:t>
-            </a:r>
-            <a:r>
-              <a:rPr lang="en-US" sz="1800" dirty="0" err="1">
-                <a:effectLst/>
-                <a:latin typeface="Times New Roman" panose="02020603050405020304" pitchFamily="18" charset="0"/>
-                <a:ea typeface="Times New Roman" panose="02020603050405020304" pitchFamily="18" charset="0"/>
-              </a:rPr>
-              <a:t>api</a:t>
-            </a:r>
-            <a:r>
-              <a:rPr lang="en-US" sz="1800" dirty="0">
-                <a:effectLst/>
-                <a:latin typeface="Times New Roman" panose="02020603050405020304" pitchFamily="18" charset="0"/>
-                <a:ea typeface="Times New Roman" panose="02020603050405020304" pitchFamily="18" charset="0"/>
-              </a:rPr>
-              <a:t> testing with less effort.</a:t>
+              <a:rPr lang="en-US" sz="1800" dirty="0"/>
+              <a:t>Incorporating advanced machine learning and AI capabilities for predictive analytics and automated decision-making.</a:t>
             </a:r>
           </a:p>
           <a:p>
             <a:pPr algn="just"/>
             <a:r>
-              <a:rPr lang="en-US" sz="1800" dirty="0">
-                <a:latin typeface="Times New Roman" panose="02020603050405020304" pitchFamily="18" charset="0"/>
-                <a:ea typeface="Times New Roman" panose="02020603050405020304" pitchFamily="18" charset="0"/>
-              </a:rPr>
-              <a:t>Future scope, Integration of framework with container docker and Kubernetes pods, use docker image to run  test cases. </a:t>
-            </a:r>
-            <a:endParaRPr lang="en-US" sz="1800" dirty="0">
-              <a:effectLst/>
-              <a:latin typeface="Times New Roman" panose="02020603050405020304" pitchFamily="18" charset="0"/>
-              <a:ea typeface="Times New Roman" panose="02020603050405020304" pitchFamily="18" charset="0"/>
-            </a:endParaRPr>
+              <a:rPr lang="en-US" sz="1800" dirty="0"/>
+              <a:t>Enhancing the solution to handle multi-cloud environments and hybrid architectures.</a:t>
+            </a:r>
           </a:p>
           <a:p>
             <a:pPr algn="just"/>
             <a:r>
-              <a:rPr lang="en-US" sz="1800" dirty="0">
-                <a:effectLst/>
-                <a:latin typeface="Times New Roman" panose="02020603050405020304" pitchFamily="18" charset="0"/>
-                <a:ea typeface="Times New Roman" panose="02020603050405020304" pitchFamily="18" charset="0"/>
-              </a:rPr>
-              <a:t>The automation framework presented in this dissertation report is a robust and scalable tool for automating web application testing. </a:t>
+              <a:rPr lang="en-US" sz="1800" dirty="0"/>
+              <a:t>Implementing advanced data governance and lineage tracking mechanisms for improved compliance and auditing.</a:t>
             </a:r>
           </a:p>
           <a:p>
             <a:pPr algn="just"/>
             <a:r>
-              <a:rPr lang="en-US" sz="1800" dirty="0">
-                <a:effectLst/>
-                <a:latin typeface="Times New Roman" panose="02020603050405020304" pitchFamily="18" charset="0"/>
-                <a:ea typeface="Times New Roman" panose="02020603050405020304" pitchFamily="18" charset="0"/>
-              </a:rPr>
-              <a:t>It provides a flexible and easy-to-use approach to testing that can be customized and extended to support a variety of web applications and test scenarios</a:t>
-            </a:r>
-          </a:p>
-          <a:p>
-            <a:pPr algn="just"/>
-            <a:r>
-              <a:rPr lang="en-US" sz="1800" dirty="0">
-                <a:effectLst/>
-                <a:latin typeface="Times New Roman" panose="02020603050405020304" pitchFamily="18" charset="0"/>
-                <a:ea typeface="Times New Roman" panose="02020603050405020304" pitchFamily="18" charset="0"/>
-              </a:rPr>
-              <a:t>Not suitable for automation of desktop-based application, not able to automate QR codes, captcha </a:t>
-            </a:r>
-            <a:r>
-              <a:rPr lang="en-US" sz="1800" dirty="0" err="1">
-                <a:effectLst/>
-                <a:latin typeface="Times New Roman" panose="02020603050405020304" pitchFamily="18" charset="0"/>
-                <a:ea typeface="Times New Roman" panose="02020603050405020304" pitchFamily="18" charset="0"/>
-              </a:rPr>
-              <a:t>etc</a:t>
-            </a:r>
-            <a:endParaRPr lang="en-IN" sz="1900" b="1" dirty="0">
-              <a:effectLst/>
-              <a:latin typeface="Arial" panose="020B0604020202020204" pitchFamily="34" charset="0"/>
-              <a:cs typeface="Times New Roman" panose="02020603050405020304" pitchFamily="18" charset="0"/>
-            </a:endParaRPr>
-          </a:p>
-          <a:p>
-            <a:endParaRPr lang="en-US" dirty="0"/>
+              <a:rPr lang="en-US" sz="1800" dirty="0"/>
+              <a:t>Exploring serverless computing options for increased scalability and cost optimization.</a:t>
+            </a:r>
           </a:p>
           <a:p>
             <a:endParaRPr lang="en-IN" dirty="0"/>
@@ -8683,6 +9258,403 @@
     <p:extLst>
       <p:ext uri="{BB962C8B-B14F-4D97-AF65-F5344CB8AC3E}">
         <p14:creationId xmlns:p14="http://schemas.microsoft.com/office/powerpoint/2010/main" val="341101040"/>
+      </p:ext>
+    </p:extLst>
+  </p:cSld>
+  <p:clrMapOvr>
+    <a:masterClrMapping/>
+  </p:clrMapOvr>
+</p:sld>
+</file>
+
+<file path=ppt/slides/slide16.xml><?xml version="1.0" encoding="utf-8"?>
+<p:sld xmlns:a="http://schemas.openxmlformats.org/drawingml/2006/main" xmlns:r="http://schemas.openxmlformats.org/officeDocument/2006/relationships" xmlns:p="http://schemas.openxmlformats.org/presentationml/2006/main">
+  <p:cSld>
+    <p:spTree>
+      <p:nvGrpSpPr>
+        <p:cNvPr id="1" name=""/>
+        <p:cNvGrpSpPr/>
+        <p:nvPr/>
+      </p:nvGrpSpPr>
+      <p:grpSpPr>
+        <a:xfrm>
+          <a:off x="0" y="0"/>
+          <a:ext cx="0" cy="0"/>
+          <a:chOff x="0" y="0"/>
+          <a:chExt cx="0" cy="0"/>
+        </a:xfrm>
+      </p:grpSpPr>
+      <p:sp>
+        <p:nvSpPr>
+          <p:cNvPr id="2" name="Title 1">
+            <a:extLst>
+              <a:ext uri="{FF2B5EF4-FFF2-40B4-BE49-F238E27FC236}">
+                <a16:creationId xmlns:a16="http://schemas.microsoft.com/office/drawing/2014/main" id="{C867E095-0C52-871E-0F9B-66057EA69166}"/>
+              </a:ext>
+            </a:extLst>
+          </p:cNvPr>
+          <p:cNvSpPr>
+            <a:spLocks noGrp="1"/>
+          </p:cNvSpPr>
+          <p:nvPr>
+            <p:ph type="title"/>
+          </p:nvPr>
+        </p:nvSpPr>
+        <p:spPr/>
+        <p:txBody>
+          <a:bodyPr/>
+          <a:lstStyle/>
+          <a:p>
+            <a:r>
+              <a:rPr lang="en-US" dirty="0"/>
+              <a:t>Future Scope &amp; Limitations</a:t>
+            </a:r>
+          </a:p>
+        </p:txBody>
+      </p:sp>
+      <p:sp>
+        <p:nvSpPr>
+          <p:cNvPr id="3" name="Content Placeholder 2">
+            <a:extLst>
+              <a:ext uri="{FF2B5EF4-FFF2-40B4-BE49-F238E27FC236}">
+                <a16:creationId xmlns:a16="http://schemas.microsoft.com/office/drawing/2014/main" id="{70B6563F-C9BC-8EC0-B611-9FFC088AFF08}"/>
+              </a:ext>
+            </a:extLst>
+          </p:cNvPr>
+          <p:cNvSpPr>
+            <a:spLocks noGrp="1"/>
+          </p:cNvSpPr>
+          <p:nvPr>
+            <p:ph idx="1"/>
+          </p:nvPr>
+        </p:nvSpPr>
+        <p:spPr>
+          <a:xfrm>
+            <a:off x="295275" y="2038350"/>
+            <a:ext cx="10382250" cy="4648199"/>
+          </a:xfrm>
+        </p:spPr>
+        <p:txBody>
+          <a:bodyPr>
+            <a:normAutofit/>
+          </a:bodyPr>
+          <a:lstStyle/>
+          <a:p>
+            <a:r>
+              <a:rPr lang="en-US" sz="2400" dirty="0"/>
+              <a:t>Limitations : </a:t>
+            </a:r>
+          </a:p>
+          <a:p>
+            <a:pPr marL="0" indent="0">
+              <a:buNone/>
+            </a:pPr>
+            <a:endParaRPr lang="en-US" dirty="0"/>
+          </a:p>
+          <a:p>
+            <a:pPr algn="just"/>
+            <a:r>
+              <a:rPr lang="en-US" sz="1800" dirty="0"/>
+              <a:t>The solution is primarily focused on data migration and may require additional components for advanced use cases like real-time analytics or IoT data processing.</a:t>
+            </a:r>
+          </a:p>
+          <a:p>
+            <a:pPr algn="just"/>
+            <a:r>
+              <a:rPr lang="en-US" sz="1800" dirty="0"/>
+              <a:t>While the solution demonstrates data migration from on-premises SQL Server, additional connectors and adaptations may be required for other data sources or formats.</a:t>
+            </a:r>
+          </a:p>
+          <a:p>
+            <a:pPr algn="just"/>
+            <a:r>
+              <a:rPr lang="en-US" sz="1800" dirty="0"/>
+              <a:t>The project scope is limited to the Microsoft Azure ecosystem, and additional work may be required for integrating with other cloud platforms or on-premises systems.</a:t>
+            </a:r>
+          </a:p>
+          <a:p>
+            <a:pPr algn="just"/>
+            <a:r>
+              <a:rPr lang="en-US" sz="1800" dirty="0"/>
+              <a:t>Advanced data governance and lineage tracking features may require further development and integration with external tools or services.</a:t>
+            </a:r>
+          </a:p>
+          <a:p>
+            <a:pPr algn="just"/>
+            <a:r>
+              <a:rPr lang="en-US" sz="1800" dirty="0"/>
+              <a:t>The solution does not cover aspects of performance optimization, cost optimization, or autoscaling, which may be relevant for large-scale deployments.</a:t>
+            </a:r>
+          </a:p>
+          <a:p>
+            <a:endParaRPr lang="en-IN" dirty="0"/>
+          </a:p>
+          <a:p>
+            <a:endParaRPr lang="en-IN" dirty="0"/>
+          </a:p>
+        </p:txBody>
+      </p:sp>
+    </p:spTree>
+    <p:extLst>
+      <p:ext uri="{BB962C8B-B14F-4D97-AF65-F5344CB8AC3E}">
+        <p14:creationId xmlns:p14="http://schemas.microsoft.com/office/powerpoint/2010/main" val="4254565118"/>
+      </p:ext>
+    </p:extLst>
+  </p:cSld>
+  <p:clrMapOvr>
+    <a:masterClrMapping/>
+  </p:clrMapOvr>
+</p:sld>
+</file>
+
+<file path=ppt/slides/slide17.xml><?xml version="1.0" encoding="utf-8"?>
+<p:sld xmlns:a="http://schemas.openxmlformats.org/drawingml/2006/main" xmlns:r="http://schemas.openxmlformats.org/officeDocument/2006/relationships" xmlns:p="http://schemas.openxmlformats.org/presentationml/2006/main">
+  <p:cSld>
+    <p:spTree>
+      <p:nvGrpSpPr>
+        <p:cNvPr id="1" name=""/>
+        <p:cNvGrpSpPr/>
+        <p:nvPr/>
+      </p:nvGrpSpPr>
+      <p:grpSpPr>
+        <a:xfrm>
+          <a:off x="0" y="0"/>
+          <a:ext cx="0" cy="0"/>
+          <a:chOff x="0" y="0"/>
+          <a:chExt cx="0" cy="0"/>
+        </a:xfrm>
+      </p:grpSpPr>
+      <p:sp>
+        <p:nvSpPr>
+          <p:cNvPr id="2" name="Title 1">
+            <a:extLst>
+              <a:ext uri="{FF2B5EF4-FFF2-40B4-BE49-F238E27FC236}">
+                <a16:creationId xmlns:a16="http://schemas.microsoft.com/office/drawing/2014/main" id="{C867E095-0C52-871E-0F9B-66057EA69166}"/>
+              </a:ext>
+            </a:extLst>
+          </p:cNvPr>
+          <p:cNvSpPr>
+            <a:spLocks noGrp="1"/>
+          </p:cNvSpPr>
+          <p:nvPr>
+            <p:ph type="title"/>
+          </p:nvPr>
+        </p:nvSpPr>
+        <p:spPr/>
+        <p:txBody>
+          <a:bodyPr/>
+          <a:lstStyle/>
+          <a:p>
+            <a:r>
+              <a:rPr lang="en-US" dirty="0"/>
+              <a:t>Q &amp; A</a:t>
+            </a:r>
+          </a:p>
+        </p:txBody>
+      </p:sp>
+      <p:sp>
+        <p:nvSpPr>
+          <p:cNvPr id="3" name="Content Placeholder 2">
+            <a:extLst>
+              <a:ext uri="{FF2B5EF4-FFF2-40B4-BE49-F238E27FC236}">
+                <a16:creationId xmlns:a16="http://schemas.microsoft.com/office/drawing/2014/main" id="{70B6563F-C9BC-8EC0-B611-9FFC088AFF08}"/>
+              </a:ext>
+            </a:extLst>
+          </p:cNvPr>
+          <p:cNvSpPr>
+            <a:spLocks noGrp="1"/>
+          </p:cNvSpPr>
+          <p:nvPr>
+            <p:ph idx="1"/>
+          </p:nvPr>
+        </p:nvSpPr>
+        <p:spPr>
+          <a:xfrm>
+            <a:off x="295275" y="2038350"/>
+            <a:ext cx="10382250" cy="4648199"/>
+          </a:xfrm>
+        </p:spPr>
+        <p:txBody>
+          <a:bodyPr>
+            <a:normAutofit/>
+          </a:bodyPr>
+          <a:lstStyle/>
+          <a:p>
+            <a:endParaRPr lang="en-IN" dirty="0"/>
+          </a:p>
+        </p:txBody>
+      </p:sp>
+      <p:pic>
+        <p:nvPicPr>
+          <p:cNvPr id="5" name="Picture 4">
+            <a:extLst>
+              <a:ext uri="{FF2B5EF4-FFF2-40B4-BE49-F238E27FC236}">
+                <a16:creationId xmlns:a16="http://schemas.microsoft.com/office/drawing/2014/main" id="{CE867BA5-4016-A837-DEAA-523B8B155A89}"/>
+              </a:ext>
+            </a:extLst>
+          </p:cNvPr>
+          <p:cNvPicPr>
+            <a:picLocks noChangeAspect="1"/>
+          </p:cNvPicPr>
+          <p:nvPr/>
+        </p:nvPicPr>
+        <p:blipFill>
+          <a:blip r:embed="rId2"/>
+          <a:stretch>
+            <a:fillRect/>
+          </a:stretch>
+        </p:blipFill>
+        <p:spPr>
+          <a:xfrm>
+            <a:off x="3500437" y="2751846"/>
+            <a:ext cx="5191125" cy="3076575"/>
+          </a:xfrm>
+          <a:prstGeom prst="rect">
+            <a:avLst/>
+          </a:prstGeom>
+        </p:spPr>
+      </p:pic>
+    </p:spTree>
+    <p:extLst>
+      <p:ext uri="{BB962C8B-B14F-4D97-AF65-F5344CB8AC3E}">
+        <p14:creationId xmlns:p14="http://schemas.microsoft.com/office/powerpoint/2010/main" val="3198030597"/>
+      </p:ext>
+    </p:extLst>
+  </p:cSld>
+  <p:clrMapOvr>
+    <a:masterClrMapping/>
+  </p:clrMapOvr>
+</p:sld>
+</file>
+
+<file path=ppt/slides/slide18.xml><?xml version="1.0" encoding="utf-8"?>
+<p:sld xmlns:a="http://schemas.openxmlformats.org/drawingml/2006/main" xmlns:r="http://schemas.openxmlformats.org/officeDocument/2006/relationships" xmlns:p="http://schemas.openxmlformats.org/presentationml/2006/main">
+  <p:cSld>
+    <p:spTree>
+      <p:nvGrpSpPr>
+        <p:cNvPr id="1" name=""/>
+        <p:cNvGrpSpPr/>
+        <p:nvPr/>
+      </p:nvGrpSpPr>
+      <p:grpSpPr>
+        <a:xfrm>
+          <a:off x="0" y="0"/>
+          <a:ext cx="0" cy="0"/>
+          <a:chOff x="0" y="0"/>
+          <a:chExt cx="0" cy="0"/>
+        </a:xfrm>
+      </p:grpSpPr>
+      <p:sp>
+        <p:nvSpPr>
+          <p:cNvPr id="2" name="Title 1">
+            <a:extLst>
+              <a:ext uri="{FF2B5EF4-FFF2-40B4-BE49-F238E27FC236}">
+                <a16:creationId xmlns:a16="http://schemas.microsoft.com/office/drawing/2014/main" id="{C867E095-0C52-871E-0F9B-66057EA69166}"/>
+              </a:ext>
+            </a:extLst>
+          </p:cNvPr>
+          <p:cNvSpPr>
+            <a:spLocks noGrp="1"/>
+          </p:cNvSpPr>
+          <p:nvPr>
+            <p:ph type="title"/>
+          </p:nvPr>
+        </p:nvSpPr>
+        <p:spPr/>
+        <p:txBody>
+          <a:bodyPr/>
+          <a:lstStyle/>
+          <a:p>
+            <a:r>
+              <a:rPr lang="en-US" dirty="0"/>
+              <a:t>Thank You !</a:t>
+            </a:r>
+          </a:p>
+        </p:txBody>
+      </p:sp>
+      <p:sp>
+        <p:nvSpPr>
+          <p:cNvPr id="3" name="Content Placeholder 2">
+            <a:extLst>
+              <a:ext uri="{FF2B5EF4-FFF2-40B4-BE49-F238E27FC236}">
+                <a16:creationId xmlns:a16="http://schemas.microsoft.com/office/drawing/2014/main" id="{70B6563F-C9BC-8EC0-B611-9FFC088AFF08}"/>
+              </a:ext>
+            </a:extLst>
+          </p:cNvPr>
+          <p:cNvSpPr>
+            <a:spLocks noGrp="1"/>
+          </p:cNvSpPr>
+          <p:nvPr>
+            <p:ph idx="1"/>
+          </p:nvPr>
+        </p:nvSpPr>
+        <p:spPr>
+          <a:xfrm>
+            <a:off x="295275" y="2038350"/>
+            <a:ext cx="10382250" cy="4648199"/>
+          </a:xfrm>
+        </p:spPr>
+        <p:txBody>
+          <a:bodyPr>
+            <a:normAutofit/>
+          </a:bodyPr>
+          <a:lstStyle/>
+          <a:p>
+            <a:endParaRPr lang="en-IN" dirty="0"/>
+          </a:p>
+        </p:txBody>
+      </p:sp>
+      <p:pic>
+        <p:nvPicPr>
+          <p:cNvPr id="1026" name="Picture 2" descr="Flat Thank You Slide Template for PowerPoint">
+            <a:extLst>
+              <a:ext uri="{FF2B5EF4-FFF2-40B4-BE49-F238E27FC236}">
+                <a16:creationId xmlns:a16="http://schemas.microsoft.com/office/drawing/2014/main" id="{50706EE7-9848-31E1-1823-8478EC17098B}"/>
+              </a:ext>
+            </a:extLst>
+          </p:cNvPr>
+          <p:cNvPicPr>
+            <a:picLocks noChangeAspect="1" noChangeArrowheads="1"/>
+          </p:cNvPicPr>
+          <p:nvPr/>
+        </p:nvPicPr>
+        <p:blipFill>
+          <a:blip r:embed="rId2">
+            <a:extLst>
+              <a:ext uri="{28A0092B-C50C-407E-A947-70E740481C1C}">
+                <a14:useLocalDpi xmlns:a14="http://schemas.microsoft.com/office/drawing/2010/main" val="0"/>
+              </a:ext>
+            </a:extLst>
+          </a:blip>
+          <a:srcRect/>
+          <a:stretch>
+            <a:fillRect/>
+          </a:stretch>
+        </p:blipFill>
+        <p:spPr bwMode="auto">
+          <a:xfrm>
+            <a:off x="2032000" y="2076449"/>
+            <a:ext cx="8128000" cy="4572000"/>
+          </a:xfrm>
+          <a:prstGeom prst="rect">
+            <a:avLst/>
+          </a:prstGeom>
+          <a:noFill/>
+          <a:extLst>
+            <a:ext uri="{909E8E84-426E-40DD-AFC4-6F175D3DCCD1}">
+              <a14:hiddenFill xmlns:a14="http://schemas.microsoft.com/office/drawing/2010/main">
+                <a:solidFill>
+                  <a:srgbClr val="FFFFFF"/>
+                </a:solidFill>
+              </a14:hiddenFill>
+            </a:ext>
+          </a:extLst>
+        </p:spPr>
+      </p:pic>
+    </p:spTree>
+    <p:extLst>
+      <p:ext uri="{BB962C8B-B14F-4D97-AF65-F5344CB8AC3E}">
+        <p14:creationId xmlns:p14="http://schemas.microsoft.com/office/powerpoint/2010/main" val="3296789435"/>
       </p:ext>
     </p:extLst>
   </p:cSld>
@@ -8827,22 +9799,22 @@
             <a:pPr lvl="1"/>
             <a:r>
               <a:rPr lang="en-US" dirty="0" err="1"/>
+              <a:t>Github</a:t>
+            </a:r>
+            <a:r>
+              <a:rPr lang="en-US" dirty="0"/>
+              <a:t> code repository</a:t>
+            </a:r>
+          </a:p>
+          <a:p>
+            <a:pPr lvl="1"/>
+            <a:r>
+              <a:rPr lang="en-US" dirty="0" err="1"/>
               <a:t>PowerBI</a:t>
             </a:r>
             <a:r>
               <a:rPr lang="en-US" dirty="0"/>
               <a:t> Dashboards</a:t>
-            </a:r>
-          </a:p>
-          <a:p>
-            <a:pPr lvl="1"/>
-            <a:r>
-              <a:rPr lang="en-US" dirty="0" err="1"/>
-              <a:t>Github</a:t>
-            </a:r>
-            <a:r>
-              <a:rPr lang="en-US" dirty="0"/>
-              <a:t> code repository</a:t>
             </a:r>
           </a:p>
           <a:p>
@@ -8968,42 +9940,7 @@
               <a:rPr lang="en-US" sz="1800" dirty="0">
                 <a:latin typeface="Times New Roman" panose="02020603050405020304" pitchFamily="18" charset="0"/>
               </a:rPr>
-              <a:t>Customer frequently ask for complicated logic to be implemented.</a:t>
-            </a:r>
-          </a:p>
-          <a:p>
-            <a:r>
-              <a:rPr lang="en-US" sz="1800" dirty="0">
-                <a:effectLst/>
-                <a:latin typeface="Times New Roman" panose="02020603050405020304" pitchFamily="18" charset="0"/>
-                <a:ea typeface="Times New Roman" panose="02020603050405020304" pitchFamily="18" charset="0"/>
-              </a:rPr>
-              <a:t>As the consumer expectations changing in turn increase in complexity of the software application</a:t>
-            </a:r>
-          </a:p>
-          <a:p>
-            <a:r>
-              <a:rPr lang="en-US" sz="1800" dirty="0">
-                <a:effectLst/>
-                <a:latin typeface="Times New Roman" panose="02020603050405020304" pitchFamily="18" charset="0"/>
-                <a:ea typeface="Times New Roman" panose="02020603050405020304" pitchFamily="18" charset="0"/>
-              </a:rPr>
-              <a:t>The complexity of software system is making manual testing increasingly time-consuming, inaccurate, and ineffective, manual testing is not appropriate for essential and </a:t>
-            </a:r>
-            <a:r>
-              <a:rPr lang="en-US" sz="1800" dirty="0">
-                <a:latin typeface="Times New Roman" panose="02020603050405020304" pitchFamily="18" charset="0"/>
-                <a:ea typeface="Times New Roman" panose="02020603050405020304" pitchFamily="18" charset="0"/>
-              </a:rPr>
-              <a:t>distributed</a:t>
-            </a:r>
-            <a:r>
-              <a:rPr lang="en-US" sz="1800" dirty="0">
-                <a:effectLst/>
-                <a:latin typeface="Times New Roman" panose="02020603050405020304" pitchFamily="18" charset="0"/>
-                <a:ea typeface="Times New Roman" panose="02020603050405020304" pitchFamily="18" charset="0"/>
-              </a:rPr>
-              <a:t> applications.</a:t>
+              <a:t>Cloud computing's evolution has revolutionized IT infrastructure, offering scalable resources on-demand via the internet.</a:t>
             </a:r>
           </a:p>
           <a:p>
@@ -9011,25 +9948,7 @@
               <a:rPr lang="en-US" sz="1800" dirty="0">
                 <a:latin typeface="Times New Roman" panose="02020603050405020304" pitchFamily="18" charset="0"/>
               </a:rPr>
-              <a:t>Hence, Software test automation demand growing </a:t>
-            </a:r>
-            <a:r>
-              <a:rPr lang="en-US" sz="1800" dirty="0">
-                <a:effectLst/>
-                <a:latin typeface="Times New Roman" panose="02020603050405020304" pitchFamily="18" charset="0"/>
-                <a:ea typeface="Times New Roman" panose="02020603050405020304" pitchFamily="18" charset="0"/>
-              </a:rPr>
-              <a:t>it expedites the testing process and ensures that deliverables are made on schedule</a:t>
-            </a:r>
-          </a:p>
-          <a:p>
-            <a:r>
-              <a:rPr lang="en-US" sz="1800" dirty="0">
-                <a:effectLst/>
-                <a:latin typeface="Times New Roman" panose="02020603050405020304" pitchFamily="18" charset="0"/>
-                <a:ea typeface="Times New Roman" panose="02020603050405020304" pitchFamily="18" charset="0"/>
-              </a:rPr>
-              <a:t> The scripts can be modified as needed and then reused with every new improvement</a:t>
+              <a:t>Organizations migrate databases to the cloud for cost reduction, scalability, flexibility, security enhancement, and disaster recovery benefits.</a:t>
             </a:r>
           </a:p>
           <a:p>
@@ -9037,7 +9956,23 @@
               <a:rPr lang="en-US" sz="1800" dirty="0">
                 <a:latin typeface="Times New Roman" panose="02020603050405020304" pitchFamily="18" charset="0"/>
               </a:rPr>
-              <a:t>Automation testing increase coverage, quality, and help in quick delivery of product. </a:t>
+              <a:t>Challenges include data security, compliance, compatibility, and downtime mitigation during migration.</a:t>
+            </a:r>
+          </a:p>
+          <a:p>
+            <a:r>
+              <a:rPr lang="en-US" sz="1800" dirty="0">
+                <a:latin typeface="Times New Roman" panose="02020603050405020304" pitchFamily="18" charset="0"/>
+              </a:rPr>
+              <a:t>Mitigation strategies involve thorough planning, data encryption, network optimization, and leveraging cloud migration tools.</a:t>
+            </a:r>
+          </a:p>
+          <a:p>
+            <a:r>
+              <a:rPr lang="en-US" sz="1800" dirty="0">
+                <a:latin typeface="Times New Roman" panose="02020603050405020304" pitchFamily="18" charset="0"/>
+              </a:rPr>
+              <a:t>Best practices include infrastructure assessment, cloud model selection, provider evaluation, detailed migration planning, and rigorous testing for data integrity and application functionality.</a:t>
             </a:r>
             <a:endParaRPr lang="en-US" dirty="0"/>
           </a:p>
@@ -9159,7 +10094,7 @@
                 <a:latin typeface="Times New Roman" panose="02020603050405020304" pitchFamily="18" charset="0"/>
                 <a:ea typeface="Times New Roman" panose="02020603050405020304" pitchFamily="18" charset="0"/>
               </a:rPr>
-              <a:t>There is not a single framework either paid or free available in the market which fulfill all the automation requirement, be it backend or frontend services, some are keyword driven few are data driven, some provide either recording facility or reporting facility only. Hence, we decided to implement hybrid, robust, reusable, stable, and consistent framework having good reporting and logging features available.</a:t>
+              <a:t>The problem entails the need to efficiently and securely migrate on-premises databases to the cloud, balancing the benefits of scalability and flexibility with challenges such as data security, compliance, compatibility, and potential downtime, thereby ensuring seamless operations and preserving data integrity throughout the migration process.</a:t>
             </a:r>
           </a:p>
           <a:p>
@@ -9168,7 +10103,7 @@
                 <a:latin typeface="Times New Roman" panose="02020603050405020304" pitchFamily="18" charset="0"/>
                 <a:ea typeface="Times New Roman" panose="02020603050405020304" pitchFamily="18" charset="0"/>
               </a:rPr>
-              <a:t>In this dissertation report we created Hybrid Design Page Object Model based Python Selenium test automation framework with the intention of increasing the effectiveness and efficiency of software testing.</a:t>
+              <a:t>In this dissertation report I have created end-to-end Azure cloud based solution for data migration from on-premises to cloud infrastructure.</a:t>
             </a:r>
             <a:endParaRPr lang="en-US" sz="2000" dirty="0">
               <a:effectLst/>
@@ -9475,13 +10410,8 @@
                 <a:ea typeface="Times New Roman" panose="02020603050405020304" pitchFamily="18" charset="0"/>
                 <a:cs typeface="Verdana" panose="020B0604030504040204" pitchFamily="34" charset="0"/>
               </a:rPr>
-              <a:t>Design Hybrid selenium Python selenium automation framework.</a:t>
-            </a:r>
-            <a:endParaRPr lang="en-IN" sz="2000" dirty="0">
-              <a:latin typeface="Verdana" panose="020B0604030504040204" pitchFamily="34" charset="0"/>
-              <a:ea typeface="Times New Roman" panose="02020603050405020304" pitchFamily="18" charset="0"/>
-              <a:cs typeface="Verdana" panose="020B0604030504040204" pitchFamily="34" charset="0"/>
-            </a:endParaRPr>
+              <a:t>Assess the current on-premises database infrastructure.</a:t>
+            </a:r>
           </a:p>
           <a:p>
             <a:pPr marL="342900" indent="-342900" algn="just">
@@ -9494,13 +10424,8 @@
                 <a:ea typeface="Times New Roman" panose="02020603050405020304" pitchFamily="18" charset="0"/>
                 <a:cs typeface="Verdana" panose="020B0604030504040204" pitchFamily="34" charset="0"/>
               </a:rPr>
-              <a:t>Automate some basic scenarios like Login, Logout, Dashboard Verification etc.</a:t>
-            </a:r>
-            <a:endParaRPr lang="en-IN" sz="2000" dirty="0">
-              <a:latin typeface="Verdana" panose="020B0604030504040204" pitchFamily="34" charset="0"/>
-              <a:ea typeface="Times New Roman" panose="02020603050405020304" pitchFamily="18" charset="0"/>
-              <a:cs typeface="Verdana" panose="020B0604030504040204" pitchFamily="34" charset="0"/>
-            </a:endParaRPr>
+              <a:t>Select the appropriate cloud service model and provider.</a:t>
+            </a:r>
           </a:p>
           <a:p>
             <a:pPr marL="342900" indent="-342900" algn="just">
@@ -9513,29 +10438,22 @@
                 <a:ea typeface="Times New Roman" panose="02020603050405020304" pitchFamily="18" charset="0"/>
                 <a:cs typeface="Verdana" panose="020B0604030504040204" pitchFamily="34" charset="0"/>
               </a:rPr>
-              <a:t>Framework should be able to run Data Driven Test Cases (</a:t>
-            </a:r>
-            <a:r>
-              <a:rPr lang="en-US" sz="2000" dirty="0" err="1">
-                <a:latin typeface="Times New Roman" panose="02020603050405020304" pitchFamily="18" charset="0"/>
-                <a:ea typeface="Times New Roman" panose="02020603050405020304" pitchFamily="18" charset="0"/>
-                <a:cs typeface="Verdana" panose="020B0604030504040204" pitchFamily="34" charset="0"/>
-              </a:rPr>
-              <a:t>eg</a:t>
-            </a:r>
+              <a:t>Develop a comprehensive migration plan addressing security, compliance, and downtime.</a:t>
+            </a:r>
+          </a:p>
+          <a:p>
+            <a:pPr marL="342900" indent="-342900" algn="just">
+              <a:buFont typeface="Symbol" panose="05050102010706020507" pitchFamily="18" charset="2"/>
+              <a:buChar char=""/>
+            </a:pPr>
             <a:r>
               <a:rPr lang="en-US" sz="2000" dirty="0">
                 <a:latin typeface="Times New Roman" panose="02020603050405020304" pitchFamily="18" charset="0"/>
                 <a:ea typeface="Times New Roman" panose="02020603050405020304" pitchFamily="18" charset="0"/>
                 <a:cs typeface="Verdana" panose="020B0604030504040204" pitchFamily="34" charset="0"/>
               </a:rPr>
-              <a:t>: Login with multiple data sets.) </a:t>
-            </a:r>
-            <a:endParaRPr lang="en-IN" sz="2000" dirty="0">
-              <a:latin typeface="Verdana" panose="020B0604030504040204" pitchFamily="34" charset="0"/>
-              <a:ea typeface="Times New Roman" panose="02020603050405020304" pitchFamily="18" charset="0"/>
-              <a:cs typeface="Verdana" panose="020B0604030504040204" pitchFamily="34" charset="0"/>
-            </a:endParaRPr>
+              <a:t>Execute the migration process while ensuring data integrity and minimal disruption.</a:t>
+            </a:r>
           </a:p>
           <a:p>
             <a:pPr marL="342900" indent="-342900" algn="just">
@@ -9548,72 +10466,8 @@
                 <a:ea typeface="Times New Roman" panose="02020603050405020304" pitchFamily="18" charset="0"/>
                 <a:cs typeface="Verdana" panose="020B0604030504040204" pitchFamily="34" charset="0"/>
               </a:rPr>
-              <a:t>Framework print logs to each action or important steps also save the log file log folder.</a:t>
-            </a:r>
-            <a:endParaRPr lang="en-IN" sz="2000" dirty="0">
-              <a:latin typeface="Verdana" panose="020B0604030504040204" pitchFamily="34" charset="0"/>
-              <a:ea typeface="Times New Roman" panose="02020603050405020304" pitchFamily="18" charset="0"/>
-              <a:cs typeface="Verdana" panose="020B0604030504040204" pitchFamily="34" charset="0"/>
-            </a:endParaRPr>
-          </a:p>
-          <a:p>
-            <a:pPr marL="342900" indent="-342900" algn="just">
-              <a:buFont typeface="Symbol" panose="05050102010706020507" pitchFamily="18" charset="2"/>
-              <a:buChar char=""/>
-            </a:pPr>
-            <a:r>
-              <a:rPr lang="en-US" sz="2000" dirty="0">
-                <a:latin typeface="Times New Roman" panose="02020603050405020304" pitchFamily="18" charset="0"/>
-                <a:ea typeface="Times New Roman" panose="02020603050405020304" pitchFamily="18" charset="0"/>
-                <a:cs typeface="Verdana" panose="020B0604030504040204" pitchFamily="34" charset="0"/>
-              </a:rPr>
-              <a:t>Framework support screenshot capture in case of failure and save the screenshot in screenshot folder.</a:t>
-            </a:r>
-            <a:endParaRPr lang="en-IN" sz="2000" dirty="0">
-              <a:latin typeface="Verdana" panose="020B0604030504040204" pitchFamily="34" charset="0"/>
-              <a:ea typeface="Times New Roman" panose="02020603050405020304" pitchFamily="18" charset="0"/>
-              <a:cs typeface="Verdana" panose="020B0604030504040204" pitchFamily="34" charset="0"/>
-            </a:endParaRPr>
-          </a:p>
-          <a:p>
-            <a:pPr marL="342900" indent="-342900" algn="just">
-              <a:buFont typeface="Symbol" panose="05050102010706020507" pitchFamily="18" charset="2"/>
-              <a:buChar char=""/>
-            </a:pPr>
-            <a:r>
-              <a:rPr lang="en-US" sz="2000" dirty="0">
-                <a:latin typeface="Times New Roman" panose="02020603050405020304" pitchFamily="18" charset="0"/>
-                <a:ea typeface="Times New Roman" panose="02020603050405020304" pitchFamily="18" charset="0"/>
-                <a:cs typeface="Verdana" panose="020B0604030504040204" pitchFamily="34" charset="0"/>
-              </a:rPr>
-              <a:t>Support reporting tool to generate summary of all test cases pass/fail after the test suite run.</a:t>
-            </a:r>
-            <a:endParaRPr lang="en-IN" sz="2000" dirty="0">
-              <a:latin typeface="Verdana" panose="020B0604030504040204" pitchFamily="34" charset="0"/>
-              <a:ea typeface="Times New Roman" panose="02020603050405020304" pitchFamily="18" charset="0"/>
-              <a:cs typeface="Verdana" panose="020B0604030504040204" pitchFamily="34" charset="0"/>
-            </a:endParaRPr>
-          </a:p>
-          <a:p>
-            <a:pPr marL="342900" indent="-342900" algn="just">
-              <a:buFont typeface="Symbol" panose="05050102010706020507" pitchFamily="18" charset="2"/>
-              <a:buChar char=""/>
-            </a:pPr>
-            <a:r>
-              <a:rPr lang="en-US" sz="2000" dirty="0">
-                <a:latin typeface="Times New Roman" panose="02020603050405020304" pitchFamily="18" charset="0"/>
-                <a:ea typeface="Times New Roman" panose="02020603050405020304" pitchFamily="18" charset="0"/>
-                <a:cs typeface="Verdana" panose="020B0604030504040204" pitchFamily="34" charset="0"/>
-              </a:rPr>
-              <a:t>Integrate with build tool to run the automated and schedule job based on merge or check in trigger.</a:t>
-            </a:r>
-            <a:endParaRPr lang="en-IN" sz="2000" dirty="0">
-              <a:latin typeface="Verdana" panose="020B0604030504040204" pitchFamily="34" charset="0"/>
-              <a:ea typeface="Times New Roman" panose="02020603050405020304" pitchFamily="18" charset="0"/>
-              <a:cs typeface="Verdana" panose="020B0604030504040204" pitchFamily="34" charset="0"/>
-            </a:endParaRPr>
-          </a:p>
-          <a:p>
+              <a:t>Validate the functionality of migrated databases in the cloud environment.</a:t>
+            </a:r>
             <a:endParaRPr lang="en-US" dirty="0"/>
           </a:p>
           <a:p>
@@ -9686,31 +10540,35 @@
           </a:p>
         </p:txBody>
       </p:sp>
-      <p:sp>
-        <p:nvSpPr>
-          <p:cNvPr id="5" name="Content Placeholder 4">
+      <p:pic>
+        <p:nvPicPr>
+          <p:cNvPr id="4" name="Content Placeholder 3" descr="A screenshot of a computer&#10;&#10;Description automatically generated">
             <a:extLst>
               <a:ext uri="{FF2B5EF4-FFF2-40B4-BE49-F238E27FC236}">
-                <a16:creationId xmlns:a16="http://schemas.microsoft.com/office/drawing/2014/main" id="{05A72281-A374-5A61-2CD2-EBC9E725BD3B}"/>
+                <a16:creationId xmlns:a16="http://schemas.microsoft.com/office/drawing/2014/main" id="{34291B53-162C-B85C-2CF5-4A5FC9442FE9}"/>
               </a:ext>
             </a:extLst>
           </p:cNvPr>
-          <p:cNvSpPr>
-            <a:spLocks noGrp="1"/>
-          </p:cNvSpPr>
+          <p:cNvPicPr>
+            <a:picLocks noGrp="1" noChangeAspect="1"/>
+          </p:cNvPicPr>
           <p:nvPr>
             <p:ph idx="1"/>
           </p:nvPr>
-        </p:nvSpPr>
-        <p:spPr/>
-        <p:txBody>
-          <a:bodyPr/>
-          <a:lstStyle/>
-          <a:p>
-            <a:endParaRPr lang="en-IN"/>
-          </a:p>
-        </p:txBody>
-      </p:sp>
+        </p:nvPicPr>
+        <p:blipFill>
+          <a:blip r:embed="rId2"/>
+          <a:stretch>
+            <a:fillRect/>
+          </a:stretch>
+        </p:blipFill>
+        <p:spPr>
+          <a:xfrm>
+            <a:off x="1834889" y="2398944"/>
+            <a:ext cx="8522221" cy="3939713"/>
+          </a:xfrm>
+        </p:spPr>
+      </p:pic>
     </p:spTree>
     <p:extLst>
       <p:ext uri="{BB962C8B-B14F-4D97-AF65-F5344CB8AC3E}">
@@ -9764,66 +10622,45 @@
           <a:p>
             <a:r>
               <a:rPr lang="en-US" dirty="0"/>
-              <a:t>Implementation &amp; Working</a:t>
-            </a:r>
-          </a:p>
-        </p:txBody>
-      </p:sp>
-      <p:sp>
-        <p:nvSpPr>
-          <p:cNvPr id="3" name="Content Placeholder 2">
+              <a:t>Overview of Architectural Design</a:t>
+            </a:r>
+            <a:endParaRPr lang="en-IN" dirty="0"/>
+          </a:p>
+        </p:txBody>
+      </p:sp>
+      <p:pic>
+        <p:nvPicPr>
+          <p:cNvPr id="7" name="Content Placeholder 6" descr="A diagram of a blockchain&#10;&#10;Description automatically generated">
             <a:extLst>
               <a:ext uri="{FF2B5EF4-FFF2-40B4-BE49-F238E27FC236}">
-                <a16:creationId xmlns:a16="http://schemas.microsoft.com/office/drawing/2014/main" id="{70B6563F-C9BC-8EC0-B611-9FFC088AFF08}"/>
+                <a16:creationId xmlns:a16="http://schemas.microsoft.com/office/drawing/2014/main" id="{2353CC24-5ABE-C057-616A-5C3B292B08B3}"/>
               </a:ext>
             </a:extLst>
           </p:cNvPr>
-          <p:cNvSpPr>
-            <a:spLocks noGrp="1"/>
-          </p:cNvSpPr>
+          <p:cNvPicPr>
+            <a:picLocks noGrp="1" noChangeAspect="1"/>
+          </p:cNvPicPr>
           <p:nvPr>
             <p:ph idx="1"/>
           </p:nvPr>
-        </p:nvSpPr>
-        <p:spPr>
-          <a:xfrm>
-            <a:off x="295275" y="2038350"/>
-            <a:ext cx="10382250" cy="4648199"/>
-          </a:xfrm>
-        </p:spPr>
-        <p:txBody>
-          <a:bodyPr>
-            <a:normAutofit/>
-          </a:bodyPr>
-          <a:lstStyle/>
-          <a:p>
-            <a:pPr lvl="1"/>
-            <a:r>
-              <a:rPr lang="en-US" dirty="0"/>
-              <a:t>Cloud Resources</a:t>
-            </a:r>
-          </a:p>
-          <a:p>
-            <a:endParaRPr lang="en-US" dirty="0"/>
-          </a:p>
-          <a:p>
-            <a:r>
-              <a:rPr lang="en-US" dirty="0"/>
-              <a:t>A</a:t>
-            </a:r>
-          </a:p>
-          <a:p>
-            <a:endParaRPr lang="en-IN" dirty="0"/>
-          </a:p>
-          <a:p>
-            <a:endParaRPr lang="en-IN" dirty="0"/>
-          </a:p>
-        </p:txBody>
-      </p:sp>
+        </p:nvPicPr>
+        <p:blipFill>
+          <a:blip r:embed="rId2"/>
+          <a:stretch>
+            <a:fillRect/>
+          </a:stretch>
+        </p:blipFill>
+        <p:spPr>
+          <a:xfrm>
+            <a:off x="2147095" y="2301290"/>
+            <a:ext cx="7897809" cy="4126144"/>
+          </a:xfrm>
+        </p:spPr>
+      </p:pic>
     </p:spTree>
     <p:extLst>
       <p:ext uri="{BB962C8B-B14F-4D97-AF65-F5344CB8AC3E}">
-        <p14:creationId xmlns:p14="http://schemas.microsoft.com/office/powerpoint/2010/main" val="1700276650"/>
+        <p14:creationId xmlns:p14="http://schemas.microsoft.com/office/powerpoint/2010/main" val="576732271"/>
       </p:ext>
     </p:extLst>
   </p:cSld>
@@ -9908,8 +10745,8 @@
           <a:p>
             <a:pPr lvl="1"/>
             <a:r>
-              <a:rPr lang="en-US" dirty="0"/>
-              <a:t>Code Snippets</a:t>
+              <a:rPr lang="en-US" sz="2800" dirty="0"/>
+              <a:t>Cloud Resources</a:t>
             </a:r>
           </a:p>
           <a:p>
@@ -9917,9 +10754,50 @@
           </a:p>
           <a:p>
             <a:r>
-              <a:rPr lang="en-US" dirty="0"/>
-              <a:t>A</a:t>
-            </a:r>
+              <a:rPr lang="en-US" sz="1800" dirty="0"/>
+              <a:t>Azure Data Factory</a:t>
+            </a:r>
+          </a:p>
+          <a:p>
+            <a:r>
+              <a:rPr lang="en-US" sz="1800" dirty="0"/>
+              <a:t>Azure Data Lake Storage (Gen2)</a:t>
+            </a:r>
+          </a:p>
+          <a:p>
+            <a:r>
+              <a:rPr lang="en-US" sz="1800" dirty="0"/>
+              <a:t>Azure Databricks</a:t>
+            </a:r>
+          </a:p>
+          <a:p>
+            <a:r>
+              <a:rPr lang="en-US" sz="1800" dirty="0"/>
+              <a:t>Azure Synapse Analytics</a:t>
+            </a:r>
+          </a:p>
+          <a:p>
+            <a:r>
+              <a:rPr lang="en-US" sz="1800" dirty="0"/>
+              <a:t>Azure Key vault</a:t>
+            </a:r>
+          </a:p>
+          <a:p>
+            <a:r>
+              <a:rPr lang="en-US" sz="1800" dirty="0"/>
+              <a:t>Azure Active Directory</a:t>
+            </a:r>
+          </a:p>
+          <a:p>
+            <a:r>
+              <a:rPr lang="en-US" sz="1800" dirty="0"/>
+              <a:t>Microsoft </a:t>
+            </a:r>
+            <a:r>
+              <a:rPr lang="en-US" sz="1800" dirty="0" err="1"/>
+              <a:t>PowerBI</a:t>
+            </a:r>
+            <a:endParaRPr lang="en-US" sz="1800" dirty="0"/>
           </a:p>
           <a:p>
             <a:endParaRPr lang="en-IN" dirty="0"/>
@@ -9932,7 +10810,7 @@
     </p:spTree>
     <p:extLst>
       <p:ext uri="{BB962C8B-B14F-4D97-AF65-F5344CB8AC3E}">
-        <p14:creationId xmlns:p14="http://schemas.microsoft.com/office/powerpoint/2010/main" val="3624665028"/>
+        <p14:creationId xmlns:p14="http://schemas.microsoft.com/office/powerpoint/2010/main" val="1700276650"/>
       </p:ext>
     </p:extLst>
   </p:cSld>
@@ -10017,22 +10895,15 @@
           <a:p>
             <a:pPr lvl="1"/>
             <a:r>
-              <a:rPr lang="en-US" dirty="0" err="1"/>
-              <a:t>PowerBI</a:t>
-            </a:r>
-            <a:r>
-              <a:rPr lang="en-US" dirty="0"/>
-              <a:t> Dashboards</a:t>
+              <a:rPr lang="en-US" sz="2400" dirty="0"/>
+              <a:t>Code Snippets</a:t>
             </a:r>
           </a:p>
           <a:p>
             <a:endParaRPr lang="en-US" dirty="0"/>
           </a:p>
           <a:p>
-            <a:r>
-              <a:rPr lang="en-US" dirty="0"/>
-              <a:t>A</a:t>
-            </a:r>
+            <a:endParaRPr lang="en-US" dirty="0"/>
           </a:p>
           <a:p>
             <a:endParaRPr lang="en-IN" dirty="0"/>
@@ -10042,10 +10913,40 @@
           </a:p>
         </p:txBody>
       </p:sp>
+      <p:pic>
+        <p:nvPicPr>
+          <p:cNvPr id="5" name="Picture 4">
+            <a:extLst>
+              <a:ext uri="{FF2B5EF4-FFF2-40B4-BE49-F238E27FC236}">
+                <a16:creationId xmlns:a16="http://schemas.microsoft.com/office/drawing/2014/main" id="{86DEA56D-4B10-9B3C-BD87-AC481117EEEE}"/>
+              </a:ext>
+            </a:extLst>
+          </p:cNvPr>
+          <p:cNvPicPr>
+            <a:picLocks noChangeAspect="1"/>
+          </p:cNvPicPr>
+          <p:nvPr/>
+        </p:nvPicPr>
+        <p:blipFill>
+          <a:blip r:embed="rId2"/>
+          <a:stretch>
+            <a:fillRect/>
+          </a:stretch>
+        </p:blipFill>
+        <p:spPr>
+          <a:xfrm>
+            <a:off x="1105983" y="2734322"/>
+            <a:ext cx="9980033" cy="3370450"/>
+          </a:xfrm>
+          <a:prstGeom prst="rect">
+            <a:avLst/>
+          </a:prstGeom>
+        </p:spPr>
+      </p:pic>
     </p:spTree>
     <p:extLst>
       <p:ext uri="{BB962C8B-B14F-4D97-AF65-F5344CB8AC3E}">
-        <p14:creationId xmlns:p14="http://schemas.microsoft.com/office/powerpoint/2010/main" val="2787504626"/>
+        <p14:creationId xmlns:p14="http://schemas.microsoft.com/office/powerpoint/2010/main" val="3624665028"/>
       </p:ext>
     </p:extLst>
   </p:cSld>
